--- a/draft-gandhi-mpls-ioam-sr-03.pptx
+++ b/draft-gandhi-mpls-ioam-sr-03.pptx
@@ -5551,7 +5551,7 @@
           <a:p>
             <a:r>
               <a:rPr lang="en-CA" dirty="0"/>
-              <a:t>108</a:t>
+              <a:t>109</a:t>
             </a:r>
             <a:r>
               <a:rPr lang="en-CA" baseline="30000" dirty="0"/>
@@ -5742,7 +5742,7 @@
           <a:p>
             <a:r>
               <a:rPr lang="en-CA" dirty="0"/>
-              <a:t>108</a:t>
+              <a:t>109</a:t>
             </a:r>
             <a:r>
               <a:rPr lang="en-CA" baseline="30000" dirty="0"/>
@@ -5966,7 +5966,7 @@
           <a:p>
             <a:r>
               <a:rPr lang="en-CA" dirty="0"/>
-              <a:t>108</a:t>
+              <a:t>109</a:t>
             </a:r>
             <a:r>
               <a:rPr lang="en-CA" baseline="30000" dirty="0"/>
@@ -6182,7 +6182,7 @@
           <a:p>
             <a:r>
               <a:rPr lang="en-CA" dirty="0"/>
-              <a:t>108</a:t>
+              <a:t>109</a:t>
             </a:r>
             <a:r>
               <a:rPr lang="en-CA" baseline="30000" dirty="0"/>
@@ -6400,7 +6400,7 @@
           <a:p>
             <a:r>
               <a:rPr lang="en-CA" dirty="0"/>
-              <a:t>108</a:t>
+              <a:t>109</a:t>
             </a:r>
             <a:r>
               <a:rPr lang="en-CA" baseline="30000" dirty="0"/>
@@ -6547,7 +6547,7 @@
           <a:p>
             <a:r>
               <a:rPr lang="en-CA" dirty="0"/>
-              <a:t>108</a:t>
+              <a:t>109</a:t>
             </a:r>
             <a:r>
               <a:rPr lang="en-CA" baseline="30000" dirty="0"/>
@@ -6971,7 +6971,7 @@
           <a:p>
             <a:r>
               <a:rPr lang="en-CA" dirty="0"/>
-              <a:t>108</a:t>
+              <a:t>109</a:t>
             </a:r>
             <a:r>
               <a:rPr lang="en-CA" baseline="30000" dirty="0"/>
@@ -7501,7 +7501,7 @@
           <a:p>
             <a:r>
               <a:rPr lang="en-CA" dirty="0"/>
-              <a:t>108</a:t>
+              <a:t>109</a:t>
             </a:r>
             <a:r>
               <a:rPr lang="en-CA" baseline="30000" dirty="0"/>
@@ -7595,7 +7595,7 @@
           <a:p>
             <a:r>
               <a:rPr lang="en-CA" dirty="0"/>
-              <a:t>108</a:t>
+              <a:t>109</a:t>
             </a:r>
             <a:r>
               <a:rPr lang="en-CA" baseline="30000" dirty="0"/>
@@ -7962,7 +7962,7 @@
           <a:p>
             <a:r>
               <a:rPr lang="en-CA" dirty="0"/>
-              <a:t>108</a:t>
+              <a:t>109</a:t>
             </a:r>
             <a:r>
               <a:rPr lang="en-CA" baseline="30000" dirty="0"/>
@@ -8297,7 +8297,7 @@
           <a:p>
             <a:r>
               <a:rPr lang="en-CA" dirty="0"/>
-              <a:t>108</a:t>
+              <a:t>109</a:t>
             </a:r>
             <a:r>
               <a:rPr lang="en-CA" baseline="30000" dirty="0"/>
@@ -8587,7 +8587,7 @@
           <a:p>
             <a:r>
               <a:rPr lang="en-CA" dirty="0"/>
-              <a:t>108</a:t>
+              <a:t>109</a:t>
             </a:r>
             <a:r>
               <a:rPr lang="en-CA" baseline="30000" dirty="0"/>
@@ -8737,6 +8737,24 @@
             </a:pPr>
             <a:r>
               <a:rPr lang="en-US" sz="2000" dirty="0"/>
+              <a:t>Need for different </a:t>
+            </a:r>
+            <a:r>
+              <a:rPr lang="en-US" sz="2000" dirty="0" err="1"/>
+              <a:t>HbH</a:t>
+            </a:r>
+            <a:r>
+              <a:rPr lang="en-US" sz="2000" dirty="0"/>
+              <a:t> and E2E Indicator Labels</a:t>
+            </a:r>
+          </a:p>
+          <a:p>
+            <a:pPr lvl="1">
+              <a:buFont typeface="Wingdings" pitchFamily="2" charset="2"/>
+              <a:buChar char="ü"/>
+            </a:pPr>
+            <a:r>
+              <a:rPr lang="en-US" sz="2000" dirty="0"/>
               <a:t>Added MSD consideration</a:t>
             </a:r>
           </a:p>
@@ -8799,7 +8817,7 @@
           <a:p>
             <a:r>
               <a:rPr lang="en-CA" dirty="0"/>
-              <a:t>108</a:t>
+              <a:t>109</a:t>
             </a:r>
             <a:r>
               <a:rPr lang="en-CA" baseline="30000" dirty="0"/>
@@ -8946,7 +8964,7 @@
           <a:p>
             <a:r>
               <a:rPr lang="en-CA" dirty="0"/>
-              <a:t>108</a:t>
+              <a:t>109</a:t>
             </a:r>
             <a:r>
               <a:rPr lang="en-CA" baseline="30000" dirty="0"/>
@@ -9384,7 +9402,7 @@
           <a:p>
             <a:r>
               <a:rPr lang="en-CA" dirty="0"/>
-              <a:t>108</a:t>
+              <a:t>109</a:t>
             </a:r>
             <a:r>
               <a:rPr lang="en-CA" baseline="30000" dirty="0"/>
@@ -9551,7 +9569,7 @@
           <a:p>
             <a:r>
               <a:rPr lang="en-CA" dirty="0"/>
-              <a:t>108</a:t>
+              <a:t>109</a:t>
             </a:r>
             <a:r>
               <a:rPr lang="en-CA" baseline="30000" dirty="0"/>
@@ -10112,7 +10130,7 @@
           <a:p>
             <a:r>
               <a:rPr lang="en-CA" dirty="0"/>
-              <a:t>108</a:t>
+              <a:t>109</a:t>
             </a:r>
             <a:r>
               <a:rPr lang="en-CA" baseline="30000" dirty="0"/>

--- a/draft-gandhi-mpls-ioam-sr-03.pptx
+++ b/draft-gandhi-mpls-ioam-sr-03.pptx
@@ -260,7 +260,7 @@
           <a:p>
             <a:fld id="{E8FA3DB5-7722-3F4F-947D-12B203669AD7}" type="datetimeFigureOut">
               <a:rPr lang="en-US" smtClean="0"/>
-              <a:t>9/14/20</a:t>
+              <a:t>11/7/20</a:t>
             </a:fld>
             <a:endParaRPr lang="en-US"/>
           </a:p>
@@ -5202,8 +5202,8 @@
         </p:nvSpPr>
         <p:spPr>
           <a:xfrm>
-            <a:off x="228600" y="285750"/>
-            <a:ext cx="8763000" cy="1676400"/>
+            <a:off x="838200" y="312821"/>
+            <a:ext cx="7162800" cy="1676400"/>
           </a:xfrm>
         </p:spPr>
         <p:txBody>
@@ -5256,7 +5256,7 @@
         </p:nvSpPr>
         <p:spPr bwMode="auto">
           <a:xfrm>
-            <a:off x="2286000" y="2508459"/>
+            <a:off x="2286000" y="2593309"/>
             <a:ext cx="4876800" cy="1569242"/>
           </a:xfrm>
           <a:prstGeom prst="rect">

--- a/draft-gandhi-mpls-ioam-sr-03.pptx
+++ b/draft-gandhi-mpls-ioam-sr-03.pptx
@@ -5,10 +5,10 @@
     <p:sldMasterId id="2147483648" r:id="rId1"/>
   </p:sldMasterIdLst>
   <p:notesMasterIdLst>
-    <p:notesMasterId r:id="rId19"/>
+    <p:notesMasterId r:id="rId21"/>
   </p:notesMasterIdLst>
   <p:handoutMasterIdLst>
-    <p:handoutMasterId r:id="rId20"/>
+    <p:handoutMasterId r:id="rId22"/>
   </p:handoutMasterIdLst>
   <p:sldIdLst>
     <p:sldId id="256" r:id="rId2"/>
@@ -17,17 +17,19 @@
     <p:sldId id="1653" r:id="rId5"/>
     <p:sldId id="1668" r:id="rId6"/>
     <p:sldId id="319" r:id="rId7"/>
-    <p:sldId id="1659" r:id="rId8"/>
-    <p:sldId id="1655" r:id="rId9"/>
-    <p:sldId id="1658" r:id="rId10"/>
-    <p:sldId id="1664" r:id="rId11"/>
-    <p:sldId id="1662" r:id="rId12"/>
-    <p:sldId id="1663" r:id="rId13"/>
-    <p:sldId id="320" r:id="rId14"/>
-    <p:sldId id="1667" r:id="rId15"/>
-    <p:sldId id="1666" r:id="rId16"/>
-    <p:sldId id="1661" r:id="rId17"/>
-    <p:sldId id="303" r:id="rId18"/>
+    <p:sldId id="1655" r:id="rId8"/>
+    <p:sldId id="1662" r:id="rId9"/>
+    <p:sldId id="320" r:id="rId10"/>
+    <p:sldId id="1667" r:id="rId11"/>
+    <p:sldId id="1666" r:id="rId12"/>
+    <p:sldId id="1661" r:id="rId13"/>
+    <p:sldId id="303" r:id="rId14"/>
+    <p:sldId id="1670" r:id="rId15"/>
+    <p:sldId id="1659" r:id="rId16"/>
+    <p:sldId id="1658" r:id="rId17"/>
+    <p:sldId id="1664" r:id="rId18"/>
+    <p:sldId id="1663" r:id="rId19"/>
+    <p:sldId id="1669" r:id="rId20"/>
   </p:sldIdLst>
   <p:sldSz cx="9144000" cy="5143500" type="screen16x9"/>
   <p:notesSz cx="6858000" cy="9144000"/>
@@ -260,7 +262,7 @@
           <a:p>
             <a:fld id="{E8FA3DB5-7722-3F4F-947D-12B203669AD7}" type="datetimeFigureOut">
               <a:rPr lang="en-US" smtClean="0"/>
-              <a:t>11/7/20</a:t>
+              <a:t>11/9/20</a:t>
             </a:fld>
             <a:endParaRPr lang="en-US"/>
           </a:p>
@@ -921,7 +923,7 @@
           <a:bodyPr/>
           <a:lstStyle/>
           <a:p>
-            <a:endParaRPr lang="en-CA" dirty="0"/>
+            <a:endParaRPr lang="en-US" dirty="0"/>
           </a:p>
         </p:txBody>
       </p:sp>
@@ -948,7 +950,7 @@
               <a:pPr>
                 <a:defRPr/>
               </a:pPr>
-              <a:t>12</a:t>
+              <a:t>14</a:t>
             </a:fld>
             <a:endParaRPr lang="en-US" altLang="zh-CN"/>
           </a:p>
@@ -957,7 +959,7 @@
     </p:spTree>
     <p:extLst>
       <p:ext uri="{BB962C8B-B14F-4D97-AF65-F5344CB8AC3E}">
-        <p14:creationId xmlns:p14="http://schemas.microsoft.com/office/powerpoint/2010/main" val="2690657143"/>
+        <p14:creationId xmlns:p14="http://schemas.microsoft.com/office/powerpoint/2010/main" val="1410196003"/>
       </p:ext>
     </p:extLst>
   </p:cSld>
@@ -1038,7 +1040,7 @@
               <a:pPr>
                 <a:defRPr/>
               </a:pPr>
-              <a:t>13</a:t>
+              <a:t>15</a:t>
             </a:fld>
             <a:endParaRPr lang="en-US" altLang="zh-CN"/>
           </a:p>
@@ -1047,7 +1049,7 @@
     </p:spTree>
     <p:extLst>
       <p:ext uri="{BB962C8B-B14F-4D97-AF65-F5344CB8AC3E}">
-        <p14:creationId xmlns:p14="http://schemas.microsoft.com/office/powerpoint/2010/main" val="824973881"/>
+        <p14:creationId xmlns:p14="http://schemas.microsoft.com/office/powerpoint/2010/main" val="206676257"/>
       </p:ext>
     </p:extLst>
   </p:cSld>
@@ -1137,7 +1139,7 @@
     </p:spTree>
     <p:extLst>
       <p:ext uri="{BB962C8B-B14F-4D97-AF65-F5344CB8AC3E}">
-        <p14:creationId xmlns:p14="http://schemas.microsoft.com/office/powerpoint/2010/main" val="2040580136"/>
+        <p14:creationId xmlns:p14="http://schemas.microsoft.com/office/powerpoint/2010/main" val="818415724"/>
       </p:ext>
     </p:extLst>
   </p:cSld>
@@ -1191,7 +1193,7 @@
           <a:bodyPr/>
           <a:lstStyle/>
           <a:p>
-            <a:endParaRPr lang="en-US" dirty="0"/>
+            <a:endParaRPr lang="en-CA" dirty="0"/>
           </a:p>
         </p:txBody>
       </p:sp>
@@ -1227,7 +1229,187 @@
     </p:spTree>
     <p:extLst>
       <p:ext uri="{BB962C8B-B14F-4D97-AF65-F5344CB8AC3E}">
-        <p14:creationId xmlns:p14="http://schemas.microsoft.com/office/powerpoint/2010/main" val="383772479"/>
+        <p14:creationId xmlns:p14="http://schemas.microsoft.com/office/powerpoint/2010/main" val="3683986428"/>
+      </p:ext>
+    </p:extLst>
+  </p:cSld>
+  <p:clrMapOvr>
+    <a:masterClrMapping/>
+  </p:clrMapOvr>
+</p:notes>
+</file>
+
+<file path=ppt/notesSlides/notesSlide14.xml><?xml version="1.0" encoding="utf-8"?>
+<p:notes xmlns:a="http://schemas.openxmlformats.org/drawingml/2006/main" xmlns:r="http://schemas.openxmlformats.org/officeDocument/2006/relationships" xmlns:p="http://schemas.openxmlformats.org/presentationml/2006/main">
+  <p:cSld>
+    <p:spTree>
+      <p:nvGrpSpPr>
+        <p:cNvPr id="1" name=""/>
+        <p:cNvGrpSpPr/>
+        <p:nvPr/>
+      </p:nvGrpSpPr>
+      <p:grpSpPr>
+        <a:xfrm>
+          <a:off x="0" y="0"/>
+          <a:ext cx="0" cy="0"/>
+          <a:chOff x="0" y="0"/>
+          <a:chExt cx="0" cy="0"/>
+        </a:xfrm>
+      </p:grpSpPr>
+      <p:sp>
+        <p:nvSpPr>
+          <p:cNvPr id="2" name="Slide Image Placeholder 1"/>
+          <p:cNvSpPr>
+            <a:spLocks noGrp="1" noRot="1" noChangeAspect="1"/>
+          </p:cNvSpPr>
+          <p:nvPr>
+            <p:ph type="sldImg"/>
+          </p:nvPr>
+        </p:nvSpPr>
+        <p:spPr/>
+      </p:sp>
+      <p:sp>
+        <p:nvSpPr>
+          <p:cNvPr id="3" name="Notes Placeholder 2"/>
+          <p:cNvSpPr>
+            <a:spLocks noGrp="1"/>
+          </p:cNvSpPr>
+          <p:nvPr>
+            <p:ph type="body" idx="1"/>
+          </p:nvPr>
+        </p:nvSpPr>
+        <p:spPr/>
+        <p:txBody>
+          <a:bodyPr/>
+          <a:lstStyle/>
+          <a:p>
+            <a:endParaRPr lang="en-CA" dirty="0"/>
+          </a:p>
+        </p:txBody>
+      </p:sp>
+      <p:sp>
+        <p:nvSpPr>
+          <p:cNvPr id="4" name="Slide Number Placeholder 3"/>
+          <p:cNvSpPr>
+            <a:spLocks noGrp="1"/>
+          </p:cNvSpPr>
+          <p:nvPr>
+            <p:ph type="sldNum" sz="quarter" idx="10"/>
+          </p:nvPr>
+        </p:nvSpPr>
+        <p:spPr/>
+        <p:txBody>
+          <a:bodyPr/>
+          <a:lstStyle/>
+          <a:p>
+            <a:pPr>
+              <a:defRPr/>
+            </a:pPr>
+            <a:fld id="{100938BD-FD70-4535-B0C2-13FC38CDF1BE}" type="slidenum">
+              <a:rPr lang="en-US" altLang="zh-CN" smtClean="0"/>
+              <a:pPr>
+                <a:defRPr/>
+              </a:pPr>
+              <a:t>18</a:t>
+            </a:fld>
+            <a:endParaRPr lang="en-US" altLang="zh-CN"/>
+          </a:p>
+        </p:txBody>
+      </p:sp>
+    </p:spTree>
+    <p:extLst>
+      <p:ext uri="{BB962C8B-B14F-4D97-AF65-F5344CB8AC3E}">
+        <p14:creationId xmlns:p14="http://schemas.microsoft.com/office/powerpoint/2010/main" val="4185812354"/>
+      </p:ext>
+    </p:extLst>
+  </p:cSld>
+  <p:clrMapOvr>
+    <a:masterClrMapping/>
+  </p:clrMapOvr>
+</p:notes>
+</file>
+
+<file path=ppt/notesSlides/notesSlide15.xml><?xml version="1.0" encoding="utf-8"?>
+<p:notes xmlns:a="http://schemas.openxmlformats.org/drawingml/2006/main" xmlns:r="http://schemas.openxmlformats.org/officeDocument/2006/relationships" xmlns:p="http://schemas.openxmlformats.org/presentationml/2006/main">
+  <p:cSld>
+    <p:spTree>
+      <p:nvGrpSpPr>
+        <p:cNvPr id="1" name=""/>
+        <p:cNvGrpSpPr/>
+        <p:nvPr/>
+      </p:nvGrpSpPr>
+      <p:grpSpPr>
+        <a:xfrm>
+          <a:off x="0" y="0"/>
+          <a:ext cx="0" cy="0"/>
+          <a:chOff x="0" y="0"/>
+          <a:chExt cx="0" cy="0"/>
+        </a:xfrm>
+      </p:grpSpPr>
+      <p:sp>
+        <p:nvSpPr>
+          <p:cNvPr id="2" name="Slide Image Placeholder 1"/>
+          <p:cNvSpPr>
+            <a:spLocks noGrp="1" noRot="1" noChangeAspect="1"/>
+          </p:cNvSpPr>
+          <p:nvPr>
+            <p:ph type="sldImg"/>
+          </p:nvPr>
+        </p:nvSpPr>
+        <p:spPr/>
+      </p:sp>
+      <p:sp>
+        <p:nvSpPr>
+          <p:cNvPr id="3" name="Notes Placeholder 2"/>
+          <p:cNvSpPr>
+            <a:spLocks noGrp="1"/>
+          </p:cNvSpPr>
+          <p:nvPr>
+            <p:ph type="body" idx="1"/>
+          </p:nvPr>
+        </p:nvSpPr>
+        <p:spPr/>
+        <p:txBody>
+          <a:bodyPr/>
+          <a:lstStyle/>
+          <a:p>
+            <a:endParaRPr lang="en-US" dirty="0"/>
+          </a:p>
+        </p:txBody>
+      </p:sp>
+      <p:sp>
+        <p:nvSpPr>
+          <p:cNvPr id="4" name="Slide Number Placeholder 3"/>
+          <p:cNvSpPr>
+            <a:spLocks noGrp="1"/>
+          </p:cNvSpPr>
+          <p:nvPr>
+            <p:ph type="sldNum" sz="quarter" idx="10"/>
+          </p:nvPr>
+        </p:nvSpPr>
+        <p:spPr/>
+        <p:txBody>
+          <a:bodyPr/>
+          <a:lstStyle/>
+          <a:p>
+            <a:pPr>
+              <a:defRPr/>
+            </a:pPr>
+            <a:fld id="{100938BD-FD70-4535-B0C2-13FC38CDF1BE}" type="slidenum">
+              <a:rPr lang="en-US" altLang="zh-CN" smtClean="0"/>
+              <a:pPr>
+                <a:defRPr/>
+              </a:pPr>
+              <a:t>19</a:t>
+            </a:fld>
+            <a:endParaRPr lang="en-US" altLang="zh-CN"/>
+          </a:p>
+        </p:txBody>
+      </p:sp>
+    </p:spTree>
+    <p:extLst>
+      <p:ext uri="{BB962C8B-B14F-4D97-AF65-F5344CB8AC3E}">
+        <p14:creationId xmlns:p14="http://schemas.microsoft.com/office/powerpoint/2010/main" val="1568418167"/>
       </p:ext>
     </p:extLst>
   </p:cSld>
@@ -1668,7 +1850,7 @@
               <a:pPr>
                 <a:defRPr/>
               </a:pPr>
-              <a:t>7</a:t>
+              <a:t>8</a:t>
             </a:fld>
             <a:endParaRPr lang="en-US" altLang="zh-CN"/>
           </a:p>
@@ -1677,7 +1859,7 @@
     </p:spTree>
     <p:extLst>
       <p:ext uri="{BB962C8B-B14F-4D97-AF65-F5344CB8AC3E}">
-        <p14:creationId xmlns:p14="http://schemas.microsoft.com/office/powerpoint/2010/main" val="846731353"/>
+        <p14:creationId xmlns:p14="http://schemas.microsoft.com/office/powerpoint/2010/main" val="531790214"/>
       </p:ext>
     </p:extLst>
   </p:cSld>
@@ -1767,7 +1949,7 @@
     </p:spTree>
     <p:extLst>
       <p:ext uri="{BB962C8B-B14F-4D97-AF65-F5344CB8AC3E}">
-        <p14:creationId xmlns:p14="http://schemas.microsoft.com/office/powerpoint/2010/main" val="1940384298"/>
+        <p14:creationId xmlns:p14="http://schemas.microsoft.com/office/powerpoint/2010/main" val="824973881"/>
       </p:ext>
     </p:extLst>
   </p:cSld>
@@ -1848,7 +2030,7 @@
               <a:pPr>
                 <a:defRPr/>
               </a:pPr>
-              <a:t>10</a:t>
+              <a:t>12</a:t>
             </a:fld>
             <a:endParaRPr lang="en-US" altLang="zh-CN"/>
           </a:p>
@@ -1857,7 +2039,7 @@
     </p:spTree>
     <p:extLst>
       <p:ext uri="{BB962C8B-B14F-4D97-AF65-F5344CB8AC3E}">
-        <p14:creationId xmlns:p14="http://schemas.microsoft.com/office/powerpoint/2010/main" val="2906677875"/>
+        <p14:creationId xmlns:p14="http://schemas.microsoft.com/office/powerpoint/2010/main" val="2040580136"/>
       </p:ext>
     </p:extLst>
   </p:cSld>
@@ -1911,7 +2093,7 @@
           <a:bodyPr/>
           <a:lstStyle/>
           <a:p>
-            <a:endParaRPr lang="en-CA" dirty="0"/>
+            <a:endParaRPr lang="en-US" dirty="0"/>
           </a:p>
         </p:txBody>
       </p:sp>
@@ -1938,7 +2120,7 @@
               <a:pPr>
                 <a:defRPr/>
               </a:pPr>
-              <a:t>11</a:t>
+              <a:t>13</a:t>
             </a:fld>
             <a:endParaRPr lang="en-US" altLang="zh-CN"/>
           </a:p>
@@ -1947,7 +2129,7 @@
     </p:spTree>
     <p:extLst>
       <p:ext uri="{BB962C8B-B14F-4D97-AF65-F5344CB8AC3E}">
-        <p14:creationId xmlns:p14="http://schemas.microsoft.com/office/powerpoint/2010/main" val="531790214"/>
+        <p14:creationId xmlns:p14="http://schemas.microsoft.com/office/powerpoint/2010/main" val="383772479"/>
       </p:ext>
     </p:extLst>
   </p:cSld>
@@ -5620,7 +5802,13 @@
       </p:grpSpPr>
       <p:sp>
         <p:nvSpPr>
-          <p:cNvPr id="2" name="Title 1"/>
+          <p:cNvPr id="2" name="Title 1">
+            <a:extLst>
+              <a:ext uri="{FF2B5EF4-FFF2-40B4-BE49-F238E27FC236}">
+                <a16:creationId xmlns:a16="http://schemas.microsoft.com/office/drawing/2014/main" id="{590D0125-5A9E-9D48-9391-85FBD0E608A2}"/>
+              </a:ext>
+            </a:extLst>
+          </p:cNvPr>
           <p:cNvSpPr>
             <a:spLocks noGrp="1"/>
           </p:cNvSpPr>
@@ -5630,99 +5818,44 @@
         </p:nvSpPr>
         <p:spPr>
           <a:xfrm>
-            <a:off x="457200" y="-21771"/>
-            <a:ext cx="8229600" cy="857250"/>
+            <a:off x="1066800" y="-17621"/>
+            <a:ext cx="8077200" cy="599270"/>
           </a:xfrm>
         </p:spPr>
         <p:txBody>
           <a:bodyPr/>
           <a:lstStyle/>
           <a:p>
-            <a:r>
-              <a:rPr lang="en-US" sz="3600" dirty="0">
+            <a:pPr algn="l"/>
+            <a:r>
+              <a:rPr lang="en-CA" sz="2700" dirty="0">
                 <a:solidFill>
                   <a:srgbClr val="0070C0"/>
                 </a:solidFill>
                 <a:latin typeface="Calibri Light" panose="020F0302020204030204" pitchFamily="34" charset="0"/>
                 <a:cs typeface="Calibri Light" panose="020F0302020204030204" pitchFamily="34" charset="0"/>
               </a:rPr>
-              <a:t>Edge-to-edge IOAM Procedure</a:t>
-            </a:r>
-          </a:p>
-        </p:txBody>
-      </p:sp>
-      <p:sp>
-        <p:nvSpPr>
-          <p:cNvPr id="3" name="Content Placeholder 2"/>
-          <p:cNvSpPr>
-            <a:spLocks noGrp="1"/>
-          </p:cNvSpPr>
-          <p:nvPr>
-            <p:ph idx="1"/>
-          </p:nvPr>
-        </p:nvSpPr>
-        <p:spPr>
-          <a:xfrm>
-            <a:off x="533399" y="857250"/>
-            <a:ext cx="7982607" cy="3543300"/>
-          </a:xfrm>
-        </p:spPr>
-        <p:txBody>
-          <a:bodyPr/>
-          <a:lstStyle/>
-          <a:p>
-            <a:pPr marL="457200" lvl="0" indent="-457200">
-              <a:lnSpc>
-                <a:spcPts val="2640"/>
-              </a:lnSpc>
-              <a:spcBef>
-                <a:spcPts val="600"/>
-              </a:spcBef>
-              <a:buFont typeface="+mj-lt"/>
-              <a:buAutoNum type="arabicPeriod"/>
-            </a:pPr>
-            <a:r>
-              <a:rPr lang="en-CA" sz="2000" dirty="0"/>
-              <a:t>The encapsulating node inserts an edge-to-edge Indicator Label and one or more IOAM data field(s) in the MPLS header.</a:t>
-            </a:r>
-          </a:p>
-          <a:p>
-            <a:pPr marL="457200" lvl="0" indent="-457200">
-              <a:lnSpc>
-                <a:spcPts val="2640"/>
-              </a:lnSpc>
-              <a:spcBef>
-                <a:spcPts val="600"/>
-              </a:spcBef>
-              <a:buFont typeface="+mj-lt"/>
-              <a:buAutoNum type="arabicPeriod"/>
-            </a:pPr>
-            <a:r>
-              <a:rPr lang="en-CA" sz="2000" dirty="0"/>
-              <a:t>The decapsulating node for edge-to-edge IOAM "forwards and punts the timestamped copy" of the data packet including IOAM data field(s). </a:t>
-            </a:r>
-          </a:p>
-          <a:p>
-            <a:pPr marL="857250" lvl="1" indent="-457200">
-              <a:lnSpc>
-                <a:spcPts val="2640"/>
-              </a:lnSpc>
-              <a:spcBef>
-                <a:spcPts val="600"/>
-              </a:spcBef>
-              <a:buFont typeface="Wingdings" pitchFamily="2" charset="2"/>
-              <a:buChar char="§"/>
-            </a:pPr>
-            <a:r>
-              <a:rPr lang="en-CA" sz="2000" dirty="0"/>
-              <a:t>The decapsulating node for edge-to-edge IOAM also pops the IOAM Indicator Label and the IOAM data field(s) from the MPLS header.</a:t>
-            </a:r>
-          </a:p>
-        </p:txBody>
-      </p:sp>
-      <p:sp>
-        <p:nvSpPr>
-          <p:cNvPr id="4" name="Footer Placeholder 3"/>
+              <a:t>IOAM Encapsulation Example with SR-MPLS Header</a:t>
+            </a:r>
+            <a:endParaRPr lang="en-US" sz="2700" dirty="0">
+              <a:solidFill>
+                <a:srgbClr val="0070C0"/>
+              </a:solidFill>
+              <a:latin typeface="Calibri Light" panose="020F0302020204030204" pitchFamily="34" charset="0"/>
+              <a:cs typeface="Calibri Light" panose="020F0302020204030204" pitchFamily="34" charset="0"/>
+            </a:endParaRPr>
+          </a:p>
+        </p:txBody>
+      </p:sp>
+      <p:sp>
+        <p:nvSpPr>
+          <p:cNvPr id="4" name="Footer Placeholder 3">
+            <a:extLst>
+              <a:ext uri="{FF2B5EF4-FFF2-40B4-BE49-F238E27FC236}">
+                <a16:creationId xmlns:a16="http://schemas.microsoft.com/office/drawing/2014/main" id="{87713FCD-3B47-804D-B373-DAB61FB5FF59}"/>
+              </a:ext>
+            </a:extLst>
+          </p:cNvPr>
           <p:cNvSpPr>
             <a:spLocks noGrp="1"/>
           </p:cNvSpPr>
@@ -5757,7 +5890,13 @@
       </p:sp>
       <p:sp>
         <p:nvSpPr>
-          <p:cNvPr id="5" name="Slide Number Placeholder 4"/>
+          <p:cNvPr id="5" name="Slide Number Placeholder 4">
+            <a:extLst>
+              <a:ext uri="{FF2B5EF4-FFF2-40B4-BE49-F238E27FC236}">
+                <a16:creationId xmlns:a16="http://schemas.microsoft.com/office/drawing/2014/main" id="{1371408B-9195-EC4D-8131-A3F5CC0592D0}"/>
+              </a:ext>
+            </a:extLst>
+          </p:cNvPr>
           <p:cNvSpPr>
             <a:spLocks noGrp="1"/>
           </p:cNvSpPr>
@@ -5780,14 +5919,297 @@
               </a:pPr>
               <a:t>10</a:t>
             </a:fld>
-            <a:endParaRPr lang="en-US" altLang="zh-CN"/>
+            <a:endParaRPr lang="en-US" altLang="zh-CN" dirty="0"/>
+          </a:p>
+        </p:txBody>
+      </p:sp>
+      <p:sp>
+        <p:nvSpPr>
+          <p:cNvPr id="6" name="Rectangle 5">
+            <a:extLst>
+              <a:ext uri="{FF2B5EF4-FFF2-40B4-BE49-F238E27FC236}">
+                <a16:creationId xmlns:a16="http://schemas.microsoft.com/office/drawing/2014/main" id="{1EED4007-3A19-0E4E-8496-6CECEEA363EB}"/>
+              </a:ext>
+            </a:extLst>
+          </p:cNvPr>
+          <p:cNvSpPr/>
+          <p:nvPr/>
+        </p:nvSpPr>
+        <p:spPr>
+          <a:xfrm>
+            <a:off x="1943100" y="627191"/>
+            <a:ext cx="5257800" cy="4108817"/>
+          </a:xfrm>
+          <a:prstGeom prst="rect">
+            <a:avLst/>
+          </a:prstGeom>
+          <a:solidFill>
+            <a:schemeClr val="accent6">
+              <a:lumMod val="20000"/>
+              <a:lumOff val="80000"/>
+            </a:schemeClr>
+          </a:solidFill>
+        </p:spPr>
+        <p:txBody>
+          <a:bodyPr wrap="square">
+            <a:spAutoFit/>
+          </a:bodyPr>
+          <a:lstStyle/>
+          <a:p>
+            <a:r>
+              <a:rPr lang="en-CA" sz="900" dirty="0">
+                <a:latin typeface="Courier" pitchFamily="2" charset="0"/>
+              </a:rPr>
+              <a:t>    0                   1                   2                   3</a:t>
+            </a:r>
+          </a:p>
+          <a:p>
+            <a:r>
+              <a:rPr lang="en-CA" sz="900" dirty="0">
+                <a:latin typeface="Courier" pitchFamily="2" charset="0"/>
+              </a:rPr>
+              <a:t>    0 1 2 3 4 5 6 7 8 9 0 1 2 3 4 5 6 7 8 9 0 1 2 3 4 5 6 7 8 9 0 1</a:t>
+            </a:r>
+          </a:p>
+          <a:p>
+            <a:r>
+              <a:rPr lang="en-CA" sz="900" dirty="0">
+                <a:latin typeface="Courier" pitchFamily="2" charset="0"/>
+              </a:rPr>
+              <a:t>   +-+-+-+-+-+-+-+-+-+-+-+-+-+-+-+-+-+-+-+-+-+-+-+-+-+-+-+-+-+-+-+-+</a:t>
+            </a:r>
+          </a:p>
+          <a:p>
+            <a:r>
+              <a:rPr lang="en-CA" sz="900" dirty="0">
+                <a:latin typeface="Courier" pitchFamily="2" charset="0"/>
+              </a:rPr>
+              <a:t>   |                Label(1)               | TC  |S|      TTL      |</a:t>
+            </a:r>
+          </a:p>
+          <a:p>
+            <a:r>
+              <a:rPr lang="en-CA" sz="900" dirty="0">
+                <a:latin typeface="Courier" pitchFamily="2" charset="0"/>
+              </a:rPr>
+              <a:t>   +-+-+-+-+-+-+-+-+-+-+-+-+-+-+-+-+-+-+-+-+-+-+-+-+-+-+-+-+-+-+-+-+</a:t>
+            </a:r>
+          </a:p>
+          <a:p>
+            <a:r>
+              <a:rPr lang="en-CA" sz="900" dirty="0">
+                <a:latin typeface="Courier" pitchFamily="2" charset="0"/>
+              </a:rPr>
+              <a:t>   .                                                               .</a:t>
+            </a:r>
+          </a:p>
+          <a:p>
+            <a:r>
+              <a:rPr lang="en-CA" sz="900" dirty="0">
+                <a:latin typeface="Courier" pitchFamily="2" charset="0"/>
+              </a:rPr>
+              <a:t>   .                                                               .</a:t>
+            </a:r>
+          </a:p>
+          <a:p>
+            <a:r>
+              <a:rPr lang="en-CA" sz="900" dirty="0">
+                <a:latin typeface="Courier" pitchFamily="2" charset="0"/>
+              </a:rPr>
+              <a:t>   .                                                               .</a:t>
+            </a:r>
+          </a:p>
+          <a:p>
+            <a:r>
+              <a:rPr lang="en-CA" sz="900" dirty="0">
+                <a:latin typeface="Courier" pitchFamily="2" charset="0"/>
+              </a:rPr>
+              <a:t>   +-+-+-+-+-+-+-+-+-+-+-+-+-+-+-+-+-+-+-+-+-+-+-+-+-+-+-+-+-+-+-+-+</a:t>
+            </a:r>
+          </a:p>
+          <a:p>
+            <a:r>
+              <a:rPr lang="en-CA" sz="900" dirty="0">
+                <a:latin typeface="Courier" pitchFamily="2" charset="0"/>
+              </a:rPr>
+              <a:t>   |                Label(n)               | TC  |S|      TTL      |</a:t>
+            </a:r>
+          </a:p>
+          <a:p>
+            <a:r>
+              <a:rPr lang="en-CA" sz="900" dirty="0">
+                <a:latin typeface="Courier" pitchFamily="2" charset="0"/>
+              </a:rPr>
+              <a:t>   +-+-+-+-+-+-+-+-+-+-+-+-+-+-+-+-+-+-+-+-+-+-+-+-+-+-+-+-+-+-+-+-+</a:t>
+            </a:r>
+          </a:p>
+          <a:p>
+            <a:r>
+              <a:rPr lang="en-CA" sz="900" dirty="0">
+                <a:latin typeface="Courier" pitchFamily="2" charset="0"/>
+              </a:rPr>
+              <a:t>   |                PSID                   | TC  |S|      TTL      | </a:t>
+            </a:r>
+          </a:p>
+          <a:p>
+            <a:r>
+              <a:rPr lang="en-CA" sz="900" dirty="0">
+                <a:latin typeface="Courier" pitchFamily="2" charset="0"/>
+              </a:rPr>
+              <a:t>   +-+-+-+-+-+-+-+-+-+-+-+-+-+-+-+-+-+-+-+-+-+-+-+-+-+-+-+-+-+-+-+-+</a:t>
+            </a:r>
+          </a:p>
+          <a:p>
+            <a:r>
+              <a:rPr lang="en-CA" sz="900" dirty="0">
+                <a:latin typeface="Courier" pitchFamily="2" charset="0"/>
+              </a:rPr>
+              <a:t>   |  </a:t>
+            </a:r>
+            <a:r>
+              <a:rPr lang="en-CA" sz="900" b="1" dirty="0">
+                <a:latin typeface="Courier" pitchFamily="2" charset="0"/>
+              </a:rPr>
+              <a:t>IOAM Indicator Label                 </a:t>
+            </a:r>
+            <a:r>
+              <a:rPr lang="en-CA" sz="900" dirty="0">
+                <a:latin typeface="Courier" pitchFamily="2" charset="0"/>
+              </a:rPr>
+              <a:t>| TC  |1|  TTL          |</a:t>
+            </a:r>
+          </a:p>
+          <a:p>
+            <a:r>
+              <a:rPr lang="en-CA" sz="900" dirty="0">
+                <a:latin typeface="Courier" pitchFamily="2" charset="0"/>
+              </a:rPr>
+              <a:t>   +-+-+-+-+-+-+-+-+-+-+-+-+-+-+-+-+-+-+-+-+-+-+-+-+-+-+-+-+-+-+-+-+&lt;-+ </a:t>
+            </a:r>
+          </a:p>
+          <a:p>
+            <a:r>
+              <a:rPr lang="en-CA" sz="900" dirty="0">
+                <a:latin typeface="Courier" pitchFamily="2" charset="0"/>
+              </a:rPr>
+              <a:t>   |  IOAM-Type    | IOAM HDR LEN  |    RESERVED                   |  |</a:t>
+            </a:r>
+          </a:p>
+          <a:p>
+            <a:r>
+              <a:rPr lang="en-CA" sz="900" dirty="0">
+                <a:latin typeface="Courier" pitchFamily="2" charset="0"/>
+              </a:rPr>
+              <a:t>   +-+-+-+-+-+-+-+-+-+-+-+-+-+-+-+-+-+-+-+-+-+-+-+-+-+-+-+-+-+-+-+-+  I</a:t>
+            </a:r>
+          </a:p>
+          <a:p>
+            <a:r>
+              <a:rPr lang="en-CA" sz="900" dirty="0">
+                <a:latin typeface="Courier" pitchFamily="2" charset="0"/>
+              </a:rPr>
+              <a:t>   |                                                               |  O</a:t>
+            </a:r>
+          </a:p>
+          <a:p>
+            <a:r>
+              <a:rPr lang="en-CA" sz="900" dirty="0">
+                <a:latin typeface="Courier" pitchFamily="2" charset="0"/>
+              </a:rPr>
+              <a:t>   |                                                               |  A</a:t>
+            </a:r>
+          </a:p>
+          <a:p>
+            <a:r>
+              <a:rPr lang="en-CA" sz="900" dirty="0">
+                <a:latin typeface="Courier" pitchFamily="2" charset="0"/>
+              </a:rPr>
+              <a:t>   ~                 IOAM Option and Data Space                    ~  M</a:t>
+            </a:r>
+          </a:p>
+          <a:p>
+            <a:r>
+              <a:rPr lang="en-CA" sz="900" dirty="0">
+                <a:latin typeface="Courier" pitchFamily="2" charset="0"/>
+              </a:rPr>
+              <a:t>   |                                                               |  |</a:t>
+            </a:r>
+          </a:p>
+          <a:p>
+            <a:r>
+              <a:rPr lang="en-CA" sz="900" dirty="0">
+                <a:latin typeface="Courier" pitchFamily="2" charset="0"/>
+              </a:rPr>
+              <a:t>   |                                                               |  |</a:t>
+            </a:r>
+          </a:p>
+          <a:p>
+            <a:r>
+              <a:rPr lang="en-CA" sz="900" dirty="0">
+                <a:latin typeface="Courier" pitchFamily="2" charset="0"/>
+              </a:rPr>
+              <a:t>   +-+-+-+-+-+-+-+-+-+-+-+-+-+-+-+-+-+-+-+-+-+-+-+-+-+-+-+-+-+-+-+-+&lt;-+</a:t>
+            </a:r>
+          </a:p>
+          <a:p>
+            <a:r>
+              <a:rPr lang="en-CA" sz="900" dirty="0">
+                <a:latin typeface="Courier" pitchFamily="2" charset="0"/>
+              </a:rPr>
+              <a:t>   |                                                               |</a:t>
+            </a:r>
+          </a:p>
+          <a:p>
+            <a:r>
+              <a:rPr lang="en-CA" sz="900" dirty="0">
+                <a:latin typeface="Courier" pitchFamily="2" charset="0"/>
+              </a:rPr>
+              <a:t>   ~                 Payload + Padding                             ~</a:t>
+            </a:r>
+          </a:p>
+          <a:p>
+            <a:r>
+              <a:rPr lang="en-CA" sz="900" dirty="0">
+                <a:latin typeface="Courier" pitchFamily="2" charset="0"/>
+              </a:rPr>
+              <a:t>   |                                                               |</a:t>
+            </a:r>
+          </a:p>
+          <a:p>
+            <a:r>
+              <a:rPr lang="en-CA" sz="900" dirty="0">
+                <a:latin typeface="Courier" pitchFamily="2" charset="0"/>
+              </a:rPr>
+              <a:t>   +-+-+-+-+-+-+-+-+-+-+-+-+-+-+-+-+-+-+-+-+-+-+-+-+-+-+-+-+-+-+-+-+</a:t>
+            </a:r>
+          </a:p>
+          <a:p>
+            <a:r>
+              <a:rPr lang="en-CA" sz="900" dirty="0">
+                <a:latin typeface="Courier" pitchFamily="2" charset="0"/>
+              </a:rPr>
+              <a:t> </a:t>
+            </a:r>
+          </a:p>
+          <a:p>
+            <a:r>
+              <a:rPr lang="en-CA" sz="900" dirty="0">
+                <a:latin typeface="Courier" pitchFamily="2" charset="0"/>
+              </a:rPr>
+              <a:t>         Figure: IOAM Encapsulation Example with SR-MPLS Header</a:t>
+            </a:r>
+            <a:endParaRPr lang="en-CA" sz="900" dirty="0">
+              <a:latin typeface="Courier" pitchFamily="2" charset="0"/>
+              <a:ea typeface="Calibri" panose="020F0502020204030204" pitchFamily="34" charset="0"/>
+              <a:cs typeface="Times New Roman" panose="02020603050405020304" pitchFamily="18" charset="0"/>
+            </a:endParaRPr>
           </a:p>
         </p:txBody>
       </p:sp>
     </p:spTree>
     <p:extLst>
       <p:ext uri="{BB962C8B-B14F-4D97-AF65-F5344CB8AC3E}">
-        <p14:creationId xmlns:p14="http://schemas.microsoft.com/office/powerpoint/2010/main" val="906245629"/>
+        <p14:creationId xmlns:p14="http://schemas.microsoft.com/office/powerpoint/2010/main" val="1689742401"/>
       </p:ext>
     </p:extLst>
   </p:cSld>
@@ -5816,7 +6238,13 @@
       </p:grpSpPr>
       <p:sp>
         <p:nvSpPr>
-          <p:cNvPr id="2" name="Title 1"/>
+          <p:cNvPr id="2" name="Title 1">
+            <a:extLst>
+              <a:ext uri="{FF2B5EF4-FFF2-40B4-BE49-F238E27FC236}">
+                <a16:creationId xmlns:a16="http://schemas.microsoft.com/office/drawing/2014/main" id="{590D0125-5A9E-9D48-9391-85FBD0E608A2}"/>
+              </a:ext>
+            </a:extLst>
+          </p:cNvPr>
           <p:cNvSpPr>
             <a:spLocks noGrp="1"/>
           </p:cNvSpPr>
@@ -5826,137 +6254,54 @@
         </p:nvSpPr>
         <p:spPr>
           <a:xfrm>
-            <a:off x="457200" y="0"/>
-            <a:ext cx="8229600" cy="857250"/>
+            <a:off x="228600" y="-17621"/>
+            <a:ext cx="8915400" cy="599270"/>
           </a:xfrm>
         </p:spPr>
         <p:txBody>
           <a:bodyPr/>
           <a:lstStyle/>
           <a:p>
-            <a:r>
-              <a:rPr lang="en-US" sz="3600" dirty="0">
+            <a:pPr algn="l"/>
+            <a:r>
+              <a:rPr lang="en-CA" sz="2500" dirty="0">
                 <a:solidFill>
                   <a:srgbClr val="0070C0"/>
                 </a:solidFill>
                 <a:latin typeface="Calibri Light" panose="020F0302020204030204" pitchFamily="34" charset="0"/>
                 <a:cs typeface="Calibri Light" panose="020F0302020204030204" pitchFamily="34" charset="0"/>
               </a:rPr>
-              <a:t>E2E Indicator Label Allocation Methods</a:t>
-            </a:r>
-          </a:p>
-        </p:txBody>
-      </p:sp>
-      <p:sp>
-        <p:nvSpPr>
-          <p:cNvPr id="3" name="Content Placeholder 2"/>
+              <a:t>IOAM Encapsulation with Flow Label Example with SR-MPLS Header</a:t>
+            </a:r>
+            <a:endParaRPr lang="en-US" sz="2500" dirty="0">
+              <a:solidFill>
+                <a:srgbClr val="0070C0"/>
+              </a:solidFill>
+              <a:latin typeface="Calibri Light" panose="020F0302020204030204" pitchFamily="34" charset="0"/>
+              <a:cs typeface="Calibri Light" panose="020F0302020204030204" pitchFamily="34" charset="0"/>
+            </a:endParaRPr>
+          </a:p>
+        </p:txBody>
+      </p:sp>
+      <p:sp>
+        <p:nvSpPr>
+          <p:cNvPr id="4" name="Footer Placeholder 3">
+            <a:extLst>
+              <a:ext uri="{FF2B5EF4-FFF2-40B4-BE49-F238E27FC236}">
+                <a16:creationId xmlns:a16="http://schemas.microsoft.com/office/drawing/2014/main" id="{87713FCD-3B47-804D-B373-DAB61FB5FF59}"/>
+              </a:ext>
+            </a:extLst>
+          </p:cNvPr>
           <p:cNvSpPr>
             <a:spLocks noGrp="1"/>
           </p:cNvSpPr>
           <p:nvPr>
-            <p:ph idx="1"/>
+            <p:ph type="ftr" sz="quarter" idx="11"/>
           </p:nvPr>
         </p:nvSpPr>
         <p:spPr>
           <a:xfrm>
-            <a:off x="609600" y="895525"/>
-            <a:ext cx="7924800" cy="3429000"/>
-          </a:xfrm>
-        </p:spPr>
-        <p:txBody>
-          <a:bodyPr/>
-          <a:lstStyle/>
-          <a:p>
-            <a:pPr marL="457200" lvl="0" indent="-457200">
-              <a:buFont typeface="+mj-lt"/>
-              <a:buAutoNum type="arabicPeriod"/>
-            </a:pPr>
-            <a:r>
-              <a:rPr lang="en-CA" sz="2000" dirty="0"/>
-              <a:t>Label assigned by IANA with values TBA1 and TBA2</a:t>
-            </a:r>
-          </a:p>
-          <a:p>
-            <a:pPr lvl="1" indent="-342900">
-              <a:buFont typeface="Wingdings" pitchFamily="2" charset="2"/>
-              <a:buChar char="§"/>
-            </a:pPr>
-            <a:r>
-              <a:rPr lang="en-CA" sz="2000" dirty="0"/>
-              <a:t>From Extended Special Purpose Labels (</a:t>
-            </a:r>
-            <a:r>
-              <a:rPr lang="en-CA" sz="2000" dirty="0" err="1"/>
-              <a:t>eSPL</a:t>
-            </a:r>
-            <a:r>
-              <a:rPr lang="en-CA" sz="2000" dirty="0"/>
-              <a:t>) range</a:t>
-            </a:r>
-          </a:p>
-          <a:p>
-            <a:pPr marL="457200" lvl="0" indent="-457200">
-              <a:buFont typeface="+mj-lt"/>
-              <a:buAutoNum type="arabicPeriod"/>
-            </a:pPr>
-            <a:r>
-              <a:rPr lang="en-CA" sz="2000" dirty="0"/>
-              <a:t>Global Label allocated by a controller</a:t>
-            </a:r>
-          </a:p>
-          <a:p>
-            <a:pPr lvl="1" indent="-342900">
-              <a:buFont typeface="Wingdings" pitchFamily="2" charset="2"/>
-              <a:buChar char="§"/>
-            </a:pPr>
-            <a:r>
-              <a:rPr lang="en-CA" sz="2000" dirty="0"/>
-              <a:t>The controller provisions the label on encapsulating and decapsulating nodes</a:t>
-            </a:r>
-          </a:p>
-          <a:p>
-            <a:pPr marL="457200" lvl="0" indent="-457200">
-              <a:buFont typeface="+mj-lt"/>
-              <a:buAutoNum type="arabicPeriod"/>
-            </a:pPr>
-            <a:r>
-              <a:rPr lang="en-CA" sz="2000" dirty="0">
-                <a:solidFill>
-                  <a:srgbClr val="0070C0"/>
-                </a:solidFill>
-              </a:rPr>
-              <a:t>The label allocated by the decapsulating node</a:t>
-            </a:r>
-          </a:p>
-          <a:p>
-            <a:pPr lvl="1" indent="-342900">
-              <a:buFont typeface="Wingdings" pitchFamily="2" charset="2"/>
-              <a:buChar char="§"/>
-            </a:pPr>
-            <a:r>
-              <a:rPr lang="en-CA" sz="2000" dirty="0">
-                <a:solidFill>
-                  <a:srgbClr val="0070C0"/>
-                </a:solidFill>
-              </a:rPr>
-              <a:t>Signaling mechanism used to convey the label to all encapsulating nodes</a:t>
-            </a:r>
-          </a:p>
-        </p:txBody>
-      </p:sp>
-      <p:sp>
-        <p:nvSpPr>
-          <p:cNvPr id="4" name="Footer Placeholder 3"/>
-          <p:cNvSpPr>
-            <a:spLocks noGrp="1"/>
-          </p:cNvSpPr>
-          <p:nvPr>
-            <p:ph type="ftr" sz="quarter" idx="11"/>
-          </p:nvPr>
-        </p:nvSpPr>
-        <p:spPr>
-          <a:xfrm>
-            <a:off x="3124200" y="4786312"/>
+            <a:off x="3124200" y="4862513"/>
             <a:ext cx="2895600" cy="357188"/>
           </a:xfrm>
         </p:spPr>
@@ -5981,7 +6326,13 @@
       </p:sp>
       <p:sp>
         <p:nvSpPr>
-          <p:cNvPr id="5" name="Slide Number Placeholder 4"/>
+          <p:cNvPr id="5" name="Slide Number Placeholder 4">
+            <a:extLst>
+              <a:ext uri="{FF2B5EF4-FFF2-40B4-BE49-F238E27FC236}">
+                <a16:creationId xmlns:a16="http://schemas.microsoft.com/office/drawing/2014/main" id="{1371408B-9195-EC4D-8131-A3F5CC0592D0}"/>
+              </a:ext>
+            </a:extLst>
+          </p:cNvPr>
           <p:cNvSpPr>
             <a:spLocks noGrp="1"/>
           </p:cNvSpPr>
@@ -6008,10 +6359,321 @@
           </a:p>
         </p:txBody>
       </p:sp>
+      <p:sp>
+        <p:nvSpPr>
+          <p:cNvPr id="6" name="Rectangle 5">
+            <a:extLst>
+              <a:ext uri="{FF2B5EF4-FFF2-40B4-BE49-F238E27FC236}">
+                <a16:creationId xmlns:a16="http://schemas.microsoft.com/office/drawing/2014/main" id="{1EED4007-3A19-0E4E-8496-6CECEEA363EB}"/>
+              </a:ext>
+            </a:extLst>
+          </p:cNvPr>
+          <p:cNvSpPr/>
+          <p:nvPr/>
+        </p:nvSpPr>
+        <p:spPr>
+          <a:xfrm>
+            <a:off x="2076450" y="485208"/>
+            <a:ext cx="5219700" cy="4392784"/>
+          </a:xfrm>
+          <a:prstGeom prst="rect">
+            <a:avLst/>
+          </a:prstGeom>
+          <a:solidFill>
+            <a:schemeClr val="accent6">
+              <a:lumMod val="20000"/>
+              <a:lumOff val="80000"/>
+            </a:schemeClr>
+          </a:solidFill>
+        </p:spPr>
+        <p:txBody>
+          <a:bodyPr wrap="square">
+            <a:spAutoFit/>
+          </a:bodyPr>
+          <a:lstStyle/>
+          <a:p>
+            <a:r>
+              <a:rPr lang="en-CA" sz="900" dirty="0">
+                <a:latin typeface="Courier" pitchFamily="2" charset="0"/>
+              </a:rPr>
+              <a:t>    0                   1                   2                   3</a:t>
+            </a:r>
+          </a:p>
+          <a:p>
+            <a:r>
+              <a:rPr lang="en-CA" sz="900" dirty="0">
+                <a:latin typeface="Courier" pitchFamily="2" charset="0"/>
+              </a:rPr>
+              <a:t>    0 1 2 3 4 5 6 7 8 9 0 1 2 3 4 5 6 7 8 9 0 1 2 3 4 5 6 7 8 9 0 1</a:t>
+            </a:r>
+          </a:p>
+          <a:p>
+            <a:r>
+              <a:rPr lang="en-CA" sz="900" dirty="0">
+                <a:latin typeface="Courier" pitchFamily="2" charset="0"/>
+              </a:rPr>
+              <a:t>   +-+-+-+-+-+-+-+-+-+-+-+-+-+-+-+-+-+-+-+-+-+-+-+-+-+-+-+-+-+-+-+-+</a:t>
+            </a:r>
+          </a:p>
+          <a:p>
+            <a:r>
+              <a:rPr lang="en-CA" sz="900" dirty="0">
+                <a:latin typeface="Courier" pitchFamily="2" charset="0"/>
+              </a:rPr>
+              <a:t>   |                Label(1)               | TC  |S|      TTL      |</a:t>
+            </a:r>
+          </a:p>
+          <a:p>
+            <a:r>
+              <a:rPr lang="en-CA" sz="900" dirty="0">
+                <a:latin typeface="Courier" pitchFamily="2" charset="0"/>
+              </a:rPr>
+              <a:t>   +-+-+-+-+-+-+-+-+-+-+-+-+-+-+-+-+-+-+-+-+-+-+-+-+-+-+-+-+-+-+-+-+</a:t>
+            </a:r>
+          </a:p>
+          <a:p>
+            <a:r>
+              <a:rPr lang="en-CA" sz="900" dirty="0">
+                <a:latin typeface="Courier" pitchFamily="2" charset="0"/>
+              </a:rPr>
+              <a:t>   .                                                               .</a:t>
+            </a:r>
+          </a:p>
+          <a:p>
+            <a:r>
+              <a:rPr lang="en-CA" sz="900" dirty="0">
+                <a:latin typeface="Courier" pitchFamily="2" charset="0"/>
+              </a:rPr>
+              <a:t>   .                                                               .</a:t>
+            </a:r>
+          </a:p>
+          <a:p>
+            <a:r>
+              <a:rPr lang="en-CA" sz="900" dirty="0">
+                <a:latin typeface="Courier" pitchFamily="2" charset="0"/>
+              </a:rPr>
+              <a:t>   .                                                               .</a:t>
+            </a:r>
+          </a:p>
+          <a:p>
+            <a:r>
+              <a:rPr lang="en-CA" sz="900" dirty="0">
+                <a:latin typeface="Courier" pitchFamily="2" charset="0"/>
+              </a:rPr>
+              <a:t>   +-+-+-+-+-+-+-+-+-+-+-+-+-+-+-+-+-+-+-+-+-+-+-+-+-+-+-+-+-+-+-+-+</a:t>
+            </a:r>
+          </a:p>
+          <a:p>
+            <a:r>
+              <a:rPr lang="en-CA" sz="900" dirty="0">
+                <a:latin typeface="Courier" pitchFamily="2" charset="0"/>
+              </a:rPr>
+              <a:t>   |                Label(n)               | TC  |S|      TTL      |</a:t>
+            </a:r>
+          </a:p>
+          <a:p>
+            <a:r>
+              <a:rPr lang="en-CA" sz="900" dirty="0">
+                <a:latin typeface="Courier" pitchFamily="2" charset="0"/>
+              </a:rPr>
+              <a:t>   +-+-+-+-+-+-+-+-+-+-+-+-+-+-+-+-+-+-+-+-+-+-+-+-+-+-+-+-+-+-+-+-+</a:t>
+            </a:r>
+          </a:p>
+          <a:p>
+            <a:r>
+              <a:rPr lang="en-CA" sz="900" dirty="0">
+                <a:latin typeface="Courier" pitchFamily="2" charset="0"/>
+              </a:rPr>
+              <a:t>   |                PSID                   | TC  |S|      TTL      | </a:t>
+            </a:r>
+          </a:p>
+          <a:p>
+            <a:r>
+              <a:rPr lang="en-CA" sz="900" dirty="0">
+                <a:latin typeface="Courier" pitchFamily="2" charset="0"/>
+              </a:rPr>
+              <a:t>   +-+-+-+-+-+-+-+-+-+-+-+-+-+-+-+-+-+-+-+-+-+-+-+-+-+-+-+-+-+-+-+-+</a:t>
+            </a:r>
+          </a:p>
+          <a:p>
+            <a:r>
+              <a:rPr lang="en-CA" sz="900" dirty="0">
+                <a:latin typeface="Courier" pitchFamily="2" charset="0"/>
+              </a:rPr>
+              <a:t>   |  </a:t>
+            </a:r>
+            <a:r>
+              <a:rPr lang="en-CA" sz="900" b="1" dirty="0">
+                <a:latin typeface="Courier" pitchFamily="2" charset="0"/>
+              </a:rPr>
+              <a:t>IOAM and Flow Indicator Label        </a:t>
+            </a:r>
+            <a:r>
+              <a:rPr lang="en-CA" sz="900" dirty="0">
+                <a:latin typeface="Courier" pitchFamily="2" charset="0"/>
+              </a:rPr>
+              <a:t>| TC  |1|  TTL          |</a:t>
+            </a:r>
+          </a:p>
+          <a:p>
+            <a:r>
+              <a:rPr lang="en-CA" sz="900" dirty="0">
+                <a:latin typeface="Courier" pitchFamily="2" charset="0"/>
+              </a:rPr>
+              <a:t>   +-+-+-+-+-+-+-+-+-+-+-+-+-+-+-+-+-+-+-+-+-+-+-+-+-+-+-+-+-+-+-+-+</a:t>
+            </a:r>
+          </a:p>
+          <a:p>
+            <a:r>
+              <a:rPr lang="en-CA" sz="900" dirty="0">
+                <a:latin typeface="Courier" pitchFamily="2" charset="0"/>
+              </a:rPr>
+              <a:t>   |</a:t>
+            </a:r>
+            <a:r>
+              <a:rPr lang="en-CA" sz="900" b="1" dirty="0">
+                <a:latin typeface="Courier" pitchFamily="2" charset="0"/>
+              </a:rPr>
+              <a:t>0 0 1 0</a:t>
+            </a:r>
+            <a:r>
+              <a:rPr lang="en-CA" sz="900" dirty="0">
+                <a:latin typeface="Courier" pitchFamily="2" charset="0"/>
+              </a:rPr>
+              <a:t>|      Flow label                       | Block Number  |</a:t>
+            </a:r>
+          </a:p>
+          <a:p>
+            <a:r>
+              <a:rPr lang="en-CA" sz="900" dirty="0">
+                <a:latin typeface="Courier" pitchFamily="2" charset="0"/>
+              </a:rPr>
+              <a:t>   +-+-+-+-+-+-+-+-+-+-+-+-+-+-+-+-+-+-+-+-+-+-+-+-+-+-+-+-+-+-+-+-+&lt;-+ </a:t>
+            </a:r>
+          </a:p>
+          <a:p>
+            <a:r>
+              <a:rPr lang="en-CA" sz="900" dirty="0">
+                <a:latin typeface="Courier" pitchFamily="2" charset="0"/>
+              </a:rPr>
+              <a:t>   |  IOAM-Type    | IOAM HDR LEN  |    RESERVED                   |  |</a:t>
+            </a:r>
+          </a:p>
+          <a:p>
+            <a:r>
+              <a:rPr lang="en-CA" sz="900" dirty="0">
+                <a:latin typeface="Courier" pitchFamily="2" charset="0"/>
+              </a:rPr>
+              <a:t>   +-+-+-+-+-+-+-+-+-+-+-+-+-+-+-+-+-+-+-+-+-+-+-+-+-+-+-+-+-+-+-+-+  I</a:t>
+            </a:r>
+          </a:p>
+          <a:p>
+            <a:r>
+              <a:rPr lang="en-CA" sz="900" dirty="0">
+                <a:latin typeface="Courier" pitchFamily="2" charset="0"/>
+              </a:rPr>
+              <a:t>   |                                                               |  O</a:t>
+            </a:r>
+          </a:p>
+          <a:p>
+            <a:r>
+              <a:rPr lang="en-CA" sz="900" dirty="0">
+                <a:latin typeface="Courier" pitchFamily="2" charset="0"/>
+              </a:rPr>
+              <a:t>   |                                                               |  A</a:t>
+            </a:r>
+          </a:p>
+          <a:p>
+            <a:r>
+              <a:rPr lang="en-CA" sz="900" dirty="0">
+                <a:latin typeface="Courier" pitchFamily="2" charset="0"/>
+              </a:rPr>
+              <a:t>   ~                 IOAM Option and Data Space                    ~  M</a:t>
+            </a:r>
+          </a:p>
+          <a:p>
+            <a:r>
+              <a:rPr lang="en-CA" sz="900" dirty="0">
+                <a:latin typeface="Courier" pitchFamily="2" charset="0"/>
+              </a:rPr>
+              <a:t>   |                                                               |  |</a:t>
+            </a:r>
+          </a:p>
+          <a:p>
+            <a:r>
+              <a:rPr lang="en-CA" sz="900" dirty="0">
+                <a:latin typeface="Courier" pitchFamily="2" charset="0"/>
+              </a:rPr>
+              <a:t>   |                                                               |  |</a:t>
+            </a:r>
+          </a:p>
+          <a:p>
+            <a:r>
+              <a:rPr lang="en-CA" sz="900" dirty="0">
+                <a:latin typeface="Courier" pitchFamily="2" charset="0"/>
+              </a:rPr>
+              <a:t>   +-+-+-+-+-+-+-+-+-+-+-+-+-+-+-+-+-+-+-+-+-+-+-+-+-+-+-+-+-+-+-+-+&lt;-+</a:t>
+            </a:r>
+          </a:p>
+          <a:p>
+            <a:r>
+              <a:rPr lang="en-CA" sz="900" dirty="0">
+                <a:latin typeface="Courier" pitchFamily="2" charset="0"/>
+              </a:rPr>
+              <a:t>   |                                                               |</a:t>
+            </a:r>
+          </a:p>
+          <a:p>
+            <a:r>
+              <a:rPr lang="en-CA" sz="900" dirty="0">
+                <a:latin typeface="Courier" pitchFamily="2" charset="0"/>
+              </a:rPr>
+              <a:t>   ~                 Payload + Padding                             ~</a:t>
+            </a:r>
+          </a:p>
+          <a:p>
+            <a:r>
+              <a:rPr lang="en-CA" sz="900" dirty="0">
+                <a:latin typeface="Courier" pitchFamily="2" charset="0"/>
+              </a:rPr>
+              <a:t>   |                                                               |</a:t>
+            </a:r>
+          </a:p>
+          <a:p>
+            <a:r>
+              <a:rPr lang="en-CA" sz="900" dirty="0">
+                <a:latin typeface="Courier" pitchFamily="2" charset="0"/>
+              </a:rPr>
+              <a:t>   +-+-+-+-+-+-+-+-+-+-+-+-+-+-+-+-+-+-+-+-+-+-+-+-+-+-+-+-+-+-+-+-+</a:t>
+            </a:r>
+          </a:p>
+          <a:p>
+            <a:r>
+              <a:rPr lang="en-CA" sz="900" dirty="0">
+                <a:latin typeface="Courier" pitchFamily="2" charset="0"/>
+              </a:rPr>
+              <a:t> </a:t>
+            </a:r>
+          </a:p>
+          <a:p>
+            <a:r>
+              <a:rPr lang="en-CA" sz="900" dirty="0">
+                <a:latin typeface="Courier" pitchFamily="2" charset="0"/>
+              </a:rPr>
+              <a:t> Figure: IOAM Encapsulation with Flow Label Example with SR-MPLS Header</a:t>
+            </a:r>
+            <a:endParaRPr lang="en-CA" sz="900" dirty="0">
+              <a:latin typeface="Courier" pitchFamily="2" charset="0"/>
+              <a:ea typeface="Calibri" panose="020F0502020204030204" pitchFamily="34" charset="0"/>
+              <a:cs typeface="Times New Roman" panose="02020603050405020304" pitchFamily="18" charset="0"/>
+            </a:endParaRPr>
+          </a:p>
+        </p:txBody>
+      </p:sp>
     </p:spTree>
     <p:extLst>
       <p:ext uri="{BB962C8B-B14F-4D97-AF65-F5344CB8AC3E}">
-        <p14:creationId xmlns:p14="http://schemas.microsoft.com/office/powerpoint/2010/main" val="16194378"/>
+        <p14:creationId xmlns:p14="http://schemas.microsoft.com/office/powerpoint/2010/main" val="4269013418"/>
       </p:ext>
     </p:extLst>
   </p:cSld>
@@ -6050,1304 +6712,6 @@
         </p:nvSpPr>
         <p:spPr>
           <a:xfrm>
-            <a:off x="457200" y="-21771"/>
-            <a:ext cx="8229600" cy="857250"/>
-          </a:xfrm>
-        </p:spPr>
-        <p:txBody>
-          <a:bodyPr/>
-          <a:lstStyle/>
-          <a:p>
-            <a:r>
-              <a:rPr lang="en-US" sz="3600" dirty="0">
-                <a:solidFill>
-                  <a:srgbClr val="0070C0"/>
-                </a:solidFill>
-                <a:latin typeface="Calibri Light" panose="020F0302020204030204" pitchFamily="34" charset="0"/>
-                <a:cs typeface="Calibri Light" panose="020F0302020204030204" pitchFamily="34" charset="0"/>
-              </a:rPr>
-              <a:t>Hob-by-hop IOAM Procedure</a:t>
-            </a:r>
-          </a:p>
-        </p:txBody>
-      </p:sp>
-      <p:sp>
-        <p:nvSpPr>
-          <p:cNvPr id="3" name="Content Placeholder 2"/>
-          <p:cNvSpPr>
-            <a:spLocks noGrp="1"/>
-          </p:cNvSpPr>
-          <p:nvPr>
-            <p:ph idx="1"/>
-          </p:nvPr>
-        </p:nvSpPr>
-        <p:spPr>
-          <a:xfrm>
-            <a:off x="533399" y="857250"/>
-            <a:ext cx="7982607" cy="3543300"/>
-          </a:xfrm>
-        </p:spPr>
-        <p:txBody>
-          <a:bodyPr/>
-          <a:lstStyle/>
-          <a:p>
-            <a:pPr marL="457200" lvl="0" indent="-457200">
-              <a:lnSpc>
-                <a:spcPts val="2640"/>
-              </a:lnSpc>
-              <a:spcBef>
-                <a:spcPts val="600"/>
-              </a:spcBef>
-              <a:buFont typeface="+mj-lt"/>
-              <a:buAutoNum type="arabicPeriod"/>
-            </a:pPr>
-            <a:r>
-              <a:rPr lang="en-CA" sz="1800" dirty="0"/>
-              <a:t>The encapsulating node inserts a hop-by-hop Indicator Label and one or more IOAM data field(s) in the MPLS header.</a:t>
-            </a:r>
-          </a:p>
-          <a:p>
-            <a:pPr marL="457200" indent="-457200">
-              <a:lnSpc>
-                <a:spcPts val="2640"/>
-              </a:lnSpc>
-              <a:spcBef>
-                <a:spcPts val="600"/>
-              </a:spcBef>
-              <a:buFont typeface="+mj-lt"/>
-              <a:buAutoNum type="arabicPeriod"/>
-            </a:pPr>
-            <a:r>
-              <a:rPr lang="en-CA" sz="1800" dirty="0">
-                <a:solidFill>
-                  <a:srgbClr val="0070C0"/>
-                </a:solidFill>
-              </a:rPr>
-              <a:t>The transit node for hop-by-hop IOAM "forwards and punts the timestamped copy" of the data packet including IOAM data field(s). </a:t>
-            </a:r>
-          </a:p>
-          <a:p>
-            <a:pPr marL="457200" lvl="0" indent="-457200">
-              <a:lnSpc>
-                <a:spcPts val="2640"/>
-              </a:lnSpc>
-              <a:spcBef>
-                <a:spcPts val="600"/>
-              </a:spcBef>
-              <a:buFont typeface="+mj-lt"/>
-              <a:buAutoNum type="arabicPeriod"/>
-            </a:pPr>
-            <a:r>
-              <a:rPr lang="en-CA" sz="1800" dirty="0"/>
-              <a:t>The decapsulating node for hop-by-hop IOAM "forwards and punts the timestamped copy" of the data packet including IOAM data field(s). </a:t>
-            </a:r>
-          </a:p>
-          <a:p>
-            <a:pPr marL="857250" lvl="1" indent="-457200">
-              <a:lnSpc>
-                <a:spcPts val="2640"/>
-              </a:lnSpc>
-              <a:spcBef>
-                <a:spcPts val="600"/>
-              </a:spcBef>
-              <a:buFont typeface="Wingdings" pitchFamily="2" charset="2"/>
-              <a:buChar char="§"/>
-            </a:pPr>
-            <a:r>
-              <a:rPr lang="en-CA" sz="1800" dirty="0"/>
-              <a:t>The decapsulating node for hop-by-hop IOAM also pops the IOAM Indicator Label and the IOAM data field(s) from the MPLS header.</a:t>
-            </a:r>
-          </a:p>
-        </p:txBody>
-      </p:sp>
-      <p:sp>
-        <p:nvSpPr>
-          <p:cNvPr id="4" name="Footer Placeholder 3"/>
-          <p:cNvSpPr>
-            <a:spLocks noGrp="1"/>
-          </p:cNvSpPr>
-          <p:nvPr>
-            <p:ph type="ftr" sz="quarter" idx="11"/>
-          </p:nvPr>
-        </p:nvSpPr>
-        <p:spPr>
-          <a:xfrm>
-            <a:off x="3124200" y="4787315"/>
-            <a:ext cx="2895600" cy="357188"/>
-          </a:xfrm>
-        </p:spPr>
-        <p:txBody>
-          <a:bodyPr/>
-          <a:lstStyle/>
-          <a:p>
-            <a:r>
-              <a:rPr lang="en-CA" dirty="0"/>
-              <a:t>109</a:t>
-            </a:r>
-            <a:r>
-              <a:rPr lang="en-CA" baseline="30000" dirty="0"/>
-              <a:t>th</a:t>
-            </a:r>
-            <a:r>
-              <a:rPr lang="en-CA" dirty="0"/>
-              <a:t> IETF Online</a:t>
-            </a:r>
-          </a:p>
-        </p:txBody>
-      </p:sp>
-      <p:sp>
-        <p:nvSpPr>
-          <p:cNvPr id="5" name="Slide Number Placeholder 4"/>
-          <p:cNvSpPr>
-            <a:spLocks noGrp="1"/>
-          </p:cNvSpPr>
-          <p:nvPr>
-            <p:ph type="sldNum" sz="quarter" idx="12"/>
-          </p:nvPr>
-        </p:nvSpPr>
-        <p:spPr/>
-        <p:txBody>
-          <a:bodyPr/>
-          <a:lstStyle/>
-          <a:p>
-            <a:pPr>
-              <a:defRPr/>
-            </a:pPr>
-            <a:fld id="{BD6E0F59-1DD8-40FC-9C92-B6295CBA6CCA}" type="slidenum">
-              <a:rPr lang="en-US" altLang="zh-CN" smtClean="0"/>
-              <a:pPr>
-                <a:defRPr/>
-              </a:pPr>
-              <a:t>12</a:t>
-            </a:fld>
-            <a:endParaRPr lang="en-US" altLang="zh-CN"/>
-          </a:p>
-        </p:txBody>
-      </p:sp>
-    </p:spTree>
-    <p:extLst>
-      <p:ext uri="{BB962C8B-B14F-4D97-AF65-F5344CB8AC3E}">
-        <p14:creationId xmlns:p14="http://schemas.microsoft.com/office/powerpoint/2010/main" val="2247469569"/>
-      </p:ext>
-    </p:extLst>
-  </p:cSld>
-  <p:clrMapOvr>
-    <a:masterClrMapping/>
-  </p:clrMapOvr>
-</p:sld>
-</file>
-
-<file path=ppt/slides/slide13.xml><?xml version="1.0" encoding="utf-8"?>
-<p:sld xmlns:a="http://schemas.openxmlformats.org/drawingml/2006/main" xmlns:r="http://schemas.openxmlformats.org/officeDocument/2006/relationships" xmlns:p="http://schemas.openxmlformats.org/presentationml/2006/main">
-  <p:cSld>
-    <p:spTree>
-      <p:nvGrpSpPr>
-        <p:cNvPr id="1" name=""/>
-        <p:cNvGrpSpPr/>
-        <p:nvPr/>
-      </p:nvGrpSpPr>
-      <p:grpSpPr>
-        <a:xfrm>
-          <a:off x="0" y="0"/>
-          <a:ext cx="0" cy="0"/>
-          <a:chOff x="0" y="0"/>
-          <a:chExt cx="0" cy="0"/>
-        </a:xfrm>
-      </p:grpSpPr>
-      <p:sp>
-        <p:nvSpPr>
-          <p:cNvPr id="2" name="Title 1"/>
-          <p:cNvSpPr>
-            <a:spLocks noGrp="1"/>
-          </p:cNvSpPr>
-          <p:nvPr>
-            <p:ph type="title"/>
-          </p:nvPr>
-        </p:nvSpPr>
-        <p:spPr>
-          <a:xfrm>
-            <a:off x="457200" y="0"/>
-            <a:ext cx="8229600" cy="857250"/>
-          </a:xfrm>
-        </p:spPr>
-        <p:txBody>
-          <a:bodyPr/>
-          <a:lstStyle/>
-          <a:p>
-            <a:r>
-              <a:rPr lang="en-US" sz="3600" dirty="0" err="1">
-                <a:solidFill>
-                  <a:srgbClr val="0070C0"/>
-                </a:solidFill>
-                <a:latin typeface="Calibri Light" panose="020F0302020204030204" pitchFamily="34" charset="0"/>
-                <a:cs typeface="Calibri Light" panose="020F0302020204030204" pitchFamily="34" charset="0"/>
-              </a:rPr>
-              <a:t>HbH</a:t>
-            </a:r>
-            <a:r>
-              <a:rPr lang="en-US" sz="3600" dirty="0">
-                <a:solidFill>
-                  <a:srgbClr val="0070C0"/>
-                </a:solidFill>
-                <a:latin typeface="Calibri Light" panose="020F0302020204030204" pitchFamily="34" charset="0"/>
-                <a:cs typeface="Calibri Light" panose="020F0302020204030204" pitchFamily="34" charset="0"/>
-              </a:rPr>
-              <a:t> Indicator Label Allocation Methods</a:t>
-            </a:r>
-          </a:p>
-        </p:txBody>
-      </p:sp>
-      <p:sp>
-        <p:nvSpPr>
-          <p:cNvPr id="3" name="Content Placeholder 2"/>
-          <p:cNvSpPr>
-            <a:spLocks noGrp="1"/>
-          </p:cNvSpPr>
-          <p:nvPr>
-            <p:ph idx="1"/>
-          </p:nvPr>
-        </p:nvSpPr>
-        <p:spPr>
-          <a:xfrm>
-            <a:off x="609600" y="1001685"/>
-            <a:ext cx="7924800" cy="3140129"/>
-          </a:xfrm>
-        </p:spPr>
-        <p:txBody>
-          <a:bodyPr/>
-          <a:lstStyle/>
-          <a:p>
-            <a:pPr marL="457200" lvl="0" indent="-457200">
-              <a:buFont typeface="+mj-lt"/>
-              <a:buAutoNum type="arabicPeriod"/>
-            </a:pPr>
-            <a:r>
-              <a:rPr lang="en-CA" sz="2000" dirty="0"/>
-              <a:t>Label assigned by IANA with values TBA3 and TBA4</a:t>
-            </a:r>
-          </a:p>
-          <a:p>
-            <a:pPr lvl="1" indent="-342900">
-              <a:buFont typeface="Wingdings" pitchFamily="2" charset="2"/>
-              <a:buChar char="§"/>
-            </a:pPr>
-            <a:r>
-              <a:rPr lang="en-CA" sz="2000" dirty="0"/>
-              <a:t>From Extended Special Purpose Labels (</a:t>
-            </a:r>
-            <a:r>
-              <a:rPr lang="en-CA" sz="2000" dirty="0" err="1"/>
-              <a:t>eSPL</a:t>
-            </a:r>
-            <a:r>
-              <a:rPr lang="en-CA" sz="2000" dirty="0"/>
-              <a:t>) range</a:t>
-            </a:r>
-          </a:p>
-          <a:p>
-            <a:pPr marL="457200" lvl="0" indent="-457200">
-              <a:buFont typeface="+mj-lt"/>
-              <a:buAutoNum type="arabicPeriod"/>
-            </a:pPr>
-            <a:r>
-              <a:rPr lang="en-CA" sz="2000" dirty="0"/>
-              <a:t>Global Label allocated by a controller</a:t>
-            </a:r>
-          </a:p>
-          <a:p>
-            <a:pPr lvl="1" indent="-342900">
-              <a:buFont typeface="Wingdings" pitchFamily="2" charset="2"/>
-              <a:buChar char="§"/>
-            </a:pPr>
-            <a:r>
-              <a:rPr lang="en-CA" sz="2000" dirty="0"/>
-              <a:t>The controller provisions the label on encapsulating, </a:t>
-            </a:r>
-            <a:r>
-              <a:rPr lang="en-CA" sz="2000" dirty="0">
-                <a:solidFill>
-                  <a:srgbClr val="0070C0"/>
-                </a:solidFill>
-              </a:rPr>
-              <a:t>transit </a:t>
-            </a:r>
-            <a:r>
-              <a:rPr lang="en-CA" sz="2000" dirty="0"/>
-              <a:t>and decapsulating nodes</a:t>
-            </a:r>
-          </a:p>
-        </p:txBody>
-      </p:sp>
-      <p:sp>
-        <p:nvSpPr>
-          <p:cNvPr id="4" name="Footer Placeholder 3"/>
-          <p:cNvSpPr>
-            <a:spLocks noGrp="1"/>
-          </p:cNvSpPr>
-          <p:nvPr>
-            <p:ph type="ftr" sz="quarter" idx="11"/>
-          </p:nvPr>
-        </p:nvSpPr>
-        <p:spPr>
-          <a:xfrm>
-            <a:off x="3124200" y="4786312"/>
-            <a:ext cx="2895600" cy="357188"/>
-          </a:xfrm>
-        </p:spPr>
-        <p:txBody>
-          <a:bodyPr/>
-          <a:lstStyle/>
-          <a:p>
-            <a:r>
-              <a:rPr lang="en-CA" dirty="0"/>
-              <a:t>109</a:t>
-            </a:r>
-            <a:r>
-              <a:rPr lang="en-CA" baseline="30000" dirty="0"/>
-              <a:t>th</a:t>
-            </a:r>
-            <a:r>
-              <a:rPr lang="en-CA" dirty="0"/>
-              <a:t> IETF Online</a:t>
-            </a:r>
-          </a:p>
-        </p:txBody>
-      </p:sp>
-      <p:sp>
-        <p:nvSpPr>
-          <p:cNvPr id="5" name="Slide Number Placeholder 4"/>
-          <p:cNvSpPr>
-            <a:spLocks noGrp="1"/>
-          </p:cNvSpPr>
-          <p:nvPr>
-            <p:ph type="sldNum" sz="quarter" idx="12"/>
-          </p:nvPr>
-        </p:nvSpPr>
-        <p:spPr/>
-        <p:txBody>
-          <a:bodyPr/>
-          <a:lstStyle/>
-          <a:p>
-            <a:pPr>
-              <a:defRPr/>
-            </a:pPr>
-            <a:fld id="{BD6E0F59-1DD8-40FC-9C92-B6295CBA6CCA}" type="slidenum">
-              <a:rPr lang="en-US" altLang="zh-CN" smtClean="0"/>
-              <a:pPr>
-                <a:defRPr/>
-              </a:pPr>
-              <a:t>13</a:t>
-            </a:fld>
-            <a:endParaRPr lang="en-US" altLang="zh-CN"/>
-          </a:p>
-        </p:txBody>
-      </p:sp>
-    </p:spTree>
-    <p:extLst>
-      <p:ext uri="{BB962C8B-B14F-4D97-AF65-F5344CB8AC3E}">
-        <p14:creationId xmlns:p14="http://schemas.microsoft.com/office/powerpoint/2010/main" val="74835941"/>
-      </p:ext>
-    </p:extLst>
-  </p:cSld>
-  <p:clrMapOvr>
-    <a:masterClrMapping/>
-  </p:clrMapOvr>
-</p:sld>
-</file>
-
-<file path=ppt/slides/slide14.xml><?xml version="1.0" encoding="utf-8"?>
-<p:sld xmlns:a="http://schemas.openxmlformats.org/drawingml/2006/main" xmlns:r="http://schemas.openxmlformats.org/officeDocument/2006/relationships" xmlns:p="http://schemas.openxmlformats.org/presentationml/2006/main">
-  <p:cSld>
-    <p:spTree>
-      <p:nvGrpSpPr>
-        <p:cNvPr id="1" name=""/>
-        <p:cNvGrpSpPr/>
-        <p:nvPr/>
-      </p:nvGrpSpPr>
-      <p:grpSpPr>
-        <a:xfrm>
-          <a:off x="0" y="0"/>
-          <a:ext cx="0" cy="0"/>
-          <a:chOff x="0" y="0"/>
-          <a:chExt cx="0" cy="0"/>
-        </a:xfrm>
-      </p:grpSpPr>
-      <p:sp>
-        <p:nvSpPr>
-          <p:cNvPr id="2" name="Title 1">
-            <a:extLst>
-              <a:ext uri="{FF2B5EF4-FFF2-40B4-BE49-F238E27FC236}">
-                <a16:creationId xmlns:a16="http://schemas.microsoft.com/office/drawing/2014/main" id="{590D0125-5A9E-9D48-9391-85FBD0E608A2}"/>
-              </a:ext>
-            </a:extLst>
-          </p:cNvPr>
-          <p:cNvSpPr>
-            <a:spLocks noGrp="1"/>
-          </p:cNvSpPr>
-          <p:nvPr>
-            <p:ph type="title"/>
-          </p:nvPr>
-        </p:nvSpPr>
-        <p:spPr>
-          <a:xfrm>
-            <a:off x="1066800" y="-17621"/>
-            <a:ext cx="8077200" cy="599270"/>
-          </a:xfrm>
-        </p:spPr>
-        <p:txBody>
-          <a:bodyPr/>
-          <a:lstStyle/>
-          <a:p>
-            <a:pPr algn="l"/>
-            <a:r>
-              <a:rPr lang="en-CA" sz="2700" dirty="0">
-                <a:solidFill>
-                  <a:srgbClr val="0070C0"/>
-                </a:solidFill>
-                <a:latin typeface="Calibri Light" panose="020F0302020204030204" pitchFamily="34" charset="0"/>
-                <a:cs typeface="Calibri Light" panose="020F0302020204030204" pitchFamily="34" charset="0"/>
-              </a:rPr>
-              <a:t>IOAM Encapsulation Example with SR-MPLS Header</a:t>
-            </a:r>
-            <a:endParaRPr lang="en-US" sz="2700" dirty="0">
-              <a:solidFill>
-                <a:srgbClr val="0070C0"/>
-              </a:solidFill>
-              <a:latin typeface="Calibri Light" panose="020F0302020204030204" pitchFamily="34" charset="0"/>
-              <a:cs typeface="Calibri Light" panose="020F0302020204030204" pitchFamily="34" charset="0"/>
-            </a:endParaRPr>
-          </a:p>
-        </p:txBody>
-      </p:sp>
-      <p:sp>
-        <p:nvSpPr>
-          <p:cNvPr id="4" name="Footer Placeholder 3">
-            <a:extLst>
-              <a:ext uri="{FF2B5EF4-FFF2-40B4-BE49-F238E27FC236}">
-                <a16:creationId xmlns:a16="http://schemas.microsoft.com/office/drawing/2014/main" id="{87713FCD-3B47-804D-B373-DAB61FB5FF59}"/>
-              </a:ext>
-            </a:extLst>
-          </p:cNvPr>
-          <p:cNvSpPr>
-            <a:spLocks noGrp="1"/>
-          </p:cNvSpPr>
-          <p:nvPr>
-            <p:ph type="ftr" sz="quarter" idx="11"/>
-          </p:nvPr>
-        </p:nvSpPr>
-        <p:spPr>
-          <a:xfrm>
-            <a:off x="3124200" y="4786312"/>
-            <a:ext cx="2895600" cy="357188"/>
-          </a:xfrm>
-        </p:spPr>
-        <p:txBody>
-          <a:bodyPr/>
-          <a:lstStyle/>
-          <a:p>
-            <a:r>
-              <a:rPr lang="en-CA" dirty="0"/>
-              <a:t>109</a:t>
-            </a:r>
-            <a:r>
-              <a:rPr lang="en-CA" baseline="30000" dirty="0"/>
-              <a:t>th</a:t>
-            </a:r>
-            <a:r>
-              <a:rPr lang="en-CA" dirty="0"/>
-              <a:t> IETF Online</a:t>
-            </a:r>
-          </a:p>
-        </p:txBody>
-      </p:sp>
-      <p:sp>
-        <p:nvSpPr>
-          <p:cNvPr id="5" name="Slide Number Placeholder 4">
-            <a:extLst>
-              <a:ext uri="{FF2B5EF4-FFF2-40B4-BE49-F238E27FC236}">
-                <a16:creationId xmlns:a16="http://schemas.microsoft.com/office/drawing/2014/main" id="{1371408B-9195-EC4D-8131-A3F5CC0592D0}"/>
-              </a:ext>
-            </a:extLst>
-          </p:cNvPr>
-          <p:cNvSpPr>
-            <a:spLocks noGrp="1"/>
-          </p:cNvSpPr>
-          <p:nvPr>
-            <p:ph type="sldNum" sz="quarter" idx="12"/>
-          </p:nvPr>
-        </p:nvSpPr>
-        <p:spPr/>
-        <p:txBody>
-          <a:bodyPr/>
-          <a:lstStyle/>
-          <a:p>
-            <a:pPr>
-              <a:defRPr/>
-            </a:pPr>
-            <a:fld id="{BD6E0F59-1DD8-40FC-9C92-B6295CBA6CCA}" type="slidenum">
-              <a:rPr lang="en-US" altLang="zh-CN" smtClean="0"/>
-              <a:pPr>
-                <a:defRPr/>
-              </a:pPr>
-              <a:t>14</a:t>
-            </a:fld>
-            <a:endParaRPr lang="en-US" altLang="zh-CN" dirty="0"/>
-          </a:p>
-        </p:txBody>
-      </p:sp>
-      <p:sp>
-        <p:nvSpPr>
-          <p:cNvPr id="6" name="Rectangle 5">
-            <a:extLst>
-              <a:ext uri="{FF2B5EF4-FFF2-40B4-BE49-F238E27FC236}">
-                <a16:creationId xmlns:a16="http://schemas.microsoft.com/office/drawing/2014/main" id="{1EED4007-3A19-0E4E-8496-6CECEEA363EB}"/>
-              </a:ext>
-            </a:extLst>
-          </p:cNvPr>
-          <p:cNvSpPr/>
-          <p:nvPr/>
-        </p:nvSpPr>
-        <p:spPr>
-          <a:xfrm>
-            <a:off x="1943100" y="627191"/>
-            <a:ext cx="5257800" cy="4108817"/>
-          </a:xfrm>
-          <a:prstGeom prst="rect">
-            <a:avLst/>
-          </a:prstGeom>
-          <a:solidFill>
-            <a:schemeClr val="accent6">
-              <a:lumMod val="20000"/>
-              <a:lumOff val="80000"/>
-            </a:schemeClr>
-          </a:solidFill>
-        </p:spPr>
-        <p:txBody>
-          <a:bodyPr wrap="square">
-            <a:spAutoFit/>
-          </a:bodyPr>
-          <a:lstStyle/>
-          <a:p>
-            <a:r>
-              <a:rPr lang="en-CA" sz="900" dirty="0">
-                <a:latin typeface="Courier" pitchFamily="2" charset="0"/>
-              </a:rPr>
-              <a:t>    0                   1                   2                   3</a:t>
-            </a:r>
-          </a:p>
-          <a:p>
-            <a:r>
-              <a:rPr lang="en-CA" sz="900" dirty="0">
-                <a:latin typeface="Courier" pitchFamily="2" charset="0"/>
-              </a:rPr>
-              <a:t>    0 1 2 3 4 5 6 7 8 9 0 1 2 3 4 5 6 7 8 9 0 1 2 3 4 5 6 7 8 9 0 1</a:t>
-            </a:r>
-          </a:p>
-          <a:p>
-            <a:r>
-              <a:rPr lang="en-CA" sz="900" dirty="0">
-                <a:latin typeface="Courier" pitchFamily="2" charset="0"/>
-              </a:rPr>
-              <a:t>   +-+-+-+-+-+-+-+-+-+-+-+-+-+-+-+-+-+-+-+-+-+-+-+-+-+-+-+-+-+-+-+-+</a:t>
-            </a:r>
-          </a:p>
-          <a:p>
-            <a:r>
-              <a:rPr lang="en-CA" sz="900" dirty="0">
-                <a:latin typeface="Courier" pitchFamily="2" charset="0"/>
-              </a:rPr>
-              <a:t>   |                Label(1)               | TC  |S|      TTL      |</a:t>
-            </a:r>
-          </a:p>
-          <a:p>
-            <a:r>
-              <a:rPr lang="en-CA" sz="900" dirty="0">
-                <a:latin typeface="Courier" pitchFamily="2" charset="0"/>
-              </a:rPr>
-              <a:t>   +-+-+-+-+-+-+-+-+-+-+-+-+-+-+-+-+-+-+-+-+-+-+-+-+-+-+-+-+-+-+-+-+</a:t>
-            </a:r>
-          </a:p>
-          <a:p>
-            <a:r>
-              <a:rPr lang="en-CA" sz="900" dirty="0">
-                <a:latin typeface="Courier" pitchFamily="2" charset="0"/>
-              </a:rPr>
-              <a:t>   .                                                               .</a:t>
-            </a:r>
-          </a:p>
-          <a:p>
-            <a:r>
-              <a:rPr lang="en-CA" sz="900" dirty="0">
-                <a:latin typeface="Courier" pitchFamily="2" charset="0"/>
-              </a:rPr>
-              <a:t>   .                                                               .</a:t>
-            </a:r>
-          </a:p>
-          <a:p>
-            <a:r>
-              <a:rPr lang="en-CA" sz="900" dirty="0">
-                <a:latin typeface="Courier" pitchFamily="2" charset="0"/>
-              </a:rPr>
-              <a:t>   .                                                               .</a:t>
-            </a:r>
-          </a:p>
-          <a:p>
-            <a:r>
-              <a:rPr lang="en-CA" sz="900" dirty="0">
-                <a:latin typeface="Courier" pitchFamily="2" charset="0"/>
-              </a:rPr>
-              <a:t>   +-+-+-+-+-+-+-+-+-+-+-+-+-+-+-+-+-+-+-+-+-+-+-+-+-+-+-+-+-+-+-+-+</a:t>
-            </a:r>
-          </a:p>
-          <a:p>
-            <a:r>
-              <a:rPr lang="en-CA" sz="900" dirty="0">
-                <a:latin typeface="Courier" pitchFamily="2" charset="0"/>
-              </a:rPr>
-              <a:t>   |                Label(n)               | TC  |S|      TTL      |</a:t>
-            </a:r>
-          </a:p>
-          <a:p>
-            <a:r>
-              <a:rPr lang="en-CA" sz="900" dirty="0">
-                <a:latin typeface="Courier" pitchFamily="2" charset="0"/>
-              </a:rPr>
-              <a:t>   +-+-+-+-+-+-+-+-+-+-+-+-+-+-+-+-+-+-+-+-+-+-+-+-+-+-+-+-+-+-+-+-+</a:t>
-            </a:r>
-          </a:p>
-          <a:p>
-            <a:r>
-              <a:rPr lang="en-CA" sz="900" dirty="0">
-                <a:latin typeface="Courier" pitchFamily="2" charset="0"/>
-              </a:rPr>
-              <a:t>   |                PSID                   | TC  |S|      TTL      | </a:t>
-            </a:r>
-          </a:p>
-          <a:p>
-            <a:r>
-              <a:rPr lang="en-CA" sz="900" dirty="0">
-                <a:latin typeface="Courier" pitchFamily="2" charset="0"/>
-              </a:rPr>
-              <a:t>   +-+-+-+-+-+-+-+-+-+-+-+-+-+-+-+-+-+-+-+-+-+-+-+-+-+-+-+-+-+-+-+-+</a:t>
-            </a:r>
-          </a:p>
-          <a:p>
-            <a:r>
-              <a:rPr lang="en-CA" sz="900" dirty="0">
-                <a:latin typeface="Courier" pitchFamily="2" charset="0"/>
-              </a:rPr>
-              <a:t>   |  IOAM Indicator Label                 | TC  |1|  TTL          |</a:t>
-            </a:r>
-          </a:p>
-          <a:p>
-            <a:r>
-              <a:rPr lang="en-CA" sz="900" dirty="0">
-                <a:latin typeface="Courier" pitchFamily="2" charset="0"/>
-              </a:rPr>
-              <a:t>   +-+-+-+-+-+-+-+-+-+-+-+-+-+-+-+-+-+-+-+-+-+-+-+-+-+-+-+-+-+-+-+-+&lt;-+ </a:t>
-            </a:r>
-          </a:p>
-          <a:p>
-            <a:r>
-              <a:rPr lang="en-CA" sz="900" dirty="0">
-                <a:latin typeface="Courier" pitchFamily="2" charset="0"/>
-              </a:rPr>
-              <a:t>   |  IOAM-Type    | IOAM HDR LEN  |    RESERVED                   |  |</a:t>
-            </a:r>
-          </a:p>
-          <a:p>
-            <a:r>
-              <a:rPr lang="en-CA" sz="900" dirty="0">
-                <a:latin typeface="Courier" pitchFamily="2" charset="0"/>
-              </a:rPr>
-              <a:t>   +-+-+-+-+-+-+-+-+-+-+-+-+-+-+-+-+-+-+-+-+-+-+-+-+-+-+-+-+-+-+-+-+  I</a:t>
-            </a:r>
-          </a:p>
-          <a:p>
-            <a:r>
-              <a:rPr lang="en-CA" sz="900" dirty="0">
-                <a:latin typeface="Courier" pitchFamily="2" charset="0"/>
-              </a:rPr>
-              <a:t>   |                                                               |  O</a:t>
-            </a:r>
-          </a:p>
-          <a:p>
-            <a:r>
-              <a:rPr lang="en-CA" sz="900" dirty="0">
-                <a:latin typeface="Courier" pitchFamily="2" charset="0"/>
-              </a:rPr>
-              <a:t>   |                                                               |  A</a:t>
-            </a:r>
-          </a:p>
-          <a:p>
-            <a:r>
-              <a:rPr lang="en-CA" sz="900" dirty="0">
-                <a:latin typeface="Courier" pitchFamily="2" charset="0"/>
-              </a:rPr>
-              <a:t>   ~                 IOAM Option and Data Space                    ~  M</a:t>
-            </a:r>
-          </a:p>
-          <a:p>
-            <a:r>
-              <a:rPr lang="en-CA" sz="900" dirty="0">
-                <a:latin typeface="Courier" pitchFamily="2" charset="0"/>
-              </a:rPr>
-              <a:t>   |                                                               |  |</a:t>
-            </a:r>
-          </a:p>
-          <a:p>
-            <a:r>
-              <a:rPr lang="en-CA" sz="900" dirty="0">
-                <a:latin typeface="Courier" pitchFamily="2" charset="0"/>
-              </a:rPr>
-              <a:t>   |                                                               |  |</a:t>
-            </a:r>
-          </a:p>
-          <a:p>
-            <a:r>
-              <a:rPr lang="en-CA" sz="900" dirty="0">
-                <a:latin typeface="Courier" pitchFamily="2" charset="0"/>
-              </a:rPr>
-              <a:t>   +-+-+-+-+-+-+-+-+-+-+-+-+-+-+-+-+-+-+-+-+-+-+-+-+-+-+-+-+-+-+-+-+&lt;-+</a:t>
-            </a:r>
-          </a:p>
-          <a:p>
-            <a:r>
-              <a:rPr lang="en-CA" sz="900" dirty="0">
-                <a:latin typeface="Courier" pitchFamily="2" charset="0"/>
-              </a:rPr>
-              <a:t>   |                                                               |</a:t>
-            </a:r>
-          </a:p>
-          <a:p>
-            <a:r>
-              <a:rPr lang="en-CA" sz="900" dirty="0">
-                <a:latin typeface="Courier" pitchFamily="2" charset="0"/>
-              </a:rPr>
-              <a:t>   ~                 Payload + Padding                             ~</a:t>
-            </a:r>
-          </a:p>
-          <a:p>
-            <a:r>
-              <a:rPr lang="en-CA" sz="900" dirty="0">
-                <a:latin typeface="Courier" pitchFamily="2" charset="0"/>
-              </a:rPr>
-              <a:t>   |                                                               |</a:t>
-            </a:r>
-          </a:p>
-          <a:p>
-            <a:r>
-              <a:rPr lang="en-CA" sz="900" dirty="0">
-                <a:latin typeface="Courier" pitchFamily="2" charset="0"/>
-              </a:rPr>
-              <a:t>   +-+-+-+-+-+-+-+-+-+-+-+-+-+-+-+-+-+-+-+-+-+-+-+-+-+-+-+-+-+-+-+-+</a:t>
-            </a:r>
-          </a:p>
-          <a:p>
-            <a:r>
-              <a:rPr lang="en-CA" sz="900" dirty="0">
-                <a:latin typeface="Courier" pitchFamily="2" charset="0"/>
-              </a:rPr>
-              <a:t> </a:t>
-            </a:r>
-          </a:p>
-          <a:p>
-            <a:r>
-              <a:rPr lang="en-CA" sz="900" dirty="0">
-                <a:latin typeface="Courier" pitchFamily="2" charset="0"/>
-              </a:rPr>
-              <a:t>         Figure: IOAM Encapsulation Example with SR-MPLS Header</a:t>
-            </a:r>
-            <a:endParaRPr lang="en-CA" sz="900" dirty="0">
-              <a:latin typeface="Courier" pitchFamily="2" charset="0"/>
-              <a:ea typeface="Calibri" panose="020F0502020204030204" pitchFamily="34" charset="0"/>
-              <a:cs typeface="Times New Roman" panose="02020603050405020304" pitchFamily="18" charset="0"/>
-            </a:endParaRPr>
-          </a:p>
-        </p:txBody>
-      </p:sp>
-    </p:spTree>
-    <p:extLst>
-      <p:ext uri="{BB962C8B-B14F-4D97-AF65-F5344CB8AC3E}">
-        <p14:creationId xmlns:p14="http://schemas.microsoft.com/office/powerpoint/2010/main" val="1689742401"/>
-      </p:ext>
-    </p:extLst>
-  </p:cSld>
-  <p:clrMapOvr>
-    <a:masterClrMapping/>
-  </p:clrMapOvr>
-</p:sld>
-</file>
-
-<file path=ppt/slides/slide15.xml><?xml version="1.0" encoding="utf-8"?>
-<p:sld xmlns:a="http://schemas.openxmlformats.org/drawingml/2006/main" xmlns:r="http://schemas.openxmlformats.org/officeDocument/2006/relationships" xmlns:p="http://schemas.openxmlformats.org/presentationml/2006/main">
-  <p:cSld>
-    <p:spTree>
-      <p:nvGrpSpPr>
-        <p:cNvPr id="1" name=""/>
-        <p:cNvGrpSpPr/>
-        <p:nvPr/>
-      </p:nvGrpSpPr>
-      <p:grpSpPr>
-        <a:xfrm>
-          <a:off x="0" y="0"/>
-          <a:ext cx="0" cy="0"/>
-          <a:chOff x="0" y="0"/>
-          <a:chExt cx="0" cy="0"/>
-        </a:xfrm>
-      </p:grpSpPr>
-      <p:sp>
-        <p:nvSpPr>
-          <p:cNvPr id="2" name="Title 1">
-            <a:extLst>
-              <a:ext uri="{FF2B5EF4-FFF2-40B4-BE49-F238E27FC236}">
-                <a16:creationId xmlns:a16="http://schemas.microsoft.com/office/drawing/2014/main" id="{590D0125-5A9E-9D48-9391-85FBD0E608A2}"/>
-              </a:ext>
-            </a:extLst>
-          </p:cNvPr>
-          <p:cNvSpPr>
-            <a:spLocks noGrp="1"/>
-          </p:cNvSpPr>
-          <p:nvPr>
-            <p:ph type="title"/>
-          </p:nvPr>
-        </p:nvSpPr>
-        <p:spPr>
-          <a:xfrm>
-            <a:off x="228600" y="-17621"/>
-            <a:ext cx="8915400" cy="599270"/>
-          </a:xfrm>
-        </p:spPr>
-        <p:txBody>
-          <a:bodyPr/>
-          <a:lstStyle/>
-          <a:p>
-            <a:pPr algn="l"/>
-            <a:r>
-              <a:rPr lang="en-CA" sz="2500" dirty="0">
-                <a:solidFill>
-                  <a:srgbClr val="0070C0"/>
-                </a:solidFill>
-                <a:latin typeface="Calibri Light" panose="020F0302020204030204" pitchFamily="34" charset="0"/>
-                <a:cs typeface="Calibri Light" panose="020F0302020204030204" pitchFamily="34" charset="0"/>
-              </a:rPr>
-              <a:t>IOAM Encapsulation with Flow Label Example with SR-MPLS Header</a:t>
-            </a:r>
-            <a:endParaRPr lang="en-US" sz="2500" dirty="0">
-              <a:solidFill>
-                <a:srgbClr val="0070C0"/>
-              </a:solidFill>
-              <a:latin typeface="Calibri Light" panose="020F0302020204030204" pitchFamily="34" charset="0"/>
-              <a:cs typeface="Calibri Light" panose="020F0302020204030204" pitchFamily="34" charset="0"/>
-            </a:endParaRPr>
-          </a:p>
-        </p:txBody>
-      </p:sp>
-      <p:sp>
-        <p:nvSpPr>
-          <p:cNvPr id="4" name="Footer Placeholder 3">
-            <a:extLst>
-              <a:ext uri="{FF2B5EF4-FFF2-40B4-BE49-F238E27FC236}">
-                <a16:creationId xmlns:a16="http://schemas.microsoft.com/office/drawing/2014/main" id="{87713FCD-3B47-804D-B373-DAB61FB5FF59}"/>
-              </a:ext>
-            </a:extLst>
-          </p:cNvPr>
-          <p:cNvSpPr>
-            <a:spLocks noGrp="1"/>
-          </p:cNvSpPr>
-          <p:nvPr>
-            <p:ph type="ftr" sz="quarter" idx="11"/>
-          </p:nvPr>
-        </p:nvSpPr>
-        <p:spPr>
-          <a:xfrm>
-            <a:off x="3124200" y="4862513"/>
-            <a:ext cx="2895600" cy="357188"/>
-          </a:xfrm>
-        </p:spPr>
-        <p:txBody>
-          <a:bodyPr/>
-          <a:lstStyle/>
-          <a:p>
-            <a:r>
-              <a:rPr lang="en-CA" dirty="0"/>
-              <a:t>109</a:t>
-            </a:r>
-            <a:r>
-              <a:rPr lang="en-CA" baseline="30000" dirty="0"/>
-              <a:t>th</a:t>
-            </a:r>
-            <a:r>
-              <a:rPr lang="en-CA" dirty="0"/>
-              <a:t> IETF Online</a:t>
-            </a:r>
-          </a:p>
-        </p:txBody>
-      </p:sp>
-      <p:sp>
-        <p:nvSpPr>
-          <p:cNvPr id="5" name="Slide Number Placeholder 4">
-            <a:extLst>
-              <a:ext uri="{FF2B5EF4-FFF2-40B4-BE49-F238E27FC236}">
-                <a16:creationId xmlns:a16="http://schemas.microsoft.com/office/drawing/2014/main" id="{1371408B-9195-EC4D-8131-A3F5CC0592D0}"/>
-              </a:ext>
-            </a:extLst>
-          </p:cNvPr>
-          <p:cNvSpPr>
-            <a:spLocks noGrp="1"/>
-          </p:cNvSpPr>
-          <p:nvPr>
-            <p:ph type="sldNum" sz="quarter" idx="12"/>
-          </p:nvPr>
-        </p:nvSpPr>
-        <p:spPr/>
-        <p:txBody>
-          <a:bodyPr/>
-          <a:lstStyle/>
-          <a:p>
-            <a:pPr>
-              <a:defRPr/>
-            </a:pPr>
-            <a:fld id="{BD6E0F59-1DD8-40FC-9C92-B6295CBA6CCA}" type="slidenum">
-              <a:rPr lang="en-US" altLang="zh-CN" smtClean="0"/>
-              <a:pPr>
-                <a:defRPr/>
-              </a:pPr>
-              <a:t>15</a:t>
-            </a:fld>
-            <a:endParaRPr lang="en-US" altLang="zh-CN"/>
-          </a:p>
-        </p:txBody>
-      </p:sp>
-      <p:sp>
-        <p:nvSpPr>
-          <p:cNvPr id="6" name="Rectangle 5">
-            <a:extLst>
-              <a:ext uri="{FF2B5EF4-FFF2-40B4-BE49-F238E27FC236}">
-                <a16:creationId xmlns:a16="http://schemas.microsoft.com/office/drawing/2014/main" id="{1EED4007-3A19-0E4E-8496-6CECEEA363EB}"/>
-              </a:ext>
-            </a:extLst>
-          </p:cNvPr>
-          <p:cNvSpPr/>
-          <p:nvPr/>
-        </p:nvSpPr>
-        <p:spPr>
-          <a:xfrm>
-            <a:off x="2076450" y="485208"/>
-            <a:ext cx="5219700" cy="4392784"/>
-          </a:xfrm>
-          <a:prstGeom prst="rect">
-            <a:avLst/>
-          </a:prstGeom>
-          <a:solidFill>
-            <a:schemeClr val="accent6">
-              <a:lumMod val="20000"/>
-              <a:lumOff val="80000"/>
-            </a:schemeClr>
-          </a:solidFill>
-        </p:spPr>
-        <p:txBody>
-          <a:bodyPr wrap="square">
-            <a:spAutoFit/>
-          </a:bodyPr>
-          <a:lstStyle/>
-          <a:p>
-            <a:r>
-              <a:rPr lang="en-CA" sz="900" dirty="0">
-                <a:latin typeface="Courier" pitchFamily="2" charset="0"/>
-              </a:rPr>
-              <a:t>    0                   1                   2                   3</a:t>
-            </a:r>
-          </a:p>
-          <a:p>
-            <a:r>
-              <a:rPr lang="en-CA" sz="900" dirty="0">
-                <a:latin typeface="Courier" pitchFamily="2" charset="0"/>
-              </a:rPr>
-              <a:t>    0 1 2 3 4 5 6 7 8 9 0 1 2 3 4 5 6 7 8 9 0 1 2 3 4 5 6 7 8 9 0 1</a:t>
-            </a:r>
-          </a:p>
-          <a:p>
-            <a:r>
-              <a:rPr lang="en-CA" sz="900" dirty="0">
-                <a:latin typeface="Courier" pitchFamily="2" charset="0"/>
-              </a:rPr>
-              <a:t>   +-+-+-+-+-+-+-+-+-+-+-+-+-+-+-+-+-+-+-+-+-+-+-+-+-+-+-+-+-+-+-+-+</a:t>
-            </a:r>
-          </a:p>
-          <a:p>
-            <a:r>
-              <a:rPr lang="en-CA" sz="900" dirty="0">
-                <a:latin typeface="Courier" pitchFamily="2" charset="0"/>
-              </a:rPr>
-              <a:t>   |                Label(1)               | TC  |S|      TTL      |</a:t>
-            </a:r>
-          </a:p>
-          <a:p>
-            <a:r>
-              <a:rPr lang="en-CA" sz="900" dirty="0">
-                <a:latin typeface="Courier" pitchFamily="2" charset="0"/>
-              </a:rPr>
-              <a:t>   +-+-+-+-+-+-+-+-+-+-+-+-+-+-+-+-+-+-+-+-+-+-+-+-+-+-+-+-+-+-+-+-+</a:t>
-            </a:r>
-          </a:p>
-          <a:p>
-            <a:r>
-              <a:rPr lang="en-CA" sz="900" dirty="0">
-                <a:latin typeface="Courier" pitchFamily="2" charset="0"/>
-              </a:rPr>
-              <a:t>   .                                                               .</a:t>
-            </a:r>
-          </a:p>
-          <a:p>
-            <a:r>
-              <a:rPr lang="en-CA" sz="900" dirty="0">
-                <a:latin typeface="Courier" pitchFamily="2" charset="0"/>
-              </a:rPr>
-              <a:t>   .                                                               .</a:t>
-            </a:r>
-          </a:p>
-          <a:p>
-            <a:r>
-              <a:rPr lang="en-CA" sz="900" dirty="0">
-                <a:latin typeface="Courier" pitchFamily="2" charset="0"/>
-              </a:rPr>
-              <a:t>   .                                                               .</a:t>
-            </a:r>
-          </a:p>
-          <a:p>
-            <a:r>
-              <a:rPr lang="en-CA" sz="900" dirty="0">
-                <a:latin typeface="Courier" pitchFamily="2" charset="0"/>
-              </a:rPr>
-              <a:t>   +-+-+-+-+-+-+-+-+-+-+-+-+-+-+-+-+-+-+-+-+-+-+-+-+-+-+-+-+-+-+-+-+</a:t>
-            </a:r>
-          </a:p>
-          <a:p>
-            <a:r>
-              <a:rPr lang="en-CA" sz="900" dirty="0">
-                <a:latin typeface="Courier" pitchFamily="2" charset="0"/>
-              </a:rPr>
-              <a:t>   |                Label(n)               | TC  |S|      TTL      |</a:t>
-            </a:r>
-          </a:p>
-          <a:p>
-            <a:r>
-              <a:rPr lang="en-CA" sz="900" dirty="0">
-                <a:latin typeface="Courier" pitchFamily="2" charset="0"/>
-              </a:rPr>
-              <a:t>   +-+-+-+-+-+-+-+-+-+-+-+-+-+-+-+-+-+-+-+-+-+-+-+-+-+-+-+-+-+-+-+-+</a:t>
-            </a:r>
-          </a:p>
-          <a:p>
-            <a:r>
-              <a:rPr lang="en-CA" sz="900" dirty="0">
-                <a:latin typeface="Courier" pitchFamily="2" charset="0"/>
-              </a:rPr>
-              <a:t>   |                PSID                   | TC  |S|      TTL      | </a:t>
-            </a:r>
-          </a:p>
-          <a:p>
-            <a:r>
-              <a:rPr lang="en-CA" sz="900" dirty="0">
-                <a:latin typeface="Courier" pitchFamily="2" charset="0"/>
-              </a:rPr>
-              <a:t>   +-+-+-+-+-+-+-+-+-+-+-+-+-+-+-+-+-+-+-+-+-+-+-+-+-+-+-+-+-+-+-+-+</a:t>
-            </a:r>
-          </a:p>
-          <a:p>
-            <a:r>
-              <a:rPr lang="en-CA" sz="900" dirty="0">
-                <a:latin typeface="Courier" pitchFamily="2" charset="0"/>
-              </a:rPr>
-              <a:t>   |  IOAM and Flow Indicator Label        | TC  |1|  TTL          |</a:t>
-            </a:r>
-          </a:p>
-          <a:p>
-            <a:r>
-              <a:rPr lang="en-CA" sz="900" dirty="0">
-                <a:latin typeface="Courier" pitchFamily="2" charset="0"/>
-              </a:rPr>
-              <a:t>   +-+-+-+-+-+-+-+-+-+-+-+-+-+-+-+-+-+-+-+-+-+-+-+-+-+-+-+-+-+-+-+-+</a:t>
-            </a:r>
-          </a:p>
-          <a:p>
-            <a:r>
-              <a:rPr lang="en-CA" sz="900" dirty="0">
-                <a:latin typeface="Courier" pitchFamily="2" charset="0"/>
-              </a:rPr>
-              <a:t>   |0 0 1 0|      Flow label                       | Block Number  |</a:t>
-            </a:r>
-          </a:p>
-          <a:p>
-            <a:r>
-              <a:rPr lang="en-CA" sz="900" dirty="0">
-                <a:latin typeface="Courier" pitchFamily="2" charset="0"/>
-              </a:rPr>
-              <a:t>   +-+-+-+-+-+-+-+-+-+-+-+-+-+-+-+-+-+-+-+-+-+-+-+-+-+-+-+-+-+-+-+-+&lt;-+ </a:t>
-            </a:r>
-          </a:p>
-          <a:p>
-            <a:r>
-              <a:rPr lang="en-CA" sz="900" dirty="0">
-                <a:latin typeface="Courier" pitchFamily="2" charset="0"/>
-              </a:rPr>
-              <a:t>   |  IOAM-Type    | IOAM HDR LEN  |    RESERVED                   |  |</a:t>
-            </a:r>
-          </a:p>
-          <a:p>
-            <a:r>
-              <a:rPr lang="en-CA" sz="900" dirty="0">
-                <a:latin typeface="Courier" pitchFamily="2" charset="0"/>
-              </a:rPr>
-              <a:t>   +-+-+-+-+-+-+-+-+-+-+-+-+-+-+-+-+-+-+-+-+-+-+-+-+-+-+-+-+-+-+-+-+  I</a:t>
-            </a:r>
-          </a:p>
-          <a:p>
-            <a:r>
-              <a:rPr lang="en-CA" sz="900" dirty="0">
-                <a:latin typeface="Courier" pitchFamily="2" charset="0"/>
-              </a:rPr>
-              <a:t>   |                                                               |  O</a:t>
-            </a:r>
-          </a:p>
-          <a:p>
-            <a:r>
-              <a:rPr lang="en-CA" sz="900" dirty="0">
-                <a:latin typeface="Courier" pitchFamily="2" charset="0"/>
-              </a:rPr>
-              <a:t>   |                                                               |  A</a:t>
-            </a:r>
-          </a:p>
-          <a:p>
-            <a:r>
-              <a:rPr lang="en-CA" sz="900" dirty="0">
-                <a:latin typeface="Courier" pitchFamily="2" charset="0"/>
-              </a:rPr>
-              <a:t>   ~                 IOAM Option and Data Space                    ~  M</a:t>
-            </a:r>
-          </a:p>
-          <a:p>
-            <a:r>
-              <a:rPr lang="en-CA" sz="900" dirty="0">
-                <a:latin typeface="Courier" pitchFamily="2" charset="0"/>
-              </a:rPr>
-              <a:t>   |                                                               |  |</a:t>
-            </a:r>
-          </a:p>
-          <a:p>
-            <a:r>
-              <a:rPr lang="en-CA" sz="900" dirty="0">
-                <a:latin typeface="Courier" pitchFamily="2" charset="0"/>
-              </a:rPr>
-              <a:t>   |                                                               |  |</a:t>
-            </a:r>
-          </a:p>
-          <a:p>
-            <a:r>
-              <a:rPr lang="en-CA" sz="900" dirty="0">
-                <a:latin typeface="Courier" pitchFamily="2" charset="0"/>
-              </a:rPr>
-              <a:t>   +-+-+-+-+-+-+-+-+-+-+-+-+-+-+-+-+-+-+-+-+-+-+-+-+-+-+-+-+-+-+-+-+&lt;-+</a:t>
-            </a:r>
-          </a:p>
-          <a:p>
-            <a:r>
-              <a:rPr lang="en-CA" sz="900" dirty="0">
-                <a:latin typeface="Courier" pitchFamily="2" charset="0"/>
-              </a:rPr>
-              <a:t>   |                                                               |</a:t>
-            </a:r>
-          </a:p>
-          <a:p>
-            <a:r>
-              <a:rPr lang="en-CA" sz="900" dirty="0">
-                <a:latin typeface="Courier" pitchFamily="2" charset="0"/>
-              </a:rPr>
-              <a:t>   ~                 Payload + Padding                             ~</a:t>
-            </a:r>
-          </a:p>
-          <a:p>
-            <a:r>
-              <a:rPr lang="en-CA" sz="900" dirty="0">
-                <a:latin typeface="Courier" pitchFamily="2" charset="0"/>
-              </a:rPr>
-              <a:t>   |                                                               |</a:t>
-            </a:r>
-          </a:p>
-          <a:p>
-            <a:r>
-              <a:rPr lang="en-CA" sz="900" dirty="0">
-                <a:latin typeface="Courier" pitchFamily="2" charset="0"/>
-              </a:rPr>
-              <a:t>   +-+-+-+-+-+-+-+-+-+-+-+-+-+-+-+-+-+-+-+-+-+-+-+-+-+-+-+-+-+-+-+-+</a:t>
-            </a:r>
-          </a:p>
-          <a:p>
-            <a:r>
-              <a:rPr lang="en-CA" sz="900" dirty="0">
-                <a:latin typeface="Courier" pitchFamily="2" charset="0"/>
-              </a:rPr>
-              <a:t> </a:t>
-            </a:r>
-          </a:p>
-          <a:p>
-            <a:r>
-              <a:rPr lang="en-CA" sz="900" dirty="0">
-                <a:latin typeface="Courier" pitchFamily="2" charset="0"/>
-              </a:rPr>
-              <a:t> Figure: IOAM Encapsulation with Flow Label Example with SR-MPLS Header</a:t>
-            </a:r>
-            <a:endParaRPr lang="en-CA" sz="900" dirty="0">
-              <a:latin typeface="Courier" pitchFamily="2" charset="0"/>
-              <a:ea typeface="Calibri" panose="020F0502020204030204" pitchFamily="34" charset="0"/>
-              <a:cs typeface="Times New Roman" panose="02020603050405020304" pitchFamily="18" charset="0"/>
-            </a:endParaRPr>
-          </a:p>
-        </p:txBody>
-      </p:sp>
-    </p:spTree>
-    <p:extLst>
-      <p:ext uri="{BB962C8B-B14F-4D97-AF65-F5344CB8AC3E}">
-        <p14:creationId xmlns:p14="http://schemas.microsoft.com/office/powerpoint/2010/main" val="4269013418"/>
-      </p:ext>
-    </p:extLst>
-  </p:cSld>
-  <p:clrMapOvr>
-    <a:masterClrMapping/>
-  </p:clrMapOvr>
-</p:sld>
-</file>
-
-<file path=ppt/slides/slide16.xml><?xml version="1.0" encoding="utf-8"?>
-<p:sld xmlns:a="http://schemas.openxmlformats.org/drawingml/2006/main" xmlns:r="http://schemas.openxmlformats.org/officeDocument/2006/relationships" xmlns:p="http://schemas.openxmlformats.org/presentationml/2006/main">
-  <p:cSld>
-    <p:spTree>
-      <p:nvGrpSpPr>
-        <p:cNvPr id="1" name=""/>
-        <p:cNvGrpSpPr/>
-        <p:nvPr/>
-      </p:nvGrpSpPr>
-      <p:grpSpPr>
-        <a:xfrm>
-          <a:off x="0" y="0"/>
-          <a:ext cx="0" cy="0"/>
-          <a:chOff x="0" y="0"/>
-          <a:chExt cx="0" cy="0"/>
-        </a:xfrm>
-      </p:grpSpPr>
-      <p:sp>
-        <p:nvSpPr>
-          <p:cNvPr id="2" name="Title 1"/>
-          <p:cNvSpPr>
-            <a:spLocks noGrp="1"/>
-          </p:cNvSpPr>
-          <p:nvPr>
-            <p:ph type="title"/>
-          </p:nvPr>
-        </p:nvSpPr>
-        <p:spPr>
-          <a:xfrm>
             <a:off x="457200" y="38100"/>
             <a:ext cx="8229600" cy="857250"/>
           </a:xfrm>
@@ -7537,7 +6901,7 @@
               <a:pPr>
                 <a:defRPr/>
               </a:pPr>
-              <a:t>16</a:t>
+              <a:t>12</a:t>
             </a:fld>
             <a:endParaRPr lang="en-US" altLang="zh-CN"/>
           </a:p>
@@ -7556,7 +6920,7 @@
 </p:sld>
 </file>
 
-<file path=ppt/slides/slide17.xml><?xml version="1.0" encoding="utf-8"?>
+<file path=ppt/slides/slide13.xml><?xml version="1.0" encoding="utf-8"?>
 <p:sld xmlns:a="http://schemas.openxmlformats.org/drawingml/2006/main" xmlns:r="http://schemas.openxmlformats.org/officeDocument/2006/relationships" xmlns:p="http://schemas.openxmlformats.org/presentationml/2006/main">
   <p:cSld>
     <p:spTree>
@@ -7820,7 +7184,7 @@
               <a:pPr>
                 <a:defRPr/>
               </a:pPr>
-              <a:t>17</a:t>
+              <a:t>13</a:t>
             </a:fld>
             <a:endParaRPr lang="en-US" altLang="zh-CN"/>
           </a:p>
@@ -7830,6 +7194,1505 @@
     <p:extLst>
       <p:ext uri="{BB962C8B-B14F-4D97-AF65-F5344CB8AC3E}">
         <p14:creationId xmlns:p14="http://schemas.microsoft.com/office/powerpoint/2010/main" val="15840811"/>
+      </p:ext>
+    </p:extLst>
+  </p:cSld>
+  <p:clrMapOvr>
+    <a:masterClrMapping/>
+  </p:clrMapOvr>
+</p:sld>
+</file>
+
+<file path=ppt/slides/slide14.xml><?xml version="1.0" encoding="utf-8"?>
+<p:sld xmlns:a="http://schemas.openxmlformats.org/drawingml/2006/main" xmlns:r="http://schemas.openxmlformats.org/officeDocument/2006/relationships" xmlns:p="http://schemas.openxmlformats.org/presentationml/2006/main">
+  <p:cSld>
+    <p:spTree>
+      <p:nvGrpSpPr>
+        <p:cNvPr id="1" name=""/>
+        <p:cNvGrpSpPr/>
+        <p:nvPr/>
+      </p:nvGrpSpPr>
+      <p:grpSpPr>
+        <a:xfrm>
+          <a:off x="0" y="0"/>
+          <a:ext cx="0" cy="0"/>
+          <a:chOff x="0" y="0"/>
+          <a:chExt cx="0" cy="0"/>
+        </a:xfrm>
+      </p:grpSpPr>
+      <p:sp>
+        <p:nvSpPr>
+          <p:cNvPr id="4" name="Footer Placeholder 3"/>
+          <p:cNvSpPr>
+            <a:spLocks noGrp="1"/>
+          </p:cNvSpPr>
+          <p:nvPr>
+            <p:ph type="ftr" sz="quarter" idx="11"/>
+          </p:nvPr>
+        </p:nvSpPr>
+        <p:spPr>
+          <a:xfrm>
+            <a:off x="3124200" y="4787315"/>
+            <a:ext cx="2895600" cy="357188"/>
+          </a:xfrm>
+        </p:spPr>
+        <p:txBody>
+          <a:bodyPr/>
+          <a:lstStyle/>
+          <a:p>
+            <a:r>
+              <a:rPr lang="en-CA" dirty="0"/>
+              <a:t>109</a:t>
+            </a:r>
+            <a:r>
+              <a:rPr lang="en-CA" baseline="30000" dirty="0"/>
+              <a:t>th</a:t>
+            </a:r>
+            <a:r>
+              <a:rPr lang="en-CA" dirty="0"/>
+              <a:t> IETF Online</a:t>
+            </a:r>
+          </a:p>
+        </p:txBody>
+      </p:sp>
+      <p:sp>
+        <p:nvSpPr>
+          <p:cNvPr id="5" name="Rectangle 2"/>
+          <p:cNvSpPr txBox="1">
+            <a:spLocks noChangeArrowheads="1"/>
+          </p:cNvSpPr>
+          <p:nvPr/>
+        </p:nvSpPr>
+        <p:spPr bwMode="auto">
+          <a:xfrm>
+            <a:off x="685800" y="1657350"/>
+            <a:ext cx="7772400" cy="1102519"/>
+          </a:xfrm>
+          <a:prstGeom prst="rect">
+            <a:avLst/>
+          </a:prstGeom>
+          <a:noFill/>
+          <a:ln w="9525">
+            <a:noFill/>
+            <a:miter lim="800000"/>
+            <a:headEnd/>
+            <a:tailEnd/>
+          </a:ln>
+          <a:effectLst/>
+        </p:spPr>
+        <p:txBody>
+          <a:bodyPr vert="horz" wrap="square" lIns="91440" tIns="45720" rIns="91440" bIns="45720" numCol="1" anchor="ctr" anchorCtr="0" compatLnSpc="1">
+            <a:prstTxWarp prst="textNoShape">
+              <a:avLst/>
+            </a:prstTxWarp>
+          </a:bodyPr>
+          <a:lstStyle>
+            <a:lvl1pPr algn="ctr" rtl="0" eaLnBrk="0" fontAlgn="base" hangingPunct="0">
+              <a:spcBef>
+                <a:spcPct val="0"/>
+              </a:spcBef>
+              <a:spcAft>
+                <a:spcPct val="0"/>
+              </a:spcAft>
+              <a:defRPr sz="4400">
+                <a:solidFill>
+                  <a:schemeClr val="tx2"/>
+                </a:solidFill>
+                <a:latin typeface="+mj-lt"/>
+                <a:ea typeface="+mj-ea"/>
+                <a:cs typeface="+mj-cs"/>
+              </a:defRPr>
+            </a:lvl1pPr>
+            <a:lvl2pPr algn="ctr" rtl="0" eaLnBrk="0" fontAlgn="base" hangingPunct="0">
+              <a:spcBef>
+                <a:spcPct val="0"/>
+              </a:spcBef>
+              <a:spcAft>
+                <a:spcPct val="0"/>
+              </a:spcAft>
+              <a:defRPr sz="4400">
+                <a:solidFill>
+                  <a:schemeClr val="tx2"/>
+                </a:solidFill>
+                <a:latin typeface="Arial" charset="0"/>
+                <a:ea typeface="宋体" pitchFamily="2" charset="-122"/>
+              </a:defRPr>
+            </a:lvl2pPr>
+            <a:lvl3pPr algn="ctr" rtl="0" eaLnBrk="0" fontAlgn="base" hangingPunct="0">
+              <a:spcBef>
+                <a:spcPct val="0"/>
+              </a:spcBef>
+              <a:spcAft>
+                <a:spcPct val="0"/>
+              </a:spcAft>
+              <a:defRPr sz="4400">
+                <a:solidFill>
+                  <a:schemeClr val="tx2"/>
+                </a:solidFill>
+                <a:latin typeface="Arial" charset="0"/>
+                <a:ea typeface="宋体" pitchFamily="2" charset="-122"/>
+              </a:defRPr>
+            </a:lvl3pPr>
+            <a:lvl4pPr algn="ctr" rtl="0" eaLnBrk="0" fontAlgn="base" hangingPunct="0">
+              <a:spcBef>
+                <a:spcPct val="0"/>
+              </a:spcBef>
+              <a:spcAft>
+                <a:spcPct val="0"/>
+              </a:spcAft>
+              <a:defRPr sz="4400">
+                <a:solidFill>
+                  <a:schemeClr val="tx2"/>
+                </a:solidFill>
+                <a:latin typeface="Arial" charset="0"/>
+                <a:ea typeface="宋体" pitchFamily="2" charset="-122"/>
+              </a:defRPr>
+            </a:lvl4pPr>
+            <a:lvl5pPr algn="ctr" rtl="0" eaLnBrk="0" fontAlgn="base" hangingPunct="0">
+              <a:spcBef>
+                <a:spcPct val="0"/>
+              </a:spcBef>
+              <a:spcAft>
+                <a:spcPct val="0"/>
+              </a:spcAft>
+              <a:defRPr sz="4400">
+                <a:solidFill>
+                  <a:schemeClr val="tx2"/>
+                </a:solidFill>
+                <a:latin typeface="Arial" charset="0"/>
+                <a:ea typeface="宋体" pitchFamily="2" charset="-122"/>
+              </a:defRPr>
+            </a:lvl5pPr>
+            <a:lvl6pPr marL="457200" algn="ctr" rtl="0" fontAlgn="base">
+              <a:spcBef>
+                <a:spcPct val="0"/>
+              </a:spcBef>
+              <a:spcAft>
+                <a:spcPct val="0"/>
+              </a:spcAft>
+              <a:defRPr sz="4400">
+                <a:solidFill>
+                  <a:schemeClr val="tx2"/>
+                </a:solidFill>
+                <a:latin typeface="Arial" charset="0"/>
+                <a:ea typeface="宋体" pitchFamily="2" charset="-122"/>
+              </a:defRPr>
+            </a:lvl6pPr>
+            <a:lvl7pPr marL="914400" algn="ctr" rtl="0" fontAlgn="base">
+              <a:spcBef>
+                <a:spcPct val="0"/>
+              </a:spcBef>
+              <a:spcAft>
+                <a:spcPct val="0"/>
+              </a:spcAft>
+              <a:defRPr sz="4400">
+                <a:solidFill>
+                  <a:schemeClr val="tx2"/>
+                </a:solidFill>
+                <a:latin typeface="Arial" charset="0"/>
+                <a:ea typeface="宋体" pitchFamily="2" charset="-122"/>
+              </a:defRPr>
+            </a:lvl7pPr>
+            <a:lvl8pPr marL="1371600" algn="ctr" rtl="0" fontAlgn="base">
+              <a:spcBef>
+                <a:spcPct val="0"/>
+              </a:spcBef>
+              <a:spcAft>
+                <a:spcPct val="0"/>
+              </a:spcAft>
+              <a:defRPr sz="4400">
+                <a:solidFill>
+                  <a:schemeClr val="tx2"/>
+                </a:solidFill>
+                <a:latin typeface="Arial" charset="0"/>
+                <a:ea typeface="宋体" pitchFamily="2" charset="-122"/>
+              </a:defRPr>
+            </a:lvl8pPr>
+            <a:lvl9pPr marL="1828800" algn="ctr" rtl="0" fontAlgn="base">
+              <a:spcBef>
+                <a:spcPct val="0"/>
+              </a:spcBef>
+              <a:spcAft>
+                <a:spcPct val="0"/>
+              </a:spcAft>
+              <a:defRPr sz="4400">
+                <a:solidFill>
+                  <a:schemeClr val="tx2"/>
+                </a:solidFill>
+                <a:latin typeface="Arial" charset="0"/>
+                <a:ea typeface="宋体" pitchFamily="2" charset="-122"/>
+              </a:defRPr>
+            </a:lvl9pPr>
+          </a:lstStyle>
+          <a:p>
+            <a:pPr eaLnBrk="1" hangingPunct="1">
+              <a:defRPr/>
+            </a:pPr>
+            <a:r>
+              <a:rPr lang="en-US" altLang="zh-CN" sz="4000" kern="0" dirty="0">
+                <a:effectLst>
+                  <a:outerShdw blurRad="38100" dist="38100" dir="2700000" algn="tl">
+                    <a:srgbClr val="C0C0C0"/>
+                  </a:outerShdw>
+                </a:effectLst>
+                <a:latin typeface="Calibri" charset="0"/>
+                <a:ea typeface="Calibri" charset="0"/>
+                <a:cs typeface="Calibri" charset="0"/>
+              </a:rPr>
+              <a:t>Backup</a:t>
+            </a:r>
+          </a:p>
+        </p:txBody>
+      </p:sp>
+      <p:sp>
+        <p:nvSpPr>
+          <p:cNvPr id="2" name="Slide Number Placeholder 1"/>
+          <p:cNvSpPr>
+            <a:spLocks noGrp="1"/>
+          </p:cNvSpPr>
+          <p:nvPr>
+            <p:ph type="sldNum" sz="quarter" idx="12"/>
+          </p:nvPr>
+        </p:nvSpPr>
+        <p:spPr/>
+        <p:txBody>
+          <a:bodyPr/>
+          <a:lstStyle/>
+          <a:p>
+            <a:pPr>
+              <a:defRPr/>
+            </a:pPr>
+            <a:fld id="{BD6E0F59-1DD8-40FC-9C92-B6295CBA6CCA}" type="slidenum">
+              <a:rPr lang="en-US" altLang="zh-CN" smtClean="0"/>
+              <a:pPr>
+                <a:defRPr/>
+              </a:pPr>
+              <a:t>14</a:t>
+            </a:fld>
+            <a:endParaRPr lang="en-US" altLang="zh-CN"/>
+          </a:p>
+        </p:txBody>
+      </p:sp>
+    </p:spTree>
+    <p:extLst>
+      <p:ext uri="{BB962C8B-B14F-4D97-AF65-F5344CB8AC3E}">
+        <p14:creationId xmlns:p14="http://schemas.microsoft.com/office/powerpoint/2010/main" val="1208650897"/>
+      </p:ext>
+    </p:extLst>
+  </p:cSld>
+  <p:clrMapOvr>
+    <a:masterClrMapping/>
+  </p:clrMapOvr>
+</p:sld>
+</file>
+
+<file path=ppt/slides/slide15.xml><?xml version="1.0" encoding="utf-8"?>
+<p:sld xmlns:a="http://schemas.openxmlformats.org/drawingml/2006/main" xmlns:r="http://schemas.openxmlformats.org/officeDocument/2006/relationships" xmlns:p="http://schemas.openxmlformats.org/presentationml/2006/main">
+  <p:cSld>
+    <p:spTree>
+      <p:nvGrpSpPr>
+        <p:cNvPr id="1" name=""/>
+        <p:cNvGrpSpPr/>
+        <p:nvPr/>
+      </p:nvGrpSpPr>
+      <p:grpSpPr>
+        <a:xfrm>
+          <a:off x="0" y="0"/>
+          <a:ext cx="0" cy="0"/>
+          <a:chOff x="0" y="0"/>
+          <a:chExt cx="0" cy="0"/>
+        </a:xfrm>
+      </p:grpSpPr>
+      <p:sp>
+        <p:nvSpPr>
+          <p:cNvPr id="2" name="Title 1"/>
+          <p:cNvSpPr>
+            <a:spLocks noGrp="1"/>
+          </p:cNvSpPr>
+          <p:nvPr>
+            <p:ph type="title"/>
+          </p:nvPr>
+        </p:nvSpPr>
+        <p:spPr>
+          <a:xfrm>
+            <a:off x="457200" y="0"/>
+            <a:ext cx="8229600" cy="857250"/>
+          </a:xfrm>
+        </p:spPr>
+        <p:txBody>
+          <a:bodyPr/>
+          <a:lstStyle/>
+          <a:p>
+            <a:r>
+              <a:rPr lang="en-US" sz="3600" dirty="0">
+                <a:solidFill>
+                  <a:srgbClr val="0070C0"/>
+                </a:solidFill>
+                <a:latin typeface="Calibri Light" panose="020F0302020204030204" pitchFamily="34" charset="0"/>
+                <a:cs typeface="Calibri Light" panose="020F0302020204030204" pitchFamily="34" charset="0"/>
+              </a:rPr>
+              <a:t>IOAM Indicator Label</a:t>
+            </a:r>
+          </a:p>
+        </p:txBody>
+      </p:sp>
+      <p:sp>
+        <p:nvSpPr>
+          <p:cNvPr id="3" name="Content Placeholder 2"/>
+          <p:cNvSpPr>
+            <a:spLocks noGrp="1"/>
+          </p:cNvSpPr>
+          <p:nvPr>
+            <p:ph idx="1"/>
+          </p:nvPr>
+        </p:nvSpPr>
+        <p:spPr>
+          <a:xfrm>
+            <a:off x="457200" y="914400"/>
+            <a:ext cx="8229600" cy="3314700"/>
+          </a:xfrm>
+        </p:spPr>
+        <p:txBody>
+          <a:bodyPr/>
+          <a:lstStyle/>
+          <a:p>
+            <a:pPr>
+              <a:lnSpc>
+                <a:spcPts val="2320"/>
+              </a:lnSpc>
+              <a:spcBef>
+                <a:spcPts val="600"/>
+              </a:spcBef>
+            </a:pPr>
+            <a:r>
+              <a:rPr lang="en-CA" sz="2000" dirty="0"/>
+              <a:t>“IOAM Indicator Label” is used to indicate the presence of the IOAM data fields in the MPLS header.  </a:t>
+            </a:r>
+          </a:p>
+          <a:p>
+            <a:pPr>
+              <a:lnSpc>
+                <a:spcPts val="2320"/>
+              </a:lnSpc>
+              <a:spcBef>
+                <a:spcPts val="600"/>
+              </a:spcBef>
+            </a:pPr>
+            <a:r>
+              <a:rPr lang="en-CA" sz="2000" dirty="0"/>
+              <a:t>Separate Label values are used for edge-to-edge and hop-by-hop IOAM:</a:t>
+            </a:r>
+          </a:p>
+          <a:p>
+            <a:pPr lvl="1">
+              <a:lnSpc>
+                <a:spcPts val="2320"/>
+              </a:lnSpc>
+              <a:spcBef>
+                <a:spcPts val="600"/>
+              </a:spcBef>
+            </a:pPr>
+            <a:r>
+              <a:rPr lang="en-CA" sz="2000" dirty="0"/>
+              <a:t>Edge-to-edge TBA1 </a:t>
+            </a:r>
+          </a:p>
+          <a:p>
+            <a:pPr lvl="1">
+              <a:lnSpc>
+                <a:spcPts val="2320"/>
+              </a:lnSpc>
+              <a:spcBef>
+                <a:spcPts val="600"/>
+              </a:spcBef>
+            </a:pPr>
+            <a:r>
+              <a:rPr lang="en-CA" sz="2000" dirty="0"/>
+              <a:t>Hop-by-hop TBA3</a:t>
+            </a:r>
+          </a:p>
+          <a:p>
+            <a:pPr marL="0" indent="0">
+              <a:lnSpc>
+                <a:spcPts val="2320"/>
+              </a:lnSpc>
+              <a:buNone/>
+            </a:pPr>
+            <a:endParaRPr lang="en-CA" sz="2000" dirty="0"/>
+          </a:p>
+        </p:txBody>
+      </p:sp>
+      <p:sp>
+        <p:nvSpPr>
+          <p:cNvPr id="4" name="Footer Placeholder 3"/>
+          <p:cNvSpPr>
+            <a:spLocks noGrp="1"/>
+          </p:cNvSpPr>
+          <p:nvPr>
+            <p:ph type="ftr" sz="quarter" idx="11"/>
+          </p:nvPr>
+        </p:nvSpPr>
+        <p:spPr>
+          <a:xfrm>
+            <a:off x="3124200" y="4786312"/>
+            <a:ext cx="2895600" cy="357188"/>
+          </a:xfrm>
+        </p:spPr>
+        <p:txBody>
+          <a:bodyPr/>
+          <a:lstStyle/>
+          <a:p>
+            <a:r>
+              <a:rPr lang="en-CA" dirty="0"/>
+              <a:t>109</a:t>
+            </a:r>
+            <a:r>
+              <a:rPr lang="en-CA" baseline="30000" dirty="0"/>
+              <a:t>th</a:t>
+            </a:r>
+            <a:r>
+              <a:rPr lang="en-CA" dirty="0"/>
+              <a:t> IETF Online</a:t>
+            </a:r>
+          </a:p>
+        </p:txBody>
+      </p:sp>
+      <p:sp>
+        <p:nvSpPr>
+          <p:cNvPr id="5" name="Slide Number Placeholder 4"/>
+          <p:cNvSpPr>
+            <a:spLocks noGrp="1"/>
+          </p:cNvSpPr>
+          <p:nvPr>
+            <p:ph type="sldNum" sz="quarter" idx="12"/>
+          </p:nvPr>
+        </p:nvSpPr>
+        <p:spPr/>
+        <p:txBody>
+          <a:bodyPr/>
+          <a:lstStyle/>
+          <a:p>
+            <a:pPr>
+              <a:defRPr/>
+            </a:pPr>
+            <a:fld id="{BD6E0F59-1DD8-40FC-9C92-B6295CBA6CCA}" type="slidenum">
+              <a:rPr lang="en-US" altLang="zh-CN" smtClean="0"/>
+              <a:pPr>
+                <a:defRPr/>
+              </a:pPr>
+              <a:t>15</a:t>
+            </a:fld>
+            <a:endParaRPr lang="en-US" altLang="zh-CN"/>
+          </a:p>
+        </p:txBody>
+      </p:sp>
+    </p:spTree>
+    <p:extLst>
+      <p:ext uri="{BB962C8B-B14F-4D97-AF65-F5344CB8AC3E}">
+        <p14:creationId xmlns:p14="http://schemas.microsoft.com/office/powerpoint/2010/main" val="3693638473"/>
+      </p:ext>
+    </p:extLst>
+  </p:cSld>
+  <p:clrMapOvr>
+    <a:masterClrMapping/>
+  </p:clrMapOvr>
+</p:sld>
+</file>
+
+<file path=ppt/slides/slide16.xml><?xml version="1.0" encoding="utf-8"?>
+<p:sld xmlns:a="http://schemas.openxmlformats.org/drawingml/2006/main" xmlns:r="http://schemas.openxmlformats.org/officeDocument/2006/relationships" xmlns:p="http://schemas.openxmlformats.org/presentationml/2006/main">
+  <p:cSld>
+    <p:spTree>
+      <p:nvGrpSpPr>
+        <p:cNvPr id="1" name=""/>
+        <p:cNvGrpSpPr/>
+        <p:nvPr/>
+      </p:nvGrpSpPr>
+      <p:grpSpPr>
+        <a:xfrm>
+          <a:off x="0" y="0"/>
+          <a:ext cx="0" cy="0"/>
+          <a:chOff x="0" y="0"/>
+          <a:chExt cx="0" cy="0"/>
+        </a:xfrm>
+      </p:grpSpPr>
+      <p:sp>
+        <p:nvSpPr>
+          <p:cNvPr id="2" name="Title 1"/>
+          <p:cNvSpPr>
+            <a:spLocks noGrp="1"/>
+          </p:cNvSpPr>
+          <p:nvPr>
+            <p:ph type="title"/>
+          </p:nvPr>
+        </p:nvSpPr>
+        <p:spPr>
+          <a:xfrm>
+            <a:off x="457200" y="0"/>
+            <a:ext cx="8229600" cy="857250"/>
+          </a:xfrm>
+        </p:spPr>
+        <p:txBody>
+          <a:bodyPr/>
+          <a:lstStyle/>
+          <a:p>
+            <a:r>
+              <a:rPr lang="en-US" sz="3600" dirty="0">
+                <a:solidFill>
+                  <a:srgbClr val="0070C0"/>
+                </a:solidFill>
+                <a:latin typeface="Calibri Light" panose="020F0302020204030204" pitchFamily="34" charset="0"/>
+                <a:cs typeface="Calibri Light" panose="020F0302020204030204" pitchFamily="34" charset="0"/>
+              </a:rPr>
+              <a:t>IOAM and Flow Indicator Label</a:t>
+            </a:r>
+          </a:p>
+        </p:txBody>
+      </p:sp>
+      <p:sp>
+        <p:nvSpPr>
+          <p:cNvPr id="3" name="Content Placeholder 2"/>
+          <p:cNvSpPr>
+            <a:spLocks noGrp="1"/>
+          </p:cNvSpPr>
+          <p:nvPr>
+            <p:ph idx="1"/>
+          </p:nvPr>
+        </p:nvSpPr>
+        <p:spPr>
+          <a:xfrm>
+            <a:off x="381000" y="819149"/>
+            <a:ext cx="8229600" cy="3864769"/>
+          </a:xfrm>
+        </p:spPr>
+        <p:txBody>
+          <a:bodyPr/>
+          <a:lstStyle/>
+          <a:p>
+            <a:pPr>
+              <a:lnSpc>
+                <a:spcPts val="2120"/>
+              </a:lnSpc>
+              <a:spcBef>
+                <a:spcPts val="600"/>
+              </a:spcBef>
+            </a:pPr>
+            <a:r>
+              <a:rPr lang="en-CA" sz="1400" dirty="0"/>
+              <a:t>“IOAM and Flow Indicator Label” is used to indicate the presence of the IOAM data fields with Flow Label in the MPLS header.  </a:t>
+            </a:r>
+          </a:p>
+          <a:p>
+            <a:pPr>
+              <a:lnSpc>
+                <a:spcPts val="2120"/>
+              </a:lnSpc>
+              <a:spcBef>
+                <a:spcPts val="600"/>
+              </a:spcBef>
+            </a:pPr>
+            <a:r>
+              <a:rPr lang="en-CA" sz="1400" dirty="0"/>
+              <a:t>Separate Label values are used for edge-to-edge and hop-by-hop IOAM:</a:t>
+            </a:r>
+          </a:p>
+          <a:p>
+            <a:pPr lvl="1">
+              <a:lnSpc>
+                <a:spcPts val="2120"/>
+              </a:lnSpc>
+              <a:spcBef>
+                <a:spcPts val="600"/>
+              </a:spcBef>
+            </a:pPr>
+            <a:r>
+              <a:rPr lang="en-CA" sz="1400" dirty="0"/>
+              <a:t>Edge-to-edge TBA2</a:t>
+            </a:r>
+          </a:p>
+          <a:p>
+            <a:pPr lvl="1">
+              <a:lnSpc>
+                <a:spcPts val="2120"/>
+              </a:lnSpc>
+              <a:spcBef>
+                <a:spcPts val="600"/>
+              </a:spcBef>
+            </a:pPr>
+            <a:r>
+              <a:rPr lang="en-CA" sz="1400" dirty="0"/>
+              <a:t>Hop-by-hop TBA4</a:t>
+            </a:r>
+          </a:p>
+          <a:p>
+            <a:pPr>
+              <a:lnSpc>
+                <a:spcPts val="2120"/>
+              </a:lnSpc>
+              <a:spcBef>
+                <a:spcPts val="600"/>
+              </a:spcBef>
+            </a:pPr>
+            <a:r>
+              <a:rPr lang="en-CA" sz="1400" b="1" dirty="0"/>
+              <a:t>Protocol</a:t>
+            </a:r>
+            <a:r>
+              <a:rPr lang="en-CA" sz="1400" dirty="0"/>
+              <a:t> value 0010b allows to avoid incorrect IP header based hashing over ECMP paths</a:t>
+            </a:r>
+          </a:p>
+          <a:p>
+            <a:pPr lvl="1">
+              <a:lnSpc>
+                <a:spcPts val="2120"/>
+              </a:lnSpc>
+              <a:spcBef>
+                <a:spcPts val="600"/>
+              </a:spcBef>
+            </a:pPr>
+            <a:r>
+              <a:rPr lang="en-CA" sz="1400" dirty="0"/>
+              <a:t>Using RFC 4928 defined procedure. This is similar to RFC 4385 for Generic PW MPLS Control Word.</a:t>
+            </a:r>
+          </a:p>
+          <a:p>
+            <a:pPr>
+              <a:lnSpc>
+                <a:spcPts val="2120"/>
+              </a:lnSpc>
+              <a:spcBef>
+                <a:spcPts val="600"/>
+              </a:spcBef>
+            </a:pPr>
+            <a:r>
+              <a:rPr lang="en-CA" sz="1400" b="1" dirty="0"/>
+              <a:t>Flow Label</a:t>
+            </a:r>
+            <a:r>
+              <a:rPr lang="en-CA" sz="1400" dirty="0"/>
+              <a:t> identifies the traffic flow that can be used for IOAM purpose.</a:t>
+            </a:r>
+          </a:p>
+          <a:p>
+            <a:pPr>
+              <a:lnSpc>
+                <a:spcPts val="2120"/>
+              </a:lnSpc>
+              <a:spcBef>
+                <a:spcPts val="600"/>
+              </a:spcBef>
+            </a:pPr>
+            <a:r>
+              <a:rPr lang="en-CA" sz="1400" b="1" dirty="0"/>
+              <a:t>Block Number </a:t>
+            </a:r>
+            <a:r>
+              <a:rPr lang="en-CA" sz="1400" dirty="0"/>
+              <a:t>can be used to </a:t>
+            </a:r>
+          </a:p>
+          <a:p>
+            <a:pPr lvl="1">
+              <a:lnSpc>
+                <a:spcPts val="2120"/>
+              </a:lnSpc>
+              <a:spcBef>
+                <a:spcPts val="600"/>
+              </a:spcBef>
+            </a:pPr>
+            <a:r>
+              <a:rPr lang="en-CA" sz="1400" b="1" dirty="0"/>
+              <a:t>Aggregate</a:t>
+            </a:r>
+            <a:r>
+              <a:rPr lang="en-CA" sz="1400" dirty="0"/>
+              <a:t> IOAM data collected in data plane, e.g. compute measurement metrics for each block of a flow</a:t>
+            </a:r>
+          </a:p>
+          <a:p>
+            <a:pPr lvl="1">
+              <a:lnSpc>
+                <a:spcPts val="2120"/>
+              </a:lnSpc>
+              <a:spcBef>
+                <a:spcPts val="600"/>
+              </a:spcBef>
+            </a:pPr>
+            <a:r>
+              <a:rPr lang="en-CA" sz="1400" b="1" dirty="0"/>
+              <a:t>Correlate</a:t>
+            </a:r>
+            <a:r>
+              <a:rPr lang="en-CA" sz="1400" dirty="0"/>
+              <a:t> IOAM data from different nodes</a:t>
+            </a:r>
+          </a:p>
+        </p:txBody>
+      </p:sp>
+      <p:sp>
+        <p:nvSpPr>
+          <p:cNvPr id="4" name="Footer Placeholder 3"/>
+          <p:cNvSpPr>
+            <a:spLocks noGrp="1"/>
+          </p:cNvSpPr>
+          <p:nvPr>
+            <p:ph type="ftr" sz="quarter" idx="11"/>
+          </p:nvPr>
+        </p:nvSpPr>
+        <p:spPr>
+          <a:xfrm>
+            <a:off x="3124200" y="4786312"/>
+            <a:ext cx="2895600" cy="357188"/>
+          </a:xfrm>
+        </p:spPr>
+        <p:txBody>
+          <a:bodyPr/>
+          <a:lstStyle/>
+          <a:p>
+            <a:r>
+              <a:rPr lang="en-CA" dirty="0"/>
+              <a:t>109</a:t>
+            </a:r>
+            <a:r>
+              <a:rPr lang="en-CA" baseline="30000" dirty="0"/>
+              <a:t>th</a:t>
+            </a:r>
+            <a:r>
+              <a:rPr lang="en-CA" dirty="0"/>
+              <a:t> IETF Online</a:t>
+            </a:r>
+          </a:p>
+        </p:txBody>
+      </p:sp>
+      <p:sp>
+        <p:nvSpPr>
+          <p:cNvPr id="5" name="Slide Number Placeholder 4"/>
+          <p:cNvSpPr>
+            <a:spLocks noGrp="1"/>
+          </p:cNvSpPr>
+          <p:nvPr>
+            <p:ph type="sldNum" sz="quarter" idx="12"/>
+          </p:nvPr>
+        </p:nvSpPr>
+        <p:spPr/>
+        <p:txBody>
+          <a:bodyPr/>
+          <a:lstStyle/>
+          <a:p>
+            <a:pPr>
+              <a:defRPr/>
+            </a:pPr>
+            <a:fld id="{BD6E0F59-1DD8-40FC-9C92-B6295CBA6CCA}" type="slidenum">
+              <a:rPr lang="en-US" altLang="zh-CN" smtClean="0"/>
+              <a:pPr>
+                <a:defRPr/>
+              </a:pPr>
+              <a:t>16</a:t>
+            </a:fld>
+            <a:endParaRPr lang="en-US" altLang="zh-CN"/>
+          </a:p>
+        </p:txBody>
+      </p:sp>
+    </p:spTree>
+    <p:extLst>
+      <p:ext uri="{BB962C8B-B14F-4D97-AF65-F5344CB8AC3E}">
+        <p14:creationId xmlns:p14="http://schemas.microsoft.com/office/powerpoint/2010/main" val="553541161"/>
+      </p:ext>
+    </p:extLst>
+  </p:cSld>
+  <p:clrMapOvr>
+    <a:masterClrMapping/>
+  </p:clrMapOvr>
+</p:sld>
+</file>
+
+<file path=ppt/slides/slide17.xml><?xml version="1.0" encoding="utf-8"?>
+<p:sld xmlns:a="http://schemas.openxmlformats.org/drawingml/2006/main" xmlns:r="http://schemas.openxmlformats.org/officeDocument/2006/relationships" xmlns:p="http://schemas.openxmlformats.org/presentationml/2006/main">
+  <p:cSld>
+    <p:spTree>
+      <p:nvGrpSpPr>
+        <p:cNvPr id="1" name=""/>
+        <p:cNvGrpSpPr/>
+        <p:nvPr/>
+      </p:nvGrpSpPr>
+      <p:grpSpPr>
+        <a:xfrm>
+          <a:off x="0" y="0"/>
+          <a:ext cx="0" cy="0"/>
+          <a:chOff x="0" y="0"/>
+          <a:chExt cx="0" cy="0"/>
+        </a:xfrm>
+      </p:grpSpPr>
+      <p:sp>
+        <p:nvSpPr>
+          <p:cNvPr id="2" name="Title 1"/>
+          <p:cNvSpPr>
+            <a:spLocks noGrp="1"/>
+          </p:cNvSpPr>
+          <p:nvPr>
+            <p:ph type="title"/>
+          </p:nvPr>
+        </p:nvSpPr>
+        <p:spPr>
+          <a:xfrm>
+            <a:off x="457200" y="-21771"/>
+            <a:ext cx="8229600" cy="857250"/>
+          </a:xfrm>
+        </p:spPr>
+        <p:txBody>
+          <a:bodyPr/>
+          <a:lstStyle/>
+          <a:p>
+            <a:r>
+              <a:rPr lang="en-US" sz="3600" dirty="0">
+                <a:solidFill>
+                  <a:srgbClr val="0070C0"/>
+                </a:solidFill>
+                <a:latin typeface="Calibri Light" panose="020F0302020204030204" pitchFamily="34" charset="0"/>
+                <a:cs typeface="Calibri Light" panose="020F0302020204030204" pitchFamily="34" charset="0"/>
+              </a:rPr>
+              <a:t>Edge-to-edge IOAM Procedure</a:t>
+            </a:r>
+          </a:p>
+        </p:txBody>
+      </p:sp>
+      <p:sp>
+        <p:nvSpPr>
+          <p:cNvPr id="3" name="Content Placeholder 2"/>
+          <p:cNvSpPr>
+            <a:spLocks noGrp="1"/>
+          </p:cNvSpPr>
+          <p:nvPr>
+            <p:ph idx="1"/>
+          </p:nvPr>
+        </p:nvSpPr>
+        <p:spPr>
+          <a:xfrm>
+            <a:off x="533399" y="857250"/>
+            <a:ext cx="7982607" cy="3543300"/>
+          </a:xfrm>
+        </p:spPr>
+        <p:txBody>
+          <a:bodyPr/>
+          <a:lstStyle/>
+          <a:p>
+            <a:pPr marL="457200" lvl="0" indent="-457200">
+              <a:lnSpc>
+                <a:spcPts val="2640"/>
+              </a:lnSpc>
+              <a:spcBef>
+                <a:spcPts val="600"/>
+              </a:spcBef>
+              <a:buFont typeface="+mj-lt"/>
+              <a:buAutoNum type="arabicPeriod"/>
+            </a:pPr>
+            <a:r>
+              <a:rPr lang="en-CA" sz="2000" dirty="0"/>
+              <a:t>The encapsulating node inserts an edge-to-edge Indicator Label and one or more IOAM data field(s) in the MPLS header.</a:t>
+            </a:r>
+          </a:p>
+          <a:p>
+            <a:pPr marL="457200" lvl="0" indent="-457200">
+              <a:lnSpc>
+                <a:spcPts val="2640"/>
+              </a:lnSpc>
+              <a:spcBef>
+                <a:spcPts val="600"/>
+              </a:spcBef>
+              <a:buFont typeface="+mj-lt"/>
+              <a:buAutoNum type="arabicPeriod"/>
+            </a:pPr>
+            <a:r>
+              <a:rPr lang="en-CA" sz="2000" dirty="0"/>
+              <a:t>The decapsulating node for edge-to-edge IOAM "forwards and punts the timestamped copy" of the data packet including IOAM data field(s). </a:t>
+            </a:r>
+          </a:p>
+          <a:p>
+            <a:pPr marL="857250" lvl="1" indent="-457200">
+              <a:lnSpc>
+                <a:spcPts val="2640"/>
+              </a:lnSpc>
+              <a:spcBef>
+                <a:spcPts val="600"/>
+              </a:spcBef>
+              <a:buFont typeface="Wingdings" pitchFamily="2" charset="2"/>
+              <a:buChar char="§"/>
+            </a:pPr>
+            <a:r>
+              <a:rPr lang="en-CA" sz="2000" dirty="0"/>
+              <a:t>The decapsulating node for edge-to-edge IOAM also pops the IOAM Indicator Label and the IOAM data field(s) from the MPLS header.</a:t>
+            </a:r>
+          </a:p>
+        </p:txBody>
+      </p:sp>
+      <p:sp>
+        <p:nvSpPr>
+          <p:cNvPr id="4" name="Footer Placeholder 3"/>
+          <p:cNvSpPr>
+            <a:spLocks noGrp="1"/>
+          </p:cNvSpPr>
+          <p:nvPr>
+            <p:ph type="ftr" sz="quarter" idx="11"/>
+          </p:nvPr>
+        </p:nvSpPr>
+        <p:spPr>
+          <a:xfrm>
+            <a:off x="3124200" y="4786312"/>
+            <a:ext cx="2895600" cy="357188"/>
+          </a:xfrm>
+        </p:spPr>
+        <p:txBody>
+          <a:bodyPr/>
+          <a:lstStyle/>
+          <a:p>
+            <a:r>
+              <a:rPr lang="en-CA" dirty="0"/>
+              <a:t>109</a:t>
+            </a:r>
+            <a:r>
+              <a:rPr lang="en-CA" baseline="30000" dirty="0"/>
+              <a:t>th</a:t>
+            </a:r>
+            <a:r>
+              <a:rPr lang="en-CA" dirty="0"/>
+              <a:t> IETF Online</a:t>
+            </a:r>
+          </a:p>
+        </p:txBody>
+      </p:sp>
+      <p:sp>
+        <p:nvSpPr>
+          <p:cNvPr id="5" name="Slide Number Placeholder 4"/>
+          <p:cNvSpPr>
+            <a:spLocks noGrp="1"/>
+          </p:cNvSpPr>
+          <p:nvPr>
+            <p:ph type="sldNum" sz="quarter" idx="12"/>
+          </p:nvPr>
+        </p:nvSpPr>
+        <p:spPr/>
+        <p:txBody>
+          <a:bodyPr/>
+          <a:lstStyle/>
+          <a:p>
+            <a:pPr>
+              <a:defRPr/>
+            </a:pPr>
+            <a:fld id="{BD6E0F59-1DD8-40FC-9C92-B6295CBA6CCA}" type="slidenum">
+              <a:rPr lang="en-US" altLang="zh-CN" smtClean="0"/>
+              <a:pPr>
+                <a:defRPr/>
+              </a:pPr>
+              <a:t>17</a:t>
+            </a:fld>
+            <a:endParaRPr lang="en-US" altLang="zh-CN"/>
+          </a:p>
+        </p:txBody>
+      </p:sp>
+    </p:spTree>
+    <p:extLst>
+      <p:ext uri="{BB962C8B-B14F-4D97-AF65-F5344CB8AC3E}">
+        <p14:creationId xmlns:p14="http://schemas.microsoft.com/office/powerpoint/2010/main" val="604023084"/>
+      </p:ext>
+    </p:extLst>
+  </p:cSld>
+  <p:clrMapOvr>
+    <a:masterClrMapping/>
+  </p:clrMapOvr>
+</p:sld>
+</file>
+
+<file path=ppt/slides/slide18.xml><?xml version="1.0" encoding="utf-8"?>
+<p:sld xmlns:a="http://schemas.openxmlformats.org/drawingml/2006/main" xmlns:r="http://schemas.openxmlformats.org/officeDocument/2006/relationships" xmlns:p="http://schemas.openxmlformats.org/presentationml/2006/main">
+  <p:cSld>
+    <p:spTree>
+      <p:nvGrpSpPr>
+        <p:cNvPr id="1" name=""/>
+        <p:cNvGrpSpPr/>
+        <p:nvPr/>
+      </p:nvGrpSpPr>
+      <p:grpSpPr>
+        <a:xfrm>
+          <a:off x="0" y="0"/>
+          <a:ext cx="0" cy="0"/>
+          <a:chOff x="0" y="0"/>
+          <a:chExt cx="0" cy="0"/>
+        </a:xfrm>
+      </p:grpSpPr>
+      <p:sp>
+        <p:nvSpPr>
+          <p:cNvPr id="2" name="Title 1"/>
+          <p:cNvSpPr>
+            <a:spLocks noGrp="1"/>
+          </p:cNvSpPr>
+          <p:nvPr>
+            <p:ph type="title"/>
+          </p:nvPr>
+        </p:nvSpPr>
+        <p:spPr>
+          <a:xfrm>
+            <a:off x="457200" y="-21771"/>
+            <a:ext cx="8229600" cy="857250"/>
+          </a:xfrm>
+        </p:spPr>
+        <p:txBody>
+          <a:bodyPr/>
+          <a:lstStyle/>
+          <a:p>
+            <a:r>
+              <a:rPr lang="en-US" sz="3600" dirty="0">
+                <a:solidFill>
+                  <a:srgbClr val="0070C0"/>
+                </a:solidFill>
+                <a:latin typeface="Calibri Light" panose="020F0302020204030204" pitchFamily="34" charset="0"/>
+                <a:cs typeface="Calibri Light" panose="020F0302020204030204" pitchFamily="34" charset="0"/>
+              </a:rPr>
+              <a:t>Hob-by-hop IOAM Procedure</a:t>
+            </a:r>
+          </a:p>
+        </p:txBody>
+      </p:sp>
+      <p:sp>
+        <p:nvSpPr>
+          <p:cNvPr id="3" name="Content Placeholder 2"/>
+          <p:cNvSpPr>
+            <a:spLocks noGrp="1"/>
+          </p:cNvSpPr>
+          <p:nvPr>
+            <p:ph idx="1"/>
+          </p:nvPr>
+        </p:nvSpPr>
+        <p:spPr>
+          <a:xfrm>
+            <a:off x="533399" y="857250"/>
+            <a:ext cx="7982607" cy="3543300"/>
+          </a:xfrm>
+        </p:spPr>
+        <p:txBody>
+          <a:bodyPr/>
+          <a:lstStyle/>
+          <a:p>
+            <a:pPr marL="457200" lvl="0" indent="-457200">
+              <a:lnSpc>
+                <a:spcPts val="2640"/>
+              </a:lnSpc>
+              <a:spcBef>
+                <a:spcPts val="600"/>
+              </a:spcBef>
+              <a:buFont typeface="+mj-lt"/>
+              <a:buAutoNum type="arabicPeriod"/>
+            </a:pPr>
+            <a:r>
+              <a:rPr lang="en-CA" sz="1800" dirty="0"/>
+              <a:t>The encapsulating node inserts a hop-by-hop Indicator Label and one or more IOAM data field(s) in the MPLS header.</a:t>
+            </a:r>
+          </a:p>
+          <a:p>
+            <a:pPr marL="457200" indent="-457200">
+              <a:lnSpc>
+                <a:spcPts val="2640"/>
+              </a:lnSpc>
+              <a:spcBef>
+                <a:spcPts val="600"/>
+              </a:spcBef>
+              <a:buFont typeface="+mj-lt"/>
+              <a:buAutoNum type="arabicPeriod"/>
+            </a:pPr>
+            <a:r>
+              <a:rPr lang="en-CA" sz="1800" dirty="0">
+                <a:solidFill>
+                  <a:srgbClr val="0070C0"/>
+                </a:solidFill>
+              </a:rPr>
+              <a:t>The transit node for hop-by-hop IOAM "forwards and punts the timestamped copy" of the data packet including IOAM data field(s). </a:t>
+            </a:r>
+          </a:p>
+          <a:p>
+            <a:pPr marL="457200" lvl="0" indent="-457200">
+              <a:lnSpc>
+                <a:spcPts val="2640"/>
+              </a:lnSpc>
+              <a:spcBef>
+                <a:spcPts val="600"/>
+              </a:spcBef>
+              <a:buFont typeface="+mj-lt"/>
+              <a:buAutoNum type="arabicPeriod"/>
+            </a:pPr>
+            <a:r>
+              <a:rPr lang="en-CA" sz="1800" dirty="0"/>
+              <a:t>The decapsulating node for hop-by-hop IOAM "forwards and punts the timestamped copy" of the data packet including IOAM data field(s). </a:t>
+            </a:r>
+          </a:p>
+          <a:p>
+            <a:pPr marL="857250" lvl="1" indent="-457200">
+              <a:lnSpc>
+                <a:spcPts val="2640"/>
+              </a:lnSpc>
+              <a:spcBef>
+                <a:spcPts val="600"/>
+              </a:spcBef>
+              <a:buFont typeface="Wingdings" pitchFamily="2" charset="2"/>
+              <a:buChar char="§"/>
+            </a:pPr>
+            <a:r>
+              <a:rPr lang="en-CA" sz="1800" dirty="0"/>
+              <a:t>The decapsulating node for hop-by-hop IOAM also pops the IOAM Indicator Label and the IOAM data field(s) from the MPLS header.</a:t>
+            </a:r>
+          </a:p>
+        </p:txBody>
+      </p:sp>
+      <p:sp>
+        <p:nvSpPr>
+          <p:cNvPr id="4" name="Footer Placeholder 3"/>
+          <p:cNvSpPr>
+            <a:spLocks noGrp="1"/>
+          </p:cNvSpPr>
+          <p:nvPr>
+            <p:ph type="ftr" sz="quarter" idx="11"/>
+          </p:nvPr>
+        </p:nvSpPr>
+        <p:spPr>
+          <a:xfrm>
+            <a:off x="3124200" y="4787315"/>
+            <a:ext cx="2895600" cy="357188"/>
+          </a:xfrm>
+        </p:spPr>
+        <p:txBody>
+          <a:bodyPr/>
+          <a:lstStyle/>
+          <a:p>
+            <a:r>
+              <a:rPr lang="en-CA" dirty="0"/>
+              <a:t>109</a:t>
+            </a:r>
+            <a:r>
+              <a:rPr lang="en-CA" baseline="30000" dirty="0"/>
+              <a:t>th</a:t>
+            </a:r>
+            <a:r>
+              <a:rPr lang="en-CA" dirty="0"/>
+              <a:t> IETF Online</a:t>
+            </a:r>
+          </a:p>
+        </p:txBody>
+      </p:sp>
+      <p:sp>
+        <p:nvSpPr>
+          <p:cNvPr id="5" name="Slide Number Placeholder 4"/>
+          <p:cNvSpPr>
+            <a:spLocks noGrp="1"/>
+          </p:cNvSpPr>
+          <p:nvPr>
+            <p:ph type="sldNum" sz="quarter" idx="12"/>
+          </p:nvPr>
+        </p:nvSpPr>
+        <p:spPr/>
+        <p:txBody>
+          <a:bodyPr/>
+          <a:lstStyle/>
+          <a:p>
+            <a:pPr>
+              <a:defRPr/>
+            </a:pPr>
+            <a:fld id="{BD6E0F59-1DD8-40FC-9C92-B6295CBA6CCA}" type="slidenum">
+              <a:rPr lang="en-US" altLang="zh-CN" smtClean="0"/>
+              <a:pPr>
+                <a:defRPr/>
+              </a:pPr>
+              <a:t>18</a:t>
+            </a:fld>
+            <a:endParaRPr lang="en-US" altLang="zh-CN"/>
+          </a:p>
+        </p:txBody>
+      </p:sp>
+    </p:spTree>
+    <p:extLst>
+      <p:ext uri="{BB962C8B-B14F-4D97-AF65-F5344CB8AC3E}">
+        <p14:creationId xmlns:p14="http://schemas.microsoft.com/office/powerpoint/2010/main" val="3762799719"/>
+      </p:ext>
+    </p:extLst>
+  </p:cSld>
+  <p:clrMapOvr>
+    <a:masterClrMapping/>
+  </p:clrMapOvr>
+</p:sld>
+</file>
+
+<file path=ppt/slides/slide19.xml><?xml version="1.0" encoding="utf-8"?>
+<p:sld xmlns:a="http://schemas.openxmlformats.org/drawingml/2006/main" xmlns:r="http://schemas.openxmlformats.org/officeDocument/2006/relationships" xmlns:p="http://schemas.openxmlformats.org/presentationml/2006/main">
+  <p:cSld>
+    <p:spTree>
+      <p:nvGrpSpPr>
+        <p:cNvPr id="1" name=""/>
+        <p:cNvGrpSpPr/>
+        <p:nvPr/>
+      </p:nvGrpSpPr>
+      <p:grpSpPr>
+        <a:xfrm>
+          <a:off x="0" y="0"/>
+          <a:ext cx="0" cy="0"/>
+          <a:chOff x="0" y="0"/>
+          <a:chExt cx="0" cy="0"/>
+        </a:xfrm>
+      </p:grpSpPr>
+      <p:sp>
+        <p:nvSpPr>
+          <p:cNvPr id="4" name="Footer Placeholder 3"/>
+          <p:cNvSpPr>
+            <a:spLocks noGrp="1"/>
+          </p:cNvSpPr>
+          <p:nvPr>
+            <p:ph type="ftr" sz="quarter" idx="11"/>
+          </p:nvPr>
+        </p:nvSpPr>
+        <p:spPr>
+          <a:xfrm>
+            <a:off x="3124200" y="4787315"/>
+            <a:ext cx="2895600" cy="357188"/>
+          </a:xfrm>
+        </p:spPr>
+        <p:txBody>
+          <a:bodyPr/>
+          <a:lstStyle/>
+          <a:p>
+            <a:r>
+              <a:rPr lang="en-CA" dirty="0"/>
+              <a:t>109</a:t>
+            </a:r>
+            <a:r>
+              <a:rPr lang="en-CA" baseline="30000" dirty="0"/>
+              <a:t>th</a:t>
+            </a:r>
+            <a:r>
+              <a:rPr lang="en-CA" dirty="0"/>
+              <a:t> IETF Online</a:t>
+            </a:r>
+          </a:p>
+        </p:txBody>
+      </p:sp>
+      <p:sp>
+        <p:nvSpPr>
+          <p:cNvPr id="5" name="Rectangle 2"/>
+          <p:cNvSpPr txBox="1">
+            <a:spLocks noChangeArrowheads="1"/>
+          </p:cNvSpPr>
+          <p:nvPr/>
+        </p:nvSpPr>
+        <p:spPr bwMode="auto">
+          <a:xfrm>
+            <a:off x="685800" y="1657350"/>
+            <a:ext cx="7772400" cy="1102519"/>
+          </a:xfrm>
+          <a:prstGeom prst="rect">
+            <a:avLst/>
+          </a:prstGeom>
+          <a:noFill/>
+          <a:ln w="9525">
+            <a:noFill/>
+            <a:miter lim="800000"/>
+            <a:headEnd/>
+            <a:tailEnd/>
+          </a:ln>
+          <a:effectLst/>
+        </p:spPr>
+        <p:txBody>
+          <a:bodyPr vert="horz" wrap="square" lIns="91440" tIns="45720" rIns="91440" bIns="45720" numCol="1" anchor="ctr" anchorCtr="0" compatLnSpc="1">
+            <a:prstTxWarp prst="textNoShape">
+              <a:avLst/>
+            </a:prstTxWarp>
+          </a:bodyPr>
+          <a:lstStyle>
+            <a:lvl1pPr algn="ctr" rtl="0" eaLnBrk="0" fontAlgn="base" hangingPunct="0">
+              <a:spcBef>
+                <a:spcPct val="0"/>
+              </a:spcBef>
+              <a:spcAft>
+                <a:spcPct val="0"/>
+              </a:spcAft>
+              <a:defRPr sz="4400">
+                <a:solidFill>
+                  <a:schemeClr val="tx2"/>
+                </a:solidFill>
+                <a:latin typeface="+mj-lt"/>
+                <a:ea typeface="+mj-ea"/>
+                <a:cs typeface="+mj-cs"/>
+              </a:defRPr>
+            </a:lvl1pPr>
+            <a:lvl2pPr algn="ctr" rtl="0" eaLnBrk="0" fontAlgn="base" hangingPunct="0">
+              <a:spcBef>
+                <a:spcPct val="0"/>
+              </a:spcBef>
+              <a:spcAft>
+                <a:spcPct val="0"/>
+              </a:spcAft>
+              <a:defRPr sz="4400">
+                <a:solidFill>
+                  <a:schemeClr val="tx2"/>
+                </a:solidFill>
+                <a:latin typeface="Arial" charset="0"/>
+                <a:ea typeface="宋体" pitchFamily="2" charset="-122"/>
+              </a:defRPr>
+            </a:lvl2pPr>
+            <a:lvl3pPr algn="ctr" rtl="0" eaLnBrk="0" fontAlgn="base" hangingPunct="0">
+              <a:spcBef>
+                <a:spcPct val="0"/>
+              </a:spcBef>
+              <a:spcAft>
+                <a:spcPct val="0"/>
+              </a:spcAft>
+              <a:defRPr sz="4400">
+                <a:solidFill>
+                  <a:schemeClr val="tx2"/>
+                </a:solidFill>
+                <a:latin typeface="Arial" charset="0"/>
+                <a:ea typeface="宋体" pitchFamily="2" charset="-122"/>
+              </a:defRPr>
+            </a:lvl3pPr>
+            <a:lvl4pPr algn="ctr" rtl="0" eaLnBrk="0" fontAlgn="base" hangingPunct="0">
+              <a:spcBef>
+                <a:spcPct val="0"/>
+              </a:spcBef>
+              <a:spcAft>
+                <a:spcPct val="0"/>
+              </a:spcAft>
+              <a:defRPr sz="4400">
+                <a:solidFill>
+                  <a:schemeClr val="tx2"/>
+                </a:solidFill>
+                <a:latin typeface="Arial" charset="0"/>
+                <a:ea typeface="宋体" pitchFamily="2" charset="-122"/>
+              </a:defRPr>
+            </a:lvl4pPr>
+            <a:lvl5pPr algn="ctr" rtl="0" eaLnBrk="0" fontAlgn="base" hangingPunct="0">
+              <a:spcBef>
+                <a:spcPct val="0"/>
+              </a:spcBef>
+              <a:spcAft>
+                <a:spcPct val="0"/>
+              </a:spcAft>
+              <a:defRPr sz="4400">
+                <a:solidFill>
+                  <a:schemeClr val="tx2"/>
+                </a:solidFill>
+                <a:latin typeface="Arial" charset="0"/>
+                <a:ea typeface="宋体" pitchFamily="2" charset="-122"/>
+              </a:defRPr>
+            </a:lvl5pPr>
+            <a:lvl6pPr marL="457200" algn="ctr" rtl="0" fontAlgn="base">
+              <a:spcBef>
+                <a:spcPct val="0"/>
+              </a:spcBef>
+              <a:spcAft>
+                <a:spcPct val="0"/>
+              </a:spcAft>
+              <a:defRPr sz="4400">
+                <a:solidFill>
+                  <a:schemeClr val="tx2"/>
+                </a:solidFill>
+                <a:latin typeface="Arial" charset="0"/>
+                <a:ea typeface="宋体" pitchFamily="2" charset="-122"/>
+              </a:defRPr>
+            </a:lvl6pPr>
+            <a:lvl7pPr marL="914400" algn="ctr" rtl="0" fontAlgn="base">
+              <a:spcBef>
+                <a:spcPct val="0"/>
+              </a:spcBef>
+              <a:spcAft>
+                <a:spcPct val="0"/>
+              </a:spcAft>
+              <a:defRPr sz="4400">
+                <a:solidFill>
+                  <a:schemeClr val="tx2"/>
+                </a:solidFill>
+                <a:latin typeface="Arial" charset="0"/>
+                <a:ea typeface="宋体" pitchFamily="2" charset="-122"/>
+              </a:defRPr>
+            </a:lvl7pPr>
+            <a:lvl8pPr marL="1371600" algn="ctr" rtl="0" fontAlgn="base">
+              <a:spcBef>
+                <a:spcPct val="0"/>
+              </a:spcBef>
+              <a:spcAft>
+                <a:spcPct val="0"/>
+              </a:spcAft>
+              <a:defRPr sz="4400">
+                <a:solidFill>
+                  <a:schemeClr val="tx2"/>
+                </a:solidFill>
+                <a:latin typeface="Arial" charset="0"/>
+                <a:ea typeface="宋体" pitchFamily="2" charset="-122"/>
+              </a:defRPr>
+            </a:lvl8pPr>
+            <a:lvl9pPr marL="1828800" algn="ctr" rtl="0" fontAlgn="base">
+              <a:spcBef>
+                <a:spcPct val="0"/>
+              </a:spcBef>
+              <a:spcAft>
+                <a:spcPct val="0"/>
+              </a:spcAft>
+              <a:defRPr sz="4400">
+                <a:solidFill>
+                  <a:schemeClr val="tx2"/>
+                </a:solidFill>
+                <a:latin typeface="Arial" charset="0"/>
+                <a:ea typeface="宋体" pitchFamily="2" charset="-122"/>
+              </a:defRPr>
+            </a:lvl9pPr>
+          </a:lstStyle>
+          <a:p>
+            <a:pPr eaLnBrk="1" hangingPunct="1">
+              <a:defRPr/>
+            </a:pPr>
+            <a:r>
+              <a:rPr lang="en-US" altLang="zh-CN" sz="4000" kern="0" dirty="0">
+                <a:effectLst>
+                  <a:outerShdw blurRad="38100" dist="38100" dir="2700000" algn="tl">
+                    <a:srgbClr val="C0C0C0"/>
+                  </a:outerShdw>
+                </a:effectLst>
+                <a:latin typeface="Calibri" charset="0"/>
+                <a:ea typeface="Calibri" charset="0"/>
+                <a:cs typeface="Calibri" charset="0"/>
+              </a:rPr>
+              <a:t>Thank you</a:t>
+            </a:r>
+          </a:p>
+        </p:txBody>
+      </p:sp>
+      <p:sp>
+        <p:nvSpPr>
+          <p:cNvPr id="2" name="Slide Number Placeholder 1"/>
+          <p:cNvSpPr>
+            <a:spLocks noGrp="1"/>
+          </p:cNvSpPr>
+          <p:nvPr>
+            <p:ph type="sldNum" sz="quarter" idx="12"/>
+          </p:nvPr>
+        </p:nvSpPr>
+        <p:spPr/>
+        <p:txBody>
+          <a:bodyPr/>
+          <a:lstStyle/>
+          <a:p>
+            <a:pPr>
+              <a:defRPr/>
+            </a:pPr>
+            <a:fld id="{BD6E0F59-1DD8-40FC-9C92-B6295CBA6CCA}" type="slidenum">
+              <a:rPr lang="en-US" altLang="zh-CN" smtClean="0"/>
+              <a:pPr>
+                <a:defRPr/>
+              </a:pPr>
+              <a:t>19</a:t>
+            </a:fld>
+            <a:endParaRPr lang="en-US" altLang="zh-CN"/>
+          </a:p>
+        </p:txBody>
+      </p:sp>
+    </p:spTree>
+    <p:extLst>
+      <p:ext uri="{BB962C8B-B14F-4D97-AF65-F5344CB8AC3E}">
+        <p14:creationId xmlns:p14="http://schemas.microsoft.com/office/powerpoint/2010/main" val="2276685760"/>
       </p:ext>
     </p:extLst>
   </p:cSld>
@@ -8536,13 +9399,13 @@
             </a:r>
             <a:r>
               <a:rPr lang="en-US" sz="1200" dirty="0"/>
-              <a:t>at IETF 107 in MPLS WG Interim (ran out of time)</a:t>
+              <a:t>at IETF 107 in MPLS WG Interim (we ran out of time)</a:t>
             </a:r>
           </a:p>
           <a:p>
             <a:r>
               <a:rPr lang="en-US" sz="1200" dirty="0"/>
-              <a:t>Jul 2020</a:t>
+              <a:t>July 2020</a:t>
             </a:r>
           </a:p>
           <a:p>
@@ -9263,7 +10126,13 @@
       </p:grpSpPr>
       <p:sp>
         <p:nvSpPr>
-          <p:cNvPr id="2" name="Title 1"/>
+          <p:cNvPr id="2" name="Title 1">
+            <a:extLst>
+              <a:ext uri="{FF2B5EF4-FFF2-40B4-BE49-F238E27FC236}">
+                <a16:creationId xmlns:a16="http://schemas.microsoft.com/office/drawing/2014/main" id="{590D0125-5A9E-9D48-9391-85FBD0E608A2}"/>
+              </a:ext>
+            </a:extLst>
+          </p:cNvPr>
           <p:cNvSpPr>
             <a:spLocks noGrp="1"/>
           </p:cNvSpPr>
@@ -9273,126 +10142,74 @@
         </p:nvSpPr>
         <p:spPr>
           <a:xfrm>
-            <a:off x="457200" y="0"/>
-            <a:ext cx="8229600" cy="857250"/>
+            <a:off x="76200" y="80010"/>
+            <a:ext cx="9296400" cy="599270"/>
           </a:xfrm>
         </p:spPr>
         <p:txBody>
           <a:bodyPr/>
           <a:lstStyle/>
           <a:p>
-            <a:r>
-              <a:rPr lang="en-US" sz="3600" dirty="0">
+            <a:pPr algn="l"/>
+            <a:r>
+              <a:rPr lang="en-CA" sz="2700" dirty="0">
                 <a:solidFill>
                   <a:srgbClr val="0070C0"/>
                 </a:solidFill>
                 <a:latin typeface="Calibri Light" panose="020F0302020204030204" pitchFamily="34" charset="0"/>
                 <a:cs typeface="Calibri Light" panose="020F0302020204030204" pitchFamily="34" charset="0"/>
               </a:rPr>
-              <a:t>IOAM Indicator Label</a:t>
-            </a:r>
-          </a:p>
-        </p:txBody>
-      </p:sp>
-      <p:sp>
-        <p:nvSpPr>
-          <p:cNvPr id="3" name="Content Placeholder 2"/>
+              <a:t>IOAM Data Field Encapsulation with </a:t>
+            </a:r>
+            <a:r>
+              <a:rPr lang="en-CA" sz="2700" b="1" dirty="0">
+                <a:solidFill>
+                  <a:srgbClr val="0070C0"/>
+                </a:solidFill>
+                <a:latin typeface="Calibri Light" panose="020F0302020204030204" pitchFamily="34" charset="0"/>
+                <a:cs typeface="Calibri Light" panose="020F0302020204030204" pitchFamily="34" charset="0"/>
+              </a:rPr>
+              <a:t>Flow Label </a:t>
+            </a:r>
+            <a:r>
+              <a:rPr lang="en-CA" sz="2700" dirty="0">
+                <a:solidFill>
+                  <a:srgbClr val="0070C0"/>
+                </a:solidFill>
+                <a:latin typeface="Calibri Light" panose="020F0302020204030204" pitchFamily="34" charset="0"/>
+                <a:cs typeface="Calibri Light" panose="020F0302020204030204" pitchFamily="34" charset="0"/>
+              </a:rPr>
+              <a:t>in MPLS Header</a:t>
+            </a:r>
+            <a:endParaRPr lang="en-US" sz="2700" dirty="0">
+              <a:solidFill>
+                <a:srgbClr val="0070C0"/>
+              </a:solidFill>
+              <a:latin typeface="Calibri Light" panose="020F0302020204030204" pitchFamily="34" charset="0"/>
+              <a:cs typeface="Calibri Light" panose="020F0302020204030204" pitchFamily="34" charset="0"/>
+            </a:endParaRPr>
+          </a:p>
+        </p:txBody>
+      </p:sp>
+      <p:sp>
+        <p:nvSpPr>
+          <p:cNvPr id="4" name="Footer Placeholder 3">
+            <a:extLst>
+              <a:ext uri="{FF2B5EF4-FFF2-40B4-BE49-F238E27FC236}">
+                <a16:creationId xmlns:a16="http://schemas.microsoft.com/office/drawing/2014/main" id="{87713FCD-3B47-804D-B373-DAB61FB5FF59}"/>
+              </a:ext>
+            </a:extLst>
+          </p:cNvPr>
           <p:cNvSpPr>
             <a:spLocks noGrp="1"/>
           </p:cNvSpPr>
           <p:nvPr>
-            <p:ph idx="1"/>
+            <p:ph type="ftr" sz="quarter" idx="11"/>
           </p:nvPr>
         </p:nvSpPr>
         <p:spPr>
           <a:xfrm>
-            <a:off x="457200" y="914400"/>
-            <a:ext cx="8229600" cy="3314700"/>
-          </a:xfrm>
-        </p:spPr>
-        <p:txBody>
-          <a:bodyPr/>
-          <a:lstStyle/>
-          <a:p>
-            <a:pPr>
-              <a:lnSpc>
-                <a:spcPts val="2320"/>
-              </a:lnSpc>
-              <a:spcBef>
-                <a:spcPts val="600"/>
-              </a:spcBef>
-            </a:pPr>
-            <a:r>
-              <a:rPr lang="en-CA" sz="2000" dirty="0"/>
-              <a:t>“IOAM Indicator Label” is used to indicate the presence of the IOAM data fields in the MPLS header.  </a:t>
-            </a:r>
-          </a:p>
-          <a:p>
-            <a:pPr>
-              <a:lnSpc>
-                <a:spcPts val="2320"/>
-              </a:lnSpc>
-              <a:spcBef>
-                <a:spcPts val="600"/>
-              </a:spcBef>
-            </a:pPr>
-            <a:r>
-              <a:rPr lang="en-CA" sz="2000" dirty="0"/>
-              <a:t>Separate Label values are used for edge-to-edge and hop-by-hop IOAM:</a:t>
-            </a:r>
-          </a:p>
-          <a:p>
-            <a:pPr lvl="1">
-              <a:lnSpc>
-                <a:spcPts val="2320"/>
-              </a:lnSpc>
-              <a:spcBef>
-                <a:spcPts val="600"/>
-              </a:spcBef>
-            </a:pPr>
-            <a:r>
-              <a:rPr lang="en-CA" sz="2000" dirty="0"/>
-              <a:t>Edge-to-edge TBA1 </a:t>
-            </a:r>
-          </a:p>
-          <a:p>
-            <a:pPr lvl="1">
-              <a:lnSpc>
-                <a:spcPts val="2320"/>
-              </a:lnSpc>
-              <a:spcBef>
-                <a:spcPts val="600"/>
-              </a:spcBef>
-            </a:pPr>
-            <a:r>
-              <a:rPr lang="en-CA" sz="2000" dirty="0"/>
-              <a:t>Hop-by-hop TBA3</a:t>
-            </a:r>
-          </a:p>
-          <a:p>
-            <a:pPr marL="0" indent="0">
-              <a:lnSpc>
-                <a:spcPts val="2320"/>
-              </a:lnSpc>
-              <a:buNone/>
-            </a:pPr>
-            <a:endParaRPr lang="en-CA" sz="2000" dirty="0"/>
-          </a:p>
-        </p:txBody>
-      </p:sp>
-      <p:sp>
-        <p:nvSpPr>
-          <p:cNvPr id="4" name="Footer Placeholder 3"/>
-          <p:cNvSpPr>
-            <a:spLocks noGrp="1"/>
-          </p:cNvSpPr>
-          <p:nvPr>
-            <p:ph type="ftr" sz="quarter" idx="11"/>
-          </p:nvPr>
-        </p:nvSpPr>
-        <p:spPr>
-          <a:xfrm>
-            <a:off x="3124200" y="4786312"/>
+            <a:off x="3124200" y="4781550"/>
             <a:ext cx="2895600" cy="357188"/>
           </a:xfrm>
         </p:spPr>
@@ -9417,7 +10234,13 @@
       </p:sp>
       <p:sp>
         <p:nvSpPr>
-          <p:cNvPr id="5" name="Slide Number Placeholder 4"/>
+          <p:cNvPr id="5" name="Slide Number Placeholder 4">
+            <a:extLst>
+              <a:ext uri="{FF2B5EF4-FFF2-40B4-BE49-F238E27FC236}">
+                <a16:creationId xmlns:a16="http://schemas.microsoft.com/office/drawing/2014/main" id="{1371408B-9195-EC4D-8131-A3F5CC0592D0}"/>
+              </a:ext>
+            </a:extLst>
+          </p:cNvPr>
           <p:cNvSpPr>
             <a:spLocks noGrp="1"/>
           </p:cNvSpPr>
@@ -9444,10 +10267,257 @@
           </a:p>
         </p:txBody>
       </p:sp>
+      <p:sp>
+        <p:nvSpPr>
+          <p:cNvPr id="6" name="Rectangle 5">
+            <a:extLst>
+              <a:ext uri="{FF2B5EF4-FFF2-40B4-BE49-F238E27FC236}">
+                <a16:creationId xmlns:a16="http://schemas.microsoft.com/office/drawing/2014/main" id="{1EED4007-3A19-0E4E-8496-6CECEEA363EB}"/>
+              </a:ext>
+            </a:extLst>
+          </p:cNvPr>
+          <p:cNvSpPr/>
+          <p:nvPr/>
+        </p:nvSpPr>
+        <p:spPr>
+          <a:xfrm>
+            <a:off x="1676400" y="837589"/>
+            <a:ext cx="5715000" cy="3631763"/>
+          </a:xfrm>
+          <a:prstGeom prst="rect">
+            <a:avLst/>
+          </a:prstGeom>
+          <a:solidFill>
+            <a:schemeClr val="accent6">
+              <a:lumMod val="20000"/>
+              <a:lumOff val="80000"/>
+            </a:schemeClr>
+          </a:solidFill>
+        </p:spPr>
+        <p:txBody>
+          <a:bodyPr wrap="square">
+            <a:spAutoFit/>
+          </a:bodyPr>
+          <a:lstStyle/>
+          <a:p>
+            <a:r>
+              <a:rPr lang="en-CA" sz="1000" dirty="0">
+                <a:latin typeface="Courier" pitchFamily="2" charset="0"/>
+              </a:rPr>
+              <a:t>    0                   1                   2                   3</a:t>
+            </a:r>
+          </a:p>
+          <a:p>
+            <a:r>
+              <a:rPr lang="en-CA" sz="1000" dirty="0">
+                <a:latin typeface="Courier" pitchFamily="2" charset="0"/>
+              </a:rPr>
+              <a:t>    0 1 2 3 4 5 6 7 8 9 0 1 2 3 4 5 6 7 8 9 0 1 2 3 4 5 6 7 8 9 0 1</a:t>
+            </a:r>
+          </a:p>
+          <a:p>
+            <a:r>
+              <a:rPr lang="en-CA" sz="1000" dirty="0">
+                <a:latin typeface="Courier" pitchFamily="2" charset="0"/>
+              </a:rPr>
+              <a:t>   +-+-+-+-+-+-+-+-+-+-+-+-+-+-+-+-+-+-+-+-+-+-+-+-+-+-+-+-+-+-+-+-+</a:t>
+            </a:r>
+          </a:p>
+          <a:p>
+            <a:r>
+              <a:rPr lang="en-CA" sz="1000" dirty="0">
+                <a:latin typeface="Courier" pitchFamily="2" charset="0"/>
+              </a:rPr>
+              <a:t>   </a:t>
+            </a:r>
+            <a:r>
+              <a:rPr lang="en-CA" sz="1000" b="1" dirty="0">
+                <a:latin typeface="Courier" pitchFamily="2" charset="0"/>
+              </a:rPr>
+              <a:t>|  IOAM and Flow Indicator Label        </a:t>
+            </a:r>
+            <a:r>
+              <a:rPr lang="en-CA" sz="1000" dirty="0">
+                <a:latin typeface="Courier" pitchFamily="2" charset="0"/>
+              </a:rPr>
+              <a:t>| TC  |1|  TTL          |</a:t>
+            </a:r>
+          </a:p>
+          <a:p>
+            <a:r>
+              <a:rPr lang="en-CA" sz="1000" dirty="0">
+                <a:latin typeface="Courier" pitchFamily="2" charset="0"/>
+              </a:rPr>
+              <a:t>   +-+-+-+-+-+-+-+-+-+-+-+-+-+-+-+-+-+-+-+-+-+-+-+-+-+-+-+-+-+-+-+-+</a:t>
+            </a:r>
+          </a:p>
+          <a:p>
+            <a:r>
+              <a:rPr lang="en-CA" sz="1000" dirty="0">
+                <a:latin typeface="Courier" pitchFamily="2" charset="0"/>
+              </a:rPr>
+              <a:t>   |</a:t>
+            </a:r>
+            <a:r>
+              <a:rPr lang="en-CA" sz="1000" b="1" dirty="0">
+                <a:latin typeface="Courier" pitchFamily="2" charset="0"/>
+              </a:rPr>
+              <a:t>0 0 1 0|      Flow label                       | Block Number  </a:t>
+            </a:r>
+            <a:r>
+              <a:rPr lang="en-CA" sz="1000" dirty="0">
+                <a:latin typeface="Courier" pitchFamily="2" charset="0"/>
+              </a:rPr>
+              <a:t>|</a:t>
+            </a:r>
+          </a:p>
+          <a:p>
+            <a:r>
+              <a:rPr lang="en-CA" sz="1000" dirty="0">
+                <a:latin typeface="Courier" pitchFamily="2" charset="0"/>
+              </a:rPr>
+              <a:t>   +-+-+-+-+-+-+-+-+-+-+-+-+-+-+-+-+-+-+-+-+-+-+-+-+-+-+-+-+-+-+-+-+&lt;-+ </a:t>
+            </a:r>
+          </a:p>
+          <a:p>
+            <a:r>
+              <a:rPr lang="en-CA" sz="1000" dirty="0">
+                <a:latin typeface="Courier" pitchFamily="2" charset="0"/>
+              </a:rPr>
+              <a:t>   |  IOAM-Type    | IOAM HDR LEN  |    RESERVED                   |  |</a:t>
+            </a:r>
+          </a:p>
+          <a:p>
+            <a:r>
+              <a:rPr lang="en-CA" sz="1000" dirty="0">
+                <a:latin typeface="Courier" pitchFamily="2" charset="0"/>
+              </a:rPr>
+              <a:t>   +-+-+-+-+-+-+-+-+-+-+-+-+-+-+-+-+-+-+-+-+-+-+-+-+-+-+-+-+-+-+-+-+  I</a:t>
+            </a:r>
+          </a:p>
+          <a:p>
+            <a:r>
+              <a:rPr lang="en-CA" sz="1000" dirty="0">
+                <a:latin typeface="Courier" pitchFamily="2" charset="0"/>
+              </a:rPr>
+              <a:t>   |                                                               |  O</a:t>
+            </a:r>
+          </a:p>
+          <a:p>
+            <a:r>
+              <a:rPr lang="en-CA" sz="1000" dirty="0">
+                <a:latin typeface="Courier" pitchFamily="2" charset="0"/>
+              </a:rPr>
+              <a:t>   |                                                               |  A</a:t>
+            </a:r>
+          </a:p>
+          <a:p>
+            <a:r>
+              <a:rPr lang="en-CA" sz="1000" dirty="0">
+                <a:latin typeface="Courier" pitchFamily="2" charset="0"/>
+              </a:rPr>
+              <a:t>   ~                 IOAM Option and Data Space                    ~  M</a:t>
+            </a:r>
+          </a:p>
+          <a:p>
+            <a:r>
+              <a:rPr lang="en-CA" sz="1000" dirty="0">
+                <a:latin typeface="Courier" pitchFamily="2" charset="0"/>
+              </a:rPr>
+              <a:t>   |                                                               |  |</a:t>
+            </a:r>
+          </a:p>
+          <a:p>
+            <a:r>
+              <a:rPr lang="en-CA" sz="1000" dirty="0">
+                <a:latin typeface="Courier" pitchFamily="2" charset="0"/>
+              </a:rPr>
+              <a:t>   |                                                               |  |</a:t>
+            </a:r>
+          </a:p>
+          <a:p>
+            <a:r>
+              <a:rPr lang="en-CA" sz="1000" dirty="0">
+                <a:latin typeface="Courier" pitchFamily="2" charset="0"/>
+              </a:rPr>
+              <a:t>   +-+-+-+-+-+-+-+-+-+-+-+-+-+-+-+-+-+-+-+-+-+-+-+-+-+-+-+-+-+-+-+-+&lt;-+</a:t>
+            </a:r>
+          </a:p>
+          <a:p>
+            <a:r>
+              <a:rPr lang="en-CA" sz="1000" dirty="0">
+                <a:latin typeface="Courier" pitchFamily="2" charset="0"/>
+              </a:rPr>
+              <a:t>   |                                                               |</a:t>
+            </a:r>
+          </a:p>
+          <a:p>
+            <a:r>
+              <a:rPr lang="en-CA" sz="1000" dirty="0">
+                <a:latin typeface="Courier" pitchFamily="2" charset="0"/>
+              </a:rPr>
+              <a:t>   |                                                               |</a:t>
+            </a:r>
+          </a:p>
+          <a:p>
+            <a:r>
+              <a:rPr lang="en-CA" sz="1000" dirty="0">
+                <a:latin typeface="Courier" pitchFamily="2" charset="0"/>
+              </a:rPr>
+              <a:t>   ~                 Payload + Padding                             ~</a:t>
+            </a:r>
+          </a:p>
+          <a:p>
+            <a:r>
+              <a:rPr lang="en-CA" sz="1000" dirty="0">
+                <a:latin typeface="Courier" pitchFamily="2" charset="0"/>
+              </a:rPr>
+              <a:t>   |                                                               |</a:t>
+            </a:r>
+          </a:p>
+          <a:p>
+            <a:r>
+              <a:rPr lang="en-CA" sz="1000" dirty="0">
+                <a:latin typeface="Courier" pitchFamily="2" charset="0"/>
+              </a:rPr>
+              <a:t>   |                                                               |</a:t>
+            </a:r>
+          </a:p>
+          <a:p>
+            <a:r>
+              <a:rPr lang="en-CA" sz="1000" dirty="0">
+                <a:latin typeface="Courier" pitchFamily="2" charset="0"/>
+              </a:rPr>
+              <a:t>   +-+-+-+-+-+-+-+-+-+-+-+-+-+-+-+-+-+-+-+-+-+-+-+-+-+-+-+-+-+-+-+-+</a:t>
+            </a:r>
+          </a:p>
+          <a:p>
+            <a:r>
+              <a:rPr lang="en-CA" sz="1000" dirty="0">
+                <a:latin typeface="Courier" pitchFamily="2" charset="0"/>
+              </a:rPr>
+              <a:t> </a:t>
+            </a:r>
+          </a:p>
+          <a:p>
+            <a:r>
+              <a:rPr lang="en-CA" sz="1000" dirty="0">
+                <a:latin typeface="Courier" pitchFamily="2" charset="0"/>
+              </a:rPr>
+              <a:t>       Figure: IOAM Encapsulation with Flow Label in MPLS Header</a:t>
+            </a:r>
+            <a:endParaRPr lang="en-CA" sz="1000" dirty="0">
+              <a:latin typeface="Courier" pitchFamily="2" charset="0"/>
+              <a:ea typeface="Calibri" panose="020F0502020204030204" pitchFamily="34" charset="0"/>
+              <a:cs typeface="Times New Roman" panose="02020603050405020304" pitchFamily="18" charset="0"/>
+            </a:endParaRPr>
+          </a:p>
+        </p:txBody>
+      </p:sp>
     </p:spTree>
     <p:extLst>
       <p:ext uri="{BB962C8B-B14F-4D97-AF65-F5344CB8AC3E}">
-        <p14:creationId xmlns:p14="http://schemas.microsoft.com/office/powerpoint/2010/main" val="3240992782"/>
+        <p14:creationId xmlns:p14="http://schemas.microsoft.com/office/powerpoint/2010/main" val="2927812822"/>
       </p:ext>
     </p:extLst>
   </p:cSld>
@@ -9476,13 +10546,7 @@
       </p:grpSpPr>
       <p:sp>
         <p:nvSpPr>
-          <p:cNvPr id="2" name="Title 1">
-            <a:extLst>
-              <a:ext uri="{FF2B5EF4-FFF2-40B4-BE49-F238E27FC236}">
-                <a16:creationId xmlns:a16="http://schemas.microsoft.com/office/drawing/2014/main" id="{590D0125-5A9E-9D48-9391-85FBD0E608A2}"/>
-              </a:ext>
-            </a:extLst>
-          </p:cNvPr>
+          <p:cNvPr id="2" name="Title 1"/>
           <p:cNvSpPr>
             <a:spLocks noGrp="1"/>
           </p:cNvSpPr>
@@ -9492,64 +10556,127 @@
         </p:nvSpPr>
         <p:spPr>
           <a:xfrm>
-            <a:off x="76200" y="80010"/>
-            <a:ext cx="9296400" cy="599270"/>
+            <a:off x="457200" y="0"/>
+            <a:ext cx="8229600" cy="857250"/>
           </a:xfrm>
         </p:spPr>
         <p:txBody>
           <a:bodyPr/>
           <a:lstStyle/>
           <a:p>
-            <a:pPr algn="l"/>
-            <a:r>
-              <a:rPr lang="en-CA" sz="2700" dirty="0">
+            <a:r>
+              <a:rPr lang="en-US" sz="3600" dirty="0">
                 <a:solidFill>
                   <a:srgbClr val="0070C0"/>
                 </a:solidFill>
                 <a:latin typeface="Calibri Light" panose="020F0302020204030204" pitchFamily="34" charset="0"/>
                 <a:cs typeface="Calibri Light" panose="020F0302020204030204" pitchFamily="34" charset="0"/>
               </a:rPr>
-              <a:t>IOAM Data Field Encapsulation with </a:t>
-            </a:r>
-            <a:r>
-              <a:rPr lang="en-CA" sz="2700" b="1" dirty="0">
+              <a:t>E2E Indicator Label Allocation Methods</a:t>
+            </a:r>
+          </a:p>
+        </p:txBody>
+      </p:sp>
+      <p:sp>
+        <p:nvSpPr>
+          <p:cNvPr id="3" name="Content Placeholder 2"/>
+          <p:cNvSpPr>
+            <a:spLocks noGrp="1"/>
+          </p:cNvSpPr>
+          <p:nvPr>
+            <p:ph idx="1"/>
+          </p:nvPr>
+        </p:nvSpPr>
+        <p:spPr>
+          <a:xfrm>
+            <a:off x="609600" y="895525"/>
+            <a:ext cx="7924800" cy="3429000"/>
+          </a:xfrm>
+        </p:spPr>
+        <p:txBody>
+          <a:bodyPr/>
+          <a:lstStyle/>
+          <a:p>
+            <a:pPr marL="457200" lvl="0" indent="-457200">
+              <a:buFont typeface="+mj-lt"/>
+              <a:buAutoNum type="arabicPeriod"/>
+            </a:pPr>
+            <a:r>
+              <a:rPr lang="en-CA" sz="2000" dirty="0"/>
+              <a:t>Label assigned by IANA with values TBA1 and TBA2</a:t>
+            </a:r>
+          </a:p>
+          <a:p>
+            <a:pPr lvl="1" indent="-342900">
+              <a:buFont typeface="Wingdings" pitchFamily="2" charset="2"/>
+              <a:buChar char="§"/>
+            </a:pPr>
+            <a:r>
+              <a:rPr lang="en-CA" sz="2000" dirty="0"/>
+              <a:t>From Extended Special Purpose Labels (</a:t>
+            </a:r>
+            <a:r>
+              <a:rPr lang="en-CA" sz="2000" dirty="0" err="1"/>
+              <a:t>eSPL</a:t>
+            </a:r>
+            <a:r>
+              <a:rPr lang="en-CA" sz="2000" dirty="0"/>
+              <a:t>) range</a:t>
+            </a:r>
+          </a:p>
+          <a:p>
+            <a:pPr marL="457200" lvl="0" indent="-457200">
+              <a:buFont typeface="+mj-lt"/>
+              <a:buAutoNum type="arabicPeriod"/>
+            </a:pPr>
+            <a:r>
+              <a:rPr lang="en-CA" sz="2000" dirty="0"/>
+              <a:t>Global Label allocated by a controller</a:t>
+            </a:r>
+          </a:p>
+          <a:p>
+            <a:pPr lvl="1" indent="-342900">
+              <a:buFont typeface="Wingdings" pitchFamily="2" charset="2"/>
+              <a:buChar char="§"/>
+            </a:pPr>
+            <a:r>
+              <a:rPr lang="en-CA" sz="2000" dirty="0"/>
+              <a:t>The controller provisions the label on encapsulating and decapsulating nodes</a:t>
+            </a:r>
+          </a:p>
+          <a:p>
+            <a:pPr marL="457200" lvl="0" indent="-457200">
+              <a:buFont typeface="+mj-lt"/>
+              <a:buAutoNum type="arabicPeriod"/>
+            </a:pPr>
+            <a:r>
+              <a:rPr lang="en-CA" sz="2000" dirty="0">
                 <a:solidFill>
                   <a:srgbClr val="0070C0"/>
                 </a:solidFill>
-                <a:latin typeface="Calibri Light" panose="020F0302020204030204" pitchFamily="34" charset="0"/>
-                <a:cs typeface="Calibri Light" panose="020F0302020204030204" pitchFamily="34" charset="0"/>
-              </a:rPr>
-              <a:t>Flow Label </a:t>
-            </a:r>
-            <a:r>
-              <a:rPr lang="en-CA" sz="2700" dirty="0">
+              </a:rPr>
+              <a:t>The label allocated by the decapsulating node</a:t>
+            </a:r>
+          </a:p>
+          <a:p>
+            <a:pPr lvl="1" indent="-342900">
+              <a:buFont typeface="Wingdings" pitchFamily="2" charset="2"/>
+              <a:buChar char="§"/>
+            </a:pPr>
+            <a:r>
+              <a:rPr lang="en-CA" sz="2000" dirty="0">
                 <a:solidFill>
                   <a:srgbClr val="0070C0"/>
                 </a:solidFill>
-                <a:latin typeface="Calibri Light" panose="020F0302020204030204" pitchFamily="34" charset="0"/>
-                <a:cs typeface="Calibri Light" panose="020F0302020204030204" pitchFamily="34" charset="0"/>
-              </a:rPr>
-              <a:t>in MPLS Header</a:t>
-            </a:r>
-            <a:endParaRPr lang="en-US" sz="2700" dirty="0">
-              <a:solidFill>
-                <a:srgbClr val="0070C0"/>
-              </a:solidFill>
-              <a:latin typeface="Calibri Light" panose="020F0302020204030204" pitchFamily="34" charset="0"/>
-              <a:cs typeface="Calibri Light" panose="020F0302020204030204" pitchFamily="34" charset="0"/>
-            </a:endParaRPr>
-          </a:p>
-        </p:txBody>
-      </p:sp>
-      <p:sp>
-        <p:nvSpPr>
-          <p:cNvPr id="4" name="Footer Placeholder 3">
-            <a:extLst>
-              <a:ext uri="{FF2B5EF4-FFF2-40B4-BE49-F238E27FC236}">
-                <a16:creationId xmlns:a16="http://schemas.microsoft.com/office/drawing/2014/main" id="{87713FCD-3B47-804D-B373-DAB61FB5FF59}"/>
-              </a:ext>
-            </a:extLst>
-          </p:cNvPr>
+              </a:rPr>
+              <a:t>Signaling mechanism used to convey the label to all encapsulating nodes</a:t>
+            </a:r>
+          </a:p>
+        </p:txBody>
+      </p:sp>
+      <p:sp>
+        <p:nvSpPr>
+          <p:cNvPr id="4" name="Footer Placeholder 3"/>
           <p:cNvSpPr>
             <a:spLocks noGrp="1"/>
           </p:cNvSpPr>
@@ -9559,7 +10686,7 @@
         </p:nvSpPr>
         <p:spPr>
           <a:xfrm>
-            <a:off x="3124200" y="4781550"/>
+            <a:off x="3124200" y="4786312"/>
             <a:ext cx="2895600" cy="357188"/>
           </a:xfrm>
         </p:spPr>
@@ -9584,13 +10711,7 @@
       </p:sp>
       <p:sp>
         <p:nvSpPr>
-          <p:cNvPr id="5" name="Slide Number Placeholder 4">
-            <a:extLst>
-              <a:ext uri="{FF2B5EF4-FFF2-40B4-BE49-F238E27FC236}">
-                <a16:creationId xmlns:a16="http://schemas.microsoft.com/office/drawing/2014/main" id="{1371408B-9195-EC4D-8131-A3F5CC0592D0}"/>
-              </a:ext>
-            </a:extLst>
-          </p:cNvPr>
+          <p:cNvPr id="5" name="Slide Number Placeholder 4"/>
           <p:cNvSpPr>
             <a:spLocks noGrp="1"/>
           </p:cNvSpPr>
@@ -9617,257 +10738,10 @@
           </a:p>
         </p:txBody>
       </p:sp>
-      <p:sp>
-        <p:nvSpPr>
-          <p:cNvPr id="6" name="Rectangle 5">
-            <a:extLst>
-              <a:ext uri="{FF2B5EF4-FFF2-40B4-BE49-F238E27FC236}">
-                <a16:creationId xmlns:a16="http://schemas.microsoft.com/office/drawing/2014/main" id="{1EED4007-3A19-0E4E-8496-6CECEEA363EB}"/>
-              </a:ext>
-            </a:extLst>
-          </p:cNvPr>
-          <p:cNvSpPr/>
-          <p:nvPr/>
-        </p:nvSpPr>
-        <p:spPr>
-          <a:xfrm>
-            <a:off x="1676400" y="837589"/>
-            <a:ext cx="5715000" cy="3631763"/>
-          </a:xfrm>
-          <a:prstGeom prst="rect">
-            <a:avLst/>
-          </a:prstGeom>
-          <a:solidFill>
-            <a:schemeClr val="accent6">
-              <a:lumMod val="20000"/>
-              <a:lumOff val="80000"/>
-            </a:schemeClr>
-          </a:solidFill>
-        </p:spPr>
-        <p:txBody>
-          <a:bodyPr wrap="square">
-            <a:spAutoFit/>
-          </a:bodyPr>
-          <a:lstStyle/>
-          <a:p>
-            <a:r>
-              <a:rPr lang="en-CA" sz="1000" dirty="0">
-                <a:latin typeface="Courier" pitchFamily="2" charset="0"/>
-              </a:rPr>
-              <a:t>    0                   1                   2                   3</a:t>
-            </a:r>
-          </a:p>
-          <a:p>
-            <a:r>
-              <a:rPr lang="en-CA" sz="1000" dirty="0">
-                <a:latin typeface="Courier" pitchFamily="2" charset="0"/>
-              </a:rPr>
-              <a:t>    0 1 2 3 4 5 6 7 8 9 0 1 2 3 4 5 6 7 8 9 0 1 2 3 4 5 6 7 8 9 0 1</a:t>
-            </a:r>
-          </a:p>
-          <a:p>
-            <a:r>
-              <a:rPr lang="en-CA" sz="1000" dirty="0">
-                <a:latin typeface="Courier" pitchFamily="2" charset="0"/>
-              </a:rPr>
-              <a:t>   +-+-+-+-+-+-+-+-+-+-+-+-+-+-+-+-+-+-+-+-+-+-+-+-+-+-+-+-+-+-+-+-+</a:t>
-            </a:r>
-          </a:p>
-          <a:p>
-            <a:r>
-              <a:rPr lang="en-CA" sz="1000" dirty="0">
-                <a:latin typeface="Courier" pitchFamily="2" charset="0"/>
-              </a:rPr>
-              <a:t>   </a:t>
-            </a:r>
-            <a:r>
-              <a:rPr lang="en-CA" sz="1000" b="1" dirty="0">
-                <a:latin typeface="Courier" pitchFamily="2" charset="0"/>
-              </a:rPr>
-              <a:t>|  IOAM and Flow Indicator Label        </a:t>
-            </a:r>
-            <a:r>
-              <a:rPr lang="en-CA" sz="1000" dirty="0">
-                <a:latin typeface="Courier" pitchFamily="2" charset="0"/>
-              </a:rPr>
-              <a:t>| TC  |1|  TTL          |</a:t>
-            </a:r>
-          </a:p>
-          <a:p>
-            <a:r>
-              <a:rPr lang="en-CA" sz="1000" dirty="0">
-                <a:latin typeface="Courier" pitchFamily="2" charset="0"/>
-              </a:rPr>
-              <a:t>   +-+-+-+-+-+-+-+-+-+-+-+-+-+-+-+-+-+-+-+-+-+-+-+-+-+-+-+-+-+-+-+-+</a:t>
-            </a:r>
-          </a:p>
-          <a:p>
-            <a:r>
-              <a:rPr lang="en-CA" sz="1000" dirty="0">
-                <a:latin typeface="Courier" pitchFamily="2" charset="0"/>
-              </a:rPr>
-              <a:t>   |</a:t>
-            </a:r>
-            <a:r>
-              <a:rPr lang="en-CA" sz="1000" b="1" dirty="0">
-                <a:latin typeface="Courier" pitchFamily="2" charset="0"/>
-              </a:rPr>
-              <a:t>0 0 1 0|      Flow label                       | Block Number  </a:t>
-            </a:r>
-            <a:r>
-              <a:rPr lang="en-CA" sz="1000" dirty="0">
-                <a:latin typeface="Courier" pitchFamily="2" charset="0"/>
-              </a:rPr>
-              <a:t>|</a:t>
-            </a:r>
-          </a:p>
-          <a:p>
-            <a:r>
-              <a:rPr lang="en-CA" sz="1000" dirty="0">
-                <a:latin typeface="Courier" pitchFamily="2" charset="0"/>
-              </a:rPr>
-              <a:t>   +-+-+-+-+-+-+-+-+-+-+-+-+-+-+-+-+-+-+-+-+-+-+-+-+-+-+-+-+-+-+-+-+&lt;-+ </a:t>
-            </a:r>
-          </a:p>
-          <a:p>
-            <a:r>
-              <a:rPr lang="en-CA" sz="1000" dirty="0">
-                <a:latin typeface="Courier" pitchFamily="2" charset="0"/>
-              </a:rPr>
-              <a:t>   |  IOAM-Type    | IOAM HDR LEN  |    RESERVED                   |  |</a:t>
-            </a:r>
-          </a:p>
-          <a:p>
-            <a:r>
-              <a:rPr lang="en-CA" sz="1000" dirty="0">
-                <a:latin typeface="Courier" pitchFamily="2" charset="0"/>
-              </a:rPr>
-              <a:t>   +-+-+-+-+-+-+-+-+-+-+-+-+-+-+-+-+-+-+-+-+-+-+-+-+-+-+-+-+-+-+-+-+  I</a:t>
-            </a:r>
-          </a:p>
-          <a:p>
-            <a:r>
-              <a:rPr lang="en-CA" sz="1000" dirty="0">
-                <a:latin typeface="Courier" pitchFamily="2" charset="0"/>
-              </a:rPr>
-              <a:t>   |                                                               |  O</a:t>
-            </a:r>
-          </a:p>
-          <a:p>
-            <a:r>
-              <a:rPr lang="en-CA" sz="1000" dirty="0">
-                <a:latin typeface="Courier" pitchFamily="2" charset="0"/>
-              </a:rPr>
-              <a:t>   |                                                               |  A</a:t>
-            </a:r>
-          </a:p>
-          <a:p>
-            <a:r>
-              <a:rPr lang="en-CA" sz="1000" dirty="0">
-                <a:latin typeface="Courier" pitchFamily="2" charset="0"/>
-              </a:rPr>
-              <a:t>   ~                 IOAM Option and Data Space                    ~  M</a:t>
-            </a:r>
-          </a:p>
-          <a:p>
-            <a:r>
-              <a:rPr lang="en-CA" sz="1000" dirty="0">
-                <a:latin typeface="Courier" pitchFamily="2" charset="0"/>
-              </a:rPr>
-              <a:t>   |                                                               |  |</a:t>
-            </a:r>
-          </a:p>
-          <a:p>
-            <a:r>
-              <a:rPr lang="en-CA" sz="1000" dirty="0">
-                <a:latin typeface="Courier" pitchFamily="2" charset="0"/>
-              </a:rPr>
-              <a:t>   |                                                               |  |</a:t>
-            </a:r>
-          </a:p>
-          <a:p>
-            <a:r>
-              <a:rPr lang="en-CA" sz="1000" dirty="0">
-                <a:latin typeface="Courier" pitchFamily="2" charset="0"/>
-              </a:rPr>
-              <a:t>   +-+-+-+-+-+-+-+-+-+-+-+-+-+-+-+-+-+-+-+-+-+-+-+-+-+-+-+-+-+-+-+-+&lt;-+</a:t>
-            </a:r>
-          </a:p>
-          <a:p>
-            <a:r>
-              <a:rPr lang="en-CA" sz="1000" dirty="0">
-                <a:latin typeface="Courier" pitchFamily="2" charset="0"/>
-              </a:rPr>
-              <a:t>   |                                                               |</a:t>
-            </a:r>
-          </a:p>
-          <a:p>
-            <a:r>
-              <a:rPr lang="en-CA" sz="1000" dirty="0">
-                <a:latin typeface="Courier" pitchFamily="2" charset="0"/>
-              </a:rPr>
-              <a:t>   |                                                               |</a:t>
-            </a:r>
-          </a:p>
-          <a:p>
-            <a:r>
-              <a:rPr lang="en-CA" sz="1000" dirty="0">
-                <a:latin typeface="Courier" pitchFamily="2" charset="0"/>
-              </a:rPr>
-              <a:t>   ~                 Payload + Padding                             ~</a:t>
-            </a:r>
-          </a:p>
-          <a:p>
-            <a:r>
-              <a:rPr lang="en-CA" sz="1000" dirty="0">
-                <a:latin typeface="Courier" pitchFamily="2" charset="0"/>
-              </a:rPr>
-              <a:t>   |                                                               |</a:t>
-            </a:r>
-          </a:p>
-          <a:p>
-            <a:r>
-              <a:rPr lang="en-CA" sz="1000" dirty="0">
-                <a:latin typeface="Courier" pitchFamily="2" charset="0"/>
-              </a:rPr>
-              <a:t>   |                                                               |</a:t>
-            </a:r>
-          </a:p>
-          <a:p>
-            <a:r>
-              <a:rPr lang="en-CA" sz="1000" dirty="0">
-                <a:latin typeface="Courier" pitchFamily="2" charset="0"/>
-              </a:rPr>
-              <a:t>   +-+-+-+-+-+-+-+-+-+-+-+-+-+-+-+-+-+-+-+-+-+-+-+-+-+-+-+-+-+-+-+-+</a:t>
-            </a:r>
-          </a:p>
-          <a:p>
-            <a:r>
-              <a:rPr lang="en-CA" sz="1000" dirty="0">
-                <a:latin typeface="Courier" pitchFamily="2" charset="0"/>
-              </a:rPr>
-              <a:t> </a:t>
-            </a:r>
-          </a:p>
-          <a:p>
-            <a:r>
-              <a:rPr lang="en-CA" sz="1000" dirty="0">
-                <a:latin typeface="Courier" pitchFamily="2" charset="0"/>
-              </a:rPr>
-              <a:t>       Figure: IOAM Encapsulation with Flow Label in MPLS Header</a:t>
-            </a:r>
-            <a:endParaRPr lang="en-CA" sz="1000" dirty="0">
-              <a:latin typeface="Courier" pitchFamily="2" charset="0"/>
-              <a:ea typeface="Calibri" panose="020F0502020204030204" pitchFamily="34" charset="0"/>
-              <a:cs typeface="Times New Roman" panose="02020603050405020304" pitchFamily="18" charset="0"/>
-            </a:endParaRPr>
-          </a:p>
-        </p:txBody>
-      </p:sp>
     </p:spTree>
     <p:extLst>
       <p:ext uri="{BB962C8B-B14F-4D97-AF65-F5344CB8AC3E}">
-        <p14:creationId xmlns:p14="http://schemas.microsoft.com/office/powerpoint/2010/main" val="2927812822"/>
+        <p14:creationId xmlns:p14="http://schemas.microsoft.com/office/powerpoint/2010/main" val="16194378"/>
       </p:ext>
     </p:extLst>
   </p:cSld>
@@ -9915,6 +10789,16 @@
           <a:lstStyle/>
           <a:p>
             <a:r>
+              <a:rPr lang="en-US" sz="3600" dirty="0" err="1">
+                <a:solidFill>
+                  <a:srgbClr val="0070C0"/>
+                </a:solidFill>
+                <a:latin typeface="Calibri Light" panose="020F0302020204030204" pitchFamily="34" charset="0"/>
+                <a:cs typeface="Calibri Light" panose="020F0302020204030204" pitchFamily="34" charset="0"/>
+              </a:rPr>
+              <a:t>HbH</a:t>
+            </a:r>
+            <a:r>
               <a:rPr lang="en-US" sz="3600" dirty="0">
                 <a:solidFill>
                   <a:srgbClr val="0070C0"/>
@@ -9922,7 +10806,7 @@
                 <a:latin typeface="Calibri Light" panose="020F0302020204030204" pitchFamily="34" charset="0"/>
                 <a:cs typeface="Calibri Light" panose="020F0302020204030204" pitchFamily="34" charset="0"/>
               </a:rPr>
-              <a:t>IOAM and Flow Indicator Label</a:t>
+              <a:t> Indicator Label Allocation Methods</a:t>
             </a:r>
           </a:p>
         </p:txBody>
@@ -9939,171 +10823,71 @@
         </p:nvSpPr>
         <p:spPr>
           <a:xfrm>
-            <a:off x="381000" y="819149"/>
-            <a:ext cx="8229600" cy="3864769"/>
+            <a:off x="609600" y="1001685"/>
+            <a:ext cx="7924800" cy="3140129"/>
           </a:xfrm>
         </p:spPr>
         <p:txBody>
           <a:bodyPr/>
           <a:lstStyle/>
           <a:p>
-            <a:pPr>
-              <a:lnSpc>
-                <a:spcPts val="2120"/>
-              </a:lnSpc>
-              <a:spcBef>
-                <a:spcPts val="600"/>
-              </a:spcBef>
-            </a:pPr>
-            <a:r>
-              <a:rPr lang="en-CA" sz="1400" dirty="0"/>
-              <a:t>“IOAM and Flow Indicator Label” is used to indicate the presence of the IOAM data fields with Flow Label in the MPLS header.  </a:t>
-            </a:r>
-          </a:p>
-          <a:p>
-            <a:pPr>
-              <a:lnSpc>
-                <a:spcPts val="2120"/>
-              </a:lnSpc>
-              <a:spcBef>
-                <a:spcPts val="600"/>
-              </a:spcBef>
-            </a:pPr>
-            <a:r>
-              <a:rPr lang="en-CA" sz="1400" dirty="0"/>
-              <a:t>Separate Label values are used for edge-to-edge and hop-by-hop IOAM:</a:t>
-            </a:r>
-          </a:p>
-          <a:p>
-            <a:pPr lvl="1">
-              <a:lnSpc>
-                <a:spcPts val="2120"/>
-              </a:lnSpc>
-              <a:spcBef>
-                <a:spcPts val="600"/>
-              </a:spcBef>
-            </a:pPr>
-            <a:r>
-              <a:rPr lang="en-CA" sz="1400" dirty="0"/>
-              <a:t>Edge-to-edge TBA2</a:t>
-            </a:r>
-          </a:p>
-          <a:p>
-            <a:pPr lvl="1">
-              <a:lnSpc>
-                <a:spcPts val="2120"/>
-              </a:lnSpc>
-              <a:spcBef>
-                <a:spcPts val="600"/>
-              </a:spcBef>
-            </a:pPr>
-            <a:r>
-              <a:rPr lang="en-CA" sz="1400" dirty="0"/>
-              <a:t>Hop-by-hop TBA4</a:t>
-            </a:r>
-          </a:p>
-          <a:p>
-            <a:pPr>
-              <a:lnSpc>
-                <a:spcPts val="2120"/>
-              </a:lnSpc>
-              <a:spcBef>
-                <a:spcPts val="600"/>
-              </a:spcBef>
-            </a:pPr>
-            <a:r>
-              <a:rPr lang="en-CA" sz="1400" b="1" dirty="0"/>
-              <a:t>Protocol</a:t>
-            </a:r>
-            <a:r>
-              <a:rPr lang="en-CA" sz="1400" dirty="0"/>
-              <a:t> value 0010b allows to avoid incorrect IP header based hashing over ECMP paths</a:t>
-            </a:r>
-          </a:p>
-          <a:p>
-            <a:pPr lvl="1">
-              <a:lnSpc>
-                <a:spcPts val="2120"/>
-              </a:lnSpc>
-              <a:spcBef>
-                <a:spcPts val="600"/>
-              </a:spcBef>
-            </a:pPr>
-            <a:r>
-              <a:rPr lang="en-CA" sz="1400" dirty="0"/>
-              <a:t>Using RFC 4928 defined procedure. This is similar to RFC 4385 for Generic PW MPLS Control Word.</a:t>
-            </a:r>
-          </a:p>
-          <a:p>
-            <a:pPr>
-              <a:lnSpc>
-                <a:spcPts val="2120"/>
-              </a:lnSpc>
-              <a:spcBef>
-                <a:spcPts val="600"/>
-              </a:spcBef>
-            </a:pPr>
-            <a:r>
-              <a:rPr lang="en-CA" sz="1400" b="1" dirty="0"/>
-              <a:t>Flow Label</a:t>
-            </a:r>
-            <a:r>
-              <a:rPr lang="en-CA" sz="1400" dirty="0"/>
-              <a:t> identifies the traffic flow that can be used for IOAM purpose.</a:t>
-            </a:r>
-          </a:p>
-          <a:p>
-            <a:pPr>
-              <a:lnSpc>
-                <a:spcPts val="2120"/>
-              </a:lnSpc>
-              <a:spcBef>
-                <a:spcPts val="600"/>
-              </a:spcBef>
-            </a:pPr>
-            <a:r>
-              <a:rPr lang="en-CA" sz="1400" b="1" dirty="0"/>
-              <a:t>Block Number </a:t>
-            </a:r>
-            <a:r>
-              <a:rPr lang="en-CA" sz="1400" dirty="0"/>
-              <a:t>can be used to </a:t>
-            </a:r>
-          </a:p>
-          <a:p>
-            <a:pPr lvl="1">
-              <a:lnSpc>
-                <a:spcPts val="2120"/>
-              </a:lnSpc>
-              <a:spcBef>
-                <a:spcPts val="600"/>
-              </a:spcBef>
-            </a:pPr>
-            <a:r>
-              <a:rPr lang="en-CA" sz="1400" b="1" dirty="0"/>
-              <a:t>Aggregate</a:t>
-            </a:r>
-            <a:r>
-              <a:rPr lang="en-CA" sz="1400" dirty="0"/>
-              <a:t> IOAM data collected in data plane, e.g. compute measurement metrics for each block of a flow</a:t>
-            </a:r>
-          </a:p>
-          <a:p>
-            <a:pPr lvl="1">
-              <a:lnSpc>
-                <a:spcPts val="2120"/>
-              </a:lnSpc>
-              <a:spcBef>
-                <a:spcPts val="600"/>
-              </a:spcBef>
-            </a:pPr>
-            <a:r>
-              <a:rPr lang="en-CA" sz="1400" b="1" dirty="0"/>
-              <a:t>Correlate</a:t>
-            </a:r>
-            <a:r>
-              <a:rPr lang="en-CA" sz="1400" dirty="0"/>
-              <a:t> IOAM data from different nodes</a:t>
+            <a:pPr marL="457200" lvl="0" indent="-457200">
+              <a:buFont typeface="+mj-lt"/>
+              <a:buAutoNum type="arabicPeriod"/>
+            </a:pPr>
+            <a:r>
+              <a:rPr lang="en-CA" sz="2000" dirty="0"/>
+              <a:t>Label assigned by IANA with values TBA3 and TBA4</a:t>
+            </a:r>
+          </a:p>
+          <a:p>
+            <a:pPr lvl="1" indent="-342900">
+              <a:buFont typeface="Wingdings" pitchFamily="2" charset="2"/>
+              <a:buChar char="§"/>
+            </a:pPr>
+            <a:r>
+              <a:rPr lang="en-CA" sz="2000" dirty="0"/>
+              <a:t>From Extended Special Purpose Labels (</a:t>
+            </a:r>
+            <a:r>
+              <a:rPr lang="en-CA" sz="2000" dirty="0" err="1"/>
+              <a:t>eSPL</a:t>
+            </a:r>
+            <a:r>
+              <a:rPr lang="en-CA" sz="2000" dirty="0"/>
+              <a:t>) range</a:t>
+            </a:r>
+          </a:p>
+          <a:p>
+            <a:pPr marL="457200" lvl="0" indent="-457200">
+              <a:buFont typeface="+mj-lt"/>
+              <a:buAutoNum type="arabicPeriod"/>
+            </a:pPr>
+            <a:r>
+              <a:rPr lang="en-CA" sz="2000" dirty="0"/>
+              <a:t>Global Label allocated by a controller</a:t>
+            </a:r>
+          </a:p>
+          <a:p>
+            <a:pPr lvl="1" indent="-342900">
+              <a:buFont typeface="Wingdings" pitchFamily="2" charset="2"/>
+              <a:buChar char="§"/>
+            </a:pPr>
+            <a:r>
+              <a:rPr lang="en-CA" sz="2000" dirty="0"/>
+              <a:t>The controller provisions the label on encapsulating, </a:t>
+            </a:r>
+            <a:r>
+              <a:rPr lang="en-CA" sz="2000" dirty="0">
+                <a:solidFill>
+                  <a:srgbClr val="0070C0"/>
+                </a:solidFill>
+              </a:rPr>
+              <a:t>transit </a:t>
+            </a:r>
+            <a:r>
+              <a:rPr lang="en-CA" sz="2000" dirty="0"/>
+              <a:t>and decapsulating nodes</a:t>
             </a:r>
           </a:p>
         </p:txBody>
@@ -10175,7 +10959,7 @@
     </p:spTree>
     <p:extLst>
       <p:ext uri="{BB962C8B-B14F-4D97-AF65-F5344CB8AC3E}">
-        <p14:creationId xmlns:p14="http://schemas.microsoft.com/office/powerpoint/2010/main" val="2237599152"/>
+        <p14:creationId xmlns:p14="http://schemas.microsoft.com/office/powerpoint/2010/main" val="74835941"/>
       </p:ext>
     </p:extLst>
   </p:cSld>

--- a/draft-gandhi-mpls-ioam-sr-03.pptx
+++ b/draft-gandhi-mpls-ioam-sr-03.pptx
@@ -6767,20 +6767,6 @@
             <a:r>
               <a:rPr lang="en-US" sz="2400" dirty="0"/>
               <a:t>Requesting MPLS WG adoption</a:t>
-            </a:r>
-          </a:p>
-          <a:p>
-            <a:pPr>
-              <a:lnSpc>
-                <a:spcPts val="2500"/>
-              </a:lnSpc>
-              <a:spcBef>
-                <a:spcPts val="600"/>
-              </a:spcBef>
-            </a:pPr>
-            <a:r>
-              <a:rPr lang="en-US" sz="2400" dirty="0"/>
-              <a:t>Keep SPRING WG in the loop for SR aspects</a:t>
             </a:r>
           </a:p>
           <a:p>

--- a/draft-gandhi-mpls-ioam-sr-03.pptx
+++ b/draft-gandhi-mpls-ioam-sr-03.pptx
@@ -262,7 +262,7 @@
           <a:p>
             <a:fld id="{E8FA3DB5-7722-3F4F-947D-12B203669AD7}" type="datetimeFigureOut">
               <a:rPr lang="en-US" smtClean="0"/>
-              <a:t>11/9/20</a:t>
+              <a:t>11/11/20</a:t>
             </a:fld>
             <a:endParaRPr lang="en-US"/>
           </a:p>
@@ -7757,7 +7757,7 @@
           <a:p>
             <a:pPr>
               <a:lnSpc>
-                <a:spcPts val="2120"/>
+                <a:spcPts val="2020"/>
               </a:lnSpc>
               <a:spcBef>
                 <a:spcPts val="600"/>
@@ -7771,7 +7771,7 @@
           <a:p>
             <a:pPr>
               <a:lnSpc>
-                <a:spcPts val="2120"/>
+                <a:spcPts val="2020"/>
               </a:lnSpc>
               <a:spcBef>
                 <a:spcPts val="600"/>
@@ -7785,7 +7785,7 @@
           <a:p>
             <a:pPr lvl="1">
               <a:lnSpc>
-                <a:spcPts val="2120"/>
+                <a:spcPts val="2020"/>
               </a:lnSpc>
               <a:spcBef>
                 <a:spcPts val="600"/>
@@ -7799,7 +7799,7 @@
           <a:p>
             <a:pPr lvl="1">
               <a:lnSpc>
-                <a:spcPts val="2120"/>
+                <a:spcPts val="2020"/>
               </a:lnSpc>
               <a:spcBef>
                 <a:spcPts val="600"/>
@@ -7813,7 +7813,7 @@
           <a:p>
             <a:pPr>
               <a:lnSpc>
-                <a:spcPts val="2120"/>
+                <a:spcPts val="2020"/>
               </a:lnSpc>
               <a:spcBef>
                 <a:spcPts val="600"/>
@@ -7831,7 +7831,7 @@
           <a:p>
             <a:pPr lvl="1">
               <a:lnSpc>
-                <a:spcPts val="2120"/>
+                <a:spcPts val="2020"/>
               </a:lnSpc>
               <a:spcBef>
                 <a:spcPts val="600"/>
@@ -7845,7 +7845,7 @@
           <a:p>
             <a:pPr>
               <a:lnSpc>
-                <a:spcPts val="2120"/>
+                <a:spcPts val="2020"/>
               </a:lnSpc>
               <a:spcBef>
                 <a:spcPts val="600"/>
@@ -7863,7 +7863,7 @@
           <a:p>
             <a:pPr>
               <a:lnSpc>
-                <a:spcPts val="2120"/>
+                <a:spcPts val="2020"/>
               </a:lnSpc>
               <a:spcBef>
                 <a:spcPts val="600"/>
@@ -7881,7 +7881,7 @@
           <a:p>
             <a:pPr lvl="1">
               <a:lnSpc>
-                <a:spcPts val="2120"/>
+                <a:spcPts val="2020"/>
               </a:lnSpc>
               <a:spcBef>
                 <a:spcPts val="600"/>
@@ -7899,7 +7899,7 @@
           <a:p>
             <a:pPr lvl="1">
               <a:lnSpc>
-                <a:spcPts val="2120"/>
+                <a:spcPts val="2020"/>
               </a:lnSpc>
               <a:spcBef>
                 <a:spcPts val="600"/>
@@ -9586,7 +9586,7 @@
             </a:pPr>
             <a:r>
               <a:rPr lang="en-US" sz="2000" dirty="0"/>
-              <a:t>Need for different </a:t>
+              <a:t>Why different </a:t>
             </a:r>
             <a:r>
               <a:rPr lang="en-US" sz="2000" dirty="0" err="1"/>
@@ -9594,7 +9594,7 @@
             </a:r>
             <a:r>
               <a:rPr lang="en-US" sz="2000" dirty="0"/>
-              <a:t> and E2E Indicator Labels</a:t>
+              <a:t> and E2E Indicator Labels – Optimize processing on transit nodes</a:t>
             </a:r>
           </a:p>
           <a:p>

--- a/draft-gandhi-mpls-ioam-sr-03.pptx
+++ b/draft-gandhi-mpls-ioam-sr-03.pptx
@@ -20,15 +20,15 @@
     <p:sldId id="1655" r:id="rId8"/>
     <p:sldId id="1662" r:id="rId9"/>
     <p:sldId id="320" r:id="rId10"/>
-    <p:sldId id="1667" r:id="rId11"/>
-    <p:sldId id="1666" r:id="rId12"/>
-    <p:sldId id="1661" r:id="rId13"/>
-    <p:sldId id="303" r:id="rId14"/>
-    <p:sldId id="1670" r:id="rId15"/>
-    <p:sldId id="1659" r:id="rId16"/>
-    <p:sldId id="1658" r:id="rId17"/>
-    <p:sldId id="1664" r:id="rId18"/>
-    <p:sldId id="1663" r:id="rId19"/>
+    <p:sldId id="1661" r:id="rId11"/>
+    <p:sldId id="303" r:id="rId12"/>
+    <p:sldId id="1670" r:id="rId13"/>
+    <p:sldId id="1659" r:id="rId14"/>
+    <p:sldId id="1658" r:id="rId15"/>
+    <p:sldId id="1664" r:id="rId16"/>
+    <p:sldId id="1663" r:id="rId17"/>
+    <p:sldId id="1667" r:id="rId18"/>
+    <p:sldId id="1666" r:id="rId19"/>
     <p:sldId id="1669" r:id="rId20"/>
   </p:sldIdLst>
   <p:sldSz cx="9144000" cy="5143500" type="screen16x9"/>
@@ -262,7 +262,7 @@
           <a:p>
             <a:fld id="{E8FA3DB5-7722-3F4F-947D-12B203669AD7}" type="datetimeFigureOut">
               <a:rPr lang="en-US" smtClean="0"/>
-              <a:t>11/11/20</a:t>
+              <a:t>11/15/20</a:t>
             </a:fld>
             <a:endParaRPr lang="en-US"/>
           </a:p>
@@ -950,7 +950,7 @@
               <a:pPr>
                 <a:defRPr/>
               </a:pPr>
-              <a:t>14</a:t>
+              <a:t>12</a:t>
             </a:fld>
             <a:endParaRPr lang="en-US" altLang="zh-CN"/>
           </a:p>
@@ -1040,7 +1040,7 @@
               <a:pPr>
                 <a:defRPr/>
               </a:pPr>
-              <a:t>15</a:t>
+              <a:t>13</a:t>
             </a:fld>
             <a:endParaRPr lang="en-US" altLang="zh-CN"/>
           </a:p>
@@ -1130,7 +1130,7 @@
               <a:pPr>
                 <a:defRPr/>
               </a:pPr>
-              <a:t>16</a:t>
+              <a:t>14</a:t>
             </a:fld>
             <a:endParaRPr lang="en-US" altLang="zh-CN"/>
           </a:p>
@@ -1220,7 +1220,7 @@
               <a:pPr>
                 <a:defRPr/>
               </a:pPr>
-              <a:t>17</a:t>
+              <a:t>15</a:t>
             </a:fld>
             <a:endParaRPr lang="en-US" altLang="zh-CN"/>
           </a:p>
@@ -1310,7 +1310,7 @@
               <a:pPr>
                 <a:defRPr/>
               </a:pPr>
-              <a:t>18</a:t>
+              <a:t>16</a:t>
             </a:fld>
             <a:endParaRPr lang="en-US" altLang="zh-CN"/>
           </a:p>
@@ -2030,7 +2030,7 @@
               <a:pPr>
                 <a:defRPr/>
               </a:pPr>
-              <a:t>12</a:t>
+              <a:t>10</a:t>
             </a:fld>
             <a:endParaRPr lang="en-US" altLang="zh-CN"/>
           </a:p>
@@ -2120,7 +2120,7 @@
               <a:pPr>
                 <a:defRPr/>
               </a:pPr>
-              <a:t>13</a:t>
+              <a:t>11</a:t>
             </a:fld>
             <a:endParaRPr lang="en-US" altLang="zh-CN"/>
           </a:p>
@@ -5802,906 +5802,6 @@
       </p:grpSpPr>
       <p:sp>
         <p:nvSpPr>
-          <p:cNvPr id="2" name="Title 1">
-            <a:extLst>
-              <a:ext uri="{FF2B5EF4-FFF2-40B4-BE49-F238E27FC236}">
-                <a16:creationId xmlns:a16="http://schemas.microsoft.com/office/drawing/2014/main" id="{590D0125-5A9E-9D48-9391-85FBD0E608A2}"/>
-              </a:ext>
-            </a:extLst>
-          </p:cNvPr>
-          <p:cNvSpPr>
-            <a:spLocks noGrp="1"/>
-          </p:cNvSpPr>
-          <p:nvPr>
-            <p:ph type="title"/>
-          </p:nvPr>
-        </p:nvSpPr>
-        <p:spPr>
-          <a:xfrm>
-            <a:off x="1066800" y="-17621"/>
-            <a:ext cx="8077200" cy="599270"/>
-          </a:xfrm>
-        </p:spPr>
-        <p:txBody>
-          <a:bodyPr/>
-          <a:lstStyle/>
-          <a:p>
-            <a:pPr algn="l"/>
-            <a:r>
-              <a:rPr lang="en-CA" sz="2700" dirty="0">
-                <a:solidFill>
-                  <a:srgbClr val="0070C0"/>
-                </a:solidFill>
-                <a:latin typeface="Calibri Light" panose="020F0302020204030204" pitchFamily="34" charset="0"/>
-                <a:cs typeface="Calibri Light" panose="020F0302020204030204" pitchFamily="34" charset="0"/>
-              </a:rPr>
-              <a:t>IOAM Encapsulation Example with SR-MPLS Header</a:t>
-            </a:r>
-            <a:endParaRPr lang="en-US" sz="2700" dirty="0">
-              <a:solidFill>
-                <a:srgbClr val="0070C0"/>
-              </a:solidFill>
-              <a:latin typeface="Calibri Light" panose="020F0302020204030204" pitchFamily="34" charset="0"/>
-              <a:cs typeface="Calibri Light" panose="020F0302020204030204" pitchFamily="34" charset="0"/>
-            </a:endParaRPr>
-          </a:p>
-        </p:txBody>
-      </p:sp>
-      <p:sp>
-        <p:nvSpPr>
-          <p:cNvPr id="4" name="Footer Placeholder 3">
-            <a:extLst>
-              <a:ext uri="{FF2B5EF4-FFF2-40B4-BE49-F238E27FC236}">
-                <a16:creationId xmlns:a16="http://schemas.microsoft.com/office/drawing/2014/main" id="{87713FCD-3B47-804D-B373-DAB61FB5FF59}"/>
-              </a:ext>
-            </a:extLst>
-          </p:cNvPr>
-          <p:cNvSpPr>
-            <a:spLocks noGrp="1"/>
-          </p:cNvSpPr>
-          <p:nvPr>
-            <p:ph type="ftr" sz="quarter" idx="11"/>
-          </p:nvPr>
-        </p:nvSpPr>
-        <p:spPr>
-          <a:xfrm>
-            <a:off x="3124200" y="4786312"/>
-            <a:ext cx="2895600" cy="357188"/>
-          </a:xfrm>
-        </p:spPr>
-        <p:txBody>
-          <a:bodyPr/>
-          <a:lstStyle/>
-          <a:p>
-            <a:r>
-              <a:rPr lang="en-CA" dirty="0"/>
-              <a:t>109</a:t>
-            </a:r>
-            <a:r>
-              <a:rPr lang="en-CA" baseline="30000" dirty="0"/>
-              <a:t>th</a:t>
-            </a:r>
-            <a:r>
-              <a:rPr lang="en-CA" dirty="0"/>
-              <a:t> IETF Online</a:t>
-            </a:r>
-          </a:p>
-        </p:txBody>
-      </p:sp>
-      <p:sp>
-        <p:nvSpPr>
-          <p:cNvPr id="5" name="Slide Number Placeholder 4">
-            <a:extLst>
-              <a:ext uri="{FF2B5EF4-FFF2-40B4-BE49-F238E27FC236}">
-                <a16:creationId xmlns:a16="http://schemas.microsoft.com/office/drawing/2014/main" id="{1371408B-9195-EC4D-8131-A3F5CC0592D0}"/>
-              </a:ext>
-            </a:extLst>
-          </p:cNvPr>
-          <p:cNvSpPr>
-            <a:spLocks noGrp="1"/>
-          </p:cNvSpPr>
-          <p:nvPr>
-            <p:ph type="sldNum" sz="quarter" idx="12"/>
-          </p:nvPr>
-        </p:nvSpPr>
-        <p:spPr/>
-        <p:txBody>
-          <a:bodyPr/>
-          <a:lstStyle/>
-          <a:p>
-            <a:pPr>
-              <a:defRPr/>
-            </a:pPr>
-            <a:fld id="{BD6E0F59-1DD8-40FC-9C92-B6295CBA6CCA}" type="slidenum">
-              <a:rPr lang="en-US" altLang="zh-CN" smtClean="0"/>
-              <a:pPr>
-                <a:defRPr/>
-              </a:pPr>
-              <a:t>10</a:t>
-            </a:fld>
-            <a:endParaRPr lang="en-US" altLang="zh-CN" dirty="0"/>
-          </a:p>
-        </p:txBody>
-      </p:sp>
-      <p:sp>
-        <p:nvSpPr>
-          <p:cNvPr id="6" name="Rectangle 5">
-            <a:extLst>
-              <a:ext uri="{FF2B5EF4-FFF2-40B4-BE49-F238E27FC236}">
-                <a16:creationId xmlns:a16="http://schemas.microsoft.com/office/drawing/2014/main" id="{1EED4007-3A19-0E4E-8496-6CECEEA363EB}"/>
-              </a:ext>
-            </a:extLst>
-          </p:cNvPr>
-          <p:cNvSpPr/>
-          <p:nvPr/>
-        </p:nvSpPr>
-        <p:spPr>
-          <a:xfrm>
-            <a:off x="1943100" y="627191"/>
-            <a:ext cx="5257800" cy="4108817"/>
-          </a:xfrm>
-          <a:prstGeom prst="rect">
-            <a:avLst/>
-          </a:prstGeom>
-          <a:solidFill>
-            <a:schemeClr val="accent6">
-              <a:lumMod val="20000"/>
-              <a:lumOff val="80000"/>
-            </a:schemeClr>
-          </a:solidFill>
-        </p:spPr>
-        <p:txBody>
-          <a:bodyPr wrap="square">
-            <a:spAutoFit/>
-          </a:bodyPr>
-          <a:lstStyle/>
-          <a:p>
-            <a:r>
-              <a:rPr lang="en-CA" sz="900" dirty="0">
-                <a:latin typeface="Courier" pitchFamily="2" charset="0"/>
-              </a:rPr>
-              <a:t>    0                   1                   2                   3</a:t>
-            </a:r>
-          </a:p>
-          <a:p>
-            <a:r>
-              <a:rPr lang="en-CA" sz="900" dirty="0">
-                <a:latin typeface="Courier" pitchFamily="2" charset="0"/>
-              </a:rPr>
-              <a:t>    0 1 2 3 4 5 6 7 8 9 0 1 2 3 4 5 6 7 8 9 0 1 2 3 4 5 6 7 8 9 0 1</a:t>
-            </a:r>
-          </a:p>
-          <a:p>
-            <a:r>
-              <a:rPr lang="en-CA" sz="900" dirty="0">
-                <a:latin typeface="Courier" pitchFamily="2" charset="0"/>
-              </a:rPr>
-              <a:t>   +-+-+-+-+-+-+-+-+-+-+-+-+-+-+-+-+-+-+-+-+-+-+-+-+-+-+-+-+-+-+-+-+</a:t>
-            </a:r>
-          </a:p>
-          <a:p>
-            <a:r>
-              <a:rPr lang="en-CA" sz="900" dirty="0">
-                <a:latin typeface="Courier" pitchFamily="2" charset="0"/>
-              </a:rPr>
-              <a:t>   |                Label(1)               | TC  |S|      TTL      |</a:t>
-            </a:r>
-          </a:p>
-          <a:p>
-            <a:r>
-              <a:rPr lang="en-CA" sz="900" dirty="0">
-                <a:latin typeface="Courier" pitchFamily="2" charset="0"/>
-              </a:rPr>
-              <a:t>   +-+-+-+-+-+-+-+-+-+-+-+-+-+-+-+-+-+-+-+-+-+-+-+-+-+-+-+-+-+-+-+-+</a:t>
-            </a:r>
-          </a:p>
-          <a:p>
-            <a:r>
-              <a:rPr lang="en-CA" sz="900" dirty="0">
-                <a:latin typeface="Courier" pitchFamily="2" charset="0"/>
-              </a:rPr>
-              <a:t>   .                                                               .</a:t>
-            </a:r>
-          </a:p>
-          <a:p>
-            <a:r>
-              <a:rPr lang="en-CA" sz="900" dirty="0">
-                <a:latin typeface="Courier" pitchFamily="2" charset="0"/>
-              </a:rPr>
-              <a:t>   .                                                               .</a:t>
-            </a:r>
-          </a:p>
-          <a:p>
-            <a:r>
-              <a:rPr lang="en-CA" sz="900" dirty="0">
-                <a:latin typeface="Courier" pitchFamily="2" charset="0"/>
-              </a:rPr>
-              <a:t>   .                                                               .</a:t>
-            </a:r>
-          </a:p>
-          <a:p>
-            <a:r>
-              <a:rPr lang="en-CA" sz="900" dirty="0">
-                <a:latin typeface="Courier" pitchFamily="2" charset="0"/>
-              </a:rPr>
-              <a:t>   +-+-+-+-+-+-+-+-+-+-+-+-+-+-+-+-+-+-+-+-+-+-+-+-+-+-+-+-+-+-+-+-+</a:t>
-            </a:r>
-          </a:p>
-          <a:p>
-            <a:r>
-              <a:rPr lang="en-CA" sz="900" dirty="0">
-                <a:latin typeface="Courier" pitchFamily="2" charset="0"/>
-              </a:rPr>
-              <a:t>   |                Label(n)               | TC  |S|      TTL      |</a:t>
-            </a:r>
-          </a:p>
-          <a:p>
-            <a:r>
-              <a:rPr lang="en-CA" sz="900" dirty="0">
-                <a:latin typeface="Courier" pitchFamily="2" charset="0"/>
-              </a:rPr>
-              <a:t>   +-+-+-+-+-+-+-+-+-+-+-+-+-+-+-+-+-+-+-+-+-+-+-+-+-+-+-+-+-+-+-+-+</a:t>
-            </a:r>
-          </a:p>
-          <a:p>
-            <a:r>
-              <a:rPr lang="en-CA" sz="900" dirty="0">
-                <a:latin typeface="Courier" pitchFamily="2" charset="0"/>
-              </a:rPr>
-              <a:t>   |                PSID                   | TC  |S|      TTL      | </a:t>
-            </a:r>
-          </a:p>
-          <a:p>
-            <a:r>
-              <a:rPr lang="en-CA" sz="900" dirty="0">
-                <a:latin typeface="Courier" pitchFamily="2" charset="0"/>
-              </a:rPr>
-              <a:t>   +-+-+-+-+-+-+-+-+-+-+-+-+-+-+-+-+-+-+-+-+-+-+-+-+-+-+-+-+-+-+-+-+</a:t>
-            </a:r>
-          </a:p>
-          <a:p>
-            <a:r>
-              <a:rPr lang="en-CA" sz="900" dirty="0">
-                <a:latin typeface="Courier" pitchFamily="2" charset="0"/>
-              </a:rPr>
-              <a:t>   |  </a:t>
-            </a:r>
-            <a:r>
-              <a:rPr lang="en-CA" sz="900" b="1" dirty="0">
-                <a:latin typeface="Courier" pitchFamily="2" charset="0"/>
-              </a:rPr>
-              <a:t>IOAM Indicator Label                 </a:t>
-            </a:r>
-            <a:r>
-              <a:rPr lang="en-CA" sz="900" dirty="0">
-                <a:latin typeface="Courier" pitchFamily="2" charset="0"/>
-              </a:rPr>
-              <a:t>| TC  |1|  TTL          |</a:t>
-            </a:r>
-          </a:p>
-          <a:p>
-            <a:r>
-              <a:rPr lang="en-CA" sz="900" dirty="0">
-                <a:latin typeface="Courier" pitchFamily="2" charset="0"/>
-              </a:rPr>
-              <a:t>   +-+-+-+-+-+-+-+-+-+-+-+-+-+-+-+-+-+-+-+-+-+-+-+-+-+-+-+-+-+-+-+-+&lt;-+ </a:t>
-            </a:r>
-          </a:p>
-          <a:p>
-            <a:r>
-              <a:rPr lang="en-CA" sz="900" dirty="0">
-                <a:latin typeface="Courier" pitchFamily="2" charset="0"/>
-              </a:rPr>
-              <a:t>   |  IOAM-Type    | IOAM HDR LEN  |    RESERVED                   |  |</a:t>
-            </a:r>
-          </a:p>
-          <a:p>
-            <a:r>
-              <a:rPr lang="en-CA" sz="900" dirty="0">
-                <a:latin typeface="Courier" pitchFamily="2" charset="0"/>
-              </a:rPr>
-              <a:t>   +-+-+-+-+-+-+-+-+-+-+-+-+-+-+-+-+-+-+-+-+-+-+-+-+-+-+-+-+-+-+-+-+  I</a:t>
-            </a:r>
-          </a:p>
-          <a:p>
-            <a:r>
-              <a:rPr lang="en-CA" sz="900" dirty="0">
-                <a:latin typeface="Courier" pitchFamily="2" charset="0"/>
-              </a:rPr>
-              <a:t>   |                                                               |  O</a:t>
-            </a:r>
-          </a:p>
-          <a:p>
-            <a:r>
-              <a:rPr lang="en-CA" sz="900" dirty="0">
-                <a:latin typeface="Courier" pitchFamily="2" charset="0"/>
-              </a:rPr>
-              <a:t>   |                                                               |  A</a:t>
-            </a:r>
-          </a:p>
-          <a:p>
-            <a:r>
-              <a:rPr lang="en-CA" sz="900" dirty="0">
-                <a:latin typeface="Courier" pitchFamily="2" charset="0"/>
-              </a:rPr>
-              <a:t>   ~                 IOAM Option and Data Space                    ~  M</a:t>
-            </a:r>
-          </a:p>
-          <a:p>
-            <a:r>
-              <a:rPr lang="en-CA" sz="900" dirty="0">
-                <a:latin typeface="Courier" pitchFamily="2" charset="0"/>
-              </a:rPr>
-              <a:t>   |                                                               |  |</a:t>
-            </a:r>
-          </a:p>
-          <a:p>
-            <a:r>
-              <a:rPr lang="en-CA" sz="900" dirty="0">
-                <a:latin typeface="Courier" pitchFamily="2" charset="0"/>
-              </a:rPr>
-              <a:t>   |                                                               |  |</a:t>
-            </a:r>
-          </a:p>
-          <a:p>
-            <a:r>
-              <a:rPr lang="en-CA" sz="900" dirty="0">
-                <a:latin typeface="Courier" pitchFamily="2" charset="0"/>
-              </a:rPr>
-              <a:t>   +-+-+-+-+-+-+-+-+-+-+-+-+-+-+-+-+-+-+-+-+-+-+-+-+-+-+-+-+-+-+-+-+&lt;-+</a:t>
-            </a:r>
-          </a:p>
-          <a:p>
-            <a:r>
-              <a:rPr lang="en-CA" sz="900" dirty="0">
-                <a:latin typeface="Courier" pitchFamily="2" charset="0"/>
-              </a:rPr>
-              <a:t>   |                                                               |</a:t>
-            </a:r>
-          </a:p>
-          <a:p>
-            <a:r>
-              <a:rPr lang="en-CA" sz="900" dirty="0">
-                <a:latin typeface="Courier" pitchFamily="2" charset="0"/>
-              </a:rPr>
-              <a:t>   ~                 Payload + Padding                             ~</a:t>
-            </a:r>
-          </a:p>
-          <a:p>
-            <a:r>
-              <a:rPr lang="en-CA" sz="900" dirty="0">
-                <a:latin typeface="Courier" pitchFamily="2" charset="0"/>
-              </a:rPr>
-              <a:t>   |                                                               |</a:t>
-            </a:r>
-          </a:p>
-          <a:p>
-            <a:r>
-              <a:rPr lang="en-CA" sz="900" dirty="0">
-                <a:latin typeface="Courier" pitchFamily="2" charset="0"/>
-              </a:rPr>
-              <a:t>   +-+-+-+-+-+-+-+-+-+-+-+-+-+-+-+-+-+-+-+-+-+-+-+-+-+-+-+-+-+-+-+-+</a:t>
-            </a:r>
-          </a:p>
-          <a:p>
-            <a:r>
-              <a:rPr lang="en-CA" sz="900" dirty="0">
-                <a:latin typeface="Courier" pitchFamily="2" charset="0"/>
-              </a:rPr>
-              <a:t> </a:t>
-            </a:r>
-          </a:p>
-          <a:p>
-            <a:r>
-              <a:rPr lang="en-CA" sz="900" dirty="0">
-                <a:latin typeface="Courier" pitchFamily="2" charset="0"/>
-              </a:rPr>
-              <a:t>         Figure: IOAM Encapsulation Example with SR-MPLS Header</a:t>
-            </a:r>
-            <a:endParaRPr lang="en-CA" sz="900" dirty="0">
-              <a:latin typeface="Courier" pitchFamily="2" charset="0"/>
-              <a:ea typeface="Calibri" panose="020F0502020204030204" pitchFamily="34" charset="0"/>
-              <a:cs typeface="Times New Roman" panose="02020603050405020304" pitchFamily="18" charset="0"/>
-            </a:endParaRPr>
-          </a:p>
-        </p:txBody>
-      </p:sp>
-    </p:spTree>
-    <p:extLst>
-      <p:ext uri="{BB962C8B-B14F-4D97-AF65-F5344CB8AC3E}">
-        <p14:creationId xmlns:p14="http://schemas.microsoft.com/office/powerpoint/2010/main" val="1689742401"/>
-      </p:ext>
-    </p:extLst>
-  </p:cSld>
-  <p:clrMapOvr>
-    <a:masterClrMapping/>
-  </p:clrMapOvr>
-</p:sld>
-</file>
-
-<file path=ppt/slides/slide11.xml><?xml version="1.0" encoding="utf-8"?>
-<p:sld xmlns:a="http://schemas.openxmlformats.org/drawingml/2006/main" xmlns:r="http://schemas.openxmlformats.org/officeDocument/2006/relationships" xmlns:p="http://schemas.openxmlformats.org/presentationml/2006/main">
-  <p:cSld>
-    <p:spTree>
-      <p:nvGrpSpPr>
-        <p:cNvPr id="1" name=""/>
-        <p:cNvGrpSpPr/>
-        <p:nvPr/>
-      </p:nvGrpSpPr>
-      <p:grpSpPr>
-        <a:xfrm>
-          <a:off x="0" y="0"/>
-          <a:ext cx="0" cy="0"/>
-          <a:chOff x="0" y="0"/>
-          <a:chExt cx="0" cy="0"/>
-        </a:xfrm>
-      </p:grpSpPr>
-      <p:sp>
-        <p:nvSpPr>
-          <p:cNvPr id="2" name="Title 1">
-            <a:extLst>
-              <a:ext uri="{FF2B5EF4-FFF2-40B4-BE49-F238E27FC236}">
-                <a16:creationId xmlns:a16="http://schemas.microsoft.com/office/drawing/2014/main" id="{590D0125-5A9E-9D48-9391-85FBD0E608A2}"/>
-              </a:ext>
-            </a:extLst>
-          </p:cNvPr>
-          <p:cNvSpPr>
-            <a:spLocks noGrp="1"/>
-          </p:cNvSpPr>
-          <p:nvPr>
-            <p:ph type="title"/>
-          </p:nvPr>
-        </p:nvSpPr>
-        <p:spPr>
-          <a:xfrm>
-            <a:off x="228600" y="-17621"/>
-            <a:ext cx="8915400" cy="599270"/>
-          </a:xfrm>
-        </p:spPr>
-        <p:txBody>
-          <a:bodyPr/>
-          <a:lstStyle/>
-          <a:p>
-            <a:pPr algn="l"/>
-            <a:r>
-              <a:rPr lang="en-CA" sz="2500" dirty="0">
-                <a:solidFill>
-                  <a:srgbClr val="0070C0"/>
-                </a:solidFill>
-                <a:latin typeface="Calibri Light" panose="020F0302020204030204" pitchFamily="34" charset="0"/>
-                <a:cs typeface="Calibri Light" panose="020F0302020204030204" pitchFamily="34" charset="0"/>
-              </a:rPr>
-              <a:t>IOAM Encapsulation with Flow Label Example with SR-MPLS Header</a:t>
-            </a:r>
-            <a:endParaRPr lang="en-US" sz="2500" dirty="0">
-              <a:solidFill>
-                <a:srgbClr val="0070C0"/>
-              </a:solidFill>
-              <a:latin typeface="Calibri Light" panose="020F0302020204030204" pitchFamily="34" charset="0"/>
-              <a:cs typeface="Calibri Light" panose="020F0302020204030204" pitchFamily="34" charset="0"/>
-            </a:endParaRPr>
-          </a:p>
-        </p:txBody>
-      </p:sp>
-      <p:sp>
-        <p:nvSpPr>
-          <p:cNvPr id="4" name="Footer Placeholder 3">
-            <a:extLst>
-              <a:ext uri="{FF2B5EF4-FFF2-40B4-BE49-F238E27FC236}">
-                <a16:creationId xmlns:a16="http://schemas.microsoft.com/office/drawing/2014/main" id="{87713FCD-3B47-804D-B373-DAB61FB5FF59}"/>
-              </a:ext>
-            </a:extLst>
-          </p:cNvPr>
-          <p:cNvSpPr>
-            <a:spLocks noGrp="1"/>
-          </p:cNvSpPr>
-          <p:nvPr>
-            <p:ph type="ftr" sz="quarter" idx="11"/>
-          </p:nvPr>
-        </p:nvSpPr>
-        <p:spPr>
-          <a:xfrm>
-            <a:off x="3124200" y="4862513"/>
-            <a:ext cx="2895600" cy="357188"/>
-          </a:xfrm>
-        </p:spPr>
-        <p:txBody>
-          <a:bodyPr/>
-          <a:lstStyle/>
-          <a:p>
-            <a:r>
-              <a:rPr lang="en-CA" dirty="0"/>
-              <a:t>109</a:t>
-            </a:r>
-            <a:r>
-              <a:rPr lang="en-CA" baseline="30000" dirty="0"/>
-              <a:t>th</a:t>
-            </a:r>
-            <a:r>
-              <a:rPr lang="en-CA" dirty="0"/>
-              <a:t> IETF Online</a:t>
-            </a:r>
-          </a:p>
-        </p:txBody>
-      </p:sp>
-      <p:sp>
-        <p:nvSpPr>
-          <p:cNvPr id="5" name="Slide Number Placeholder 4">
-            <a:extLst>
-              <a:ext uri="{FF2B5EF4-FFF2-40B4-BE49-F238E27FC236}">
-                <a16:creationId xmlns:a16="http://schemas.microsoft.com/office/drawing/2014/main" id="{1371408B-9195-EC4D-8131-A3F5CC0592D0}"/>
-              </a:ext>
-            </a:extLst>
-          </p:cNvPr>
-          <p:cNvSpPr>
-            <a:spLocks noGrp="1"/>
-          </p:cNvSpPr>
-          <p:nvPr>
-            <p:ph type="sldNum" sz="quarter" idx="12"/>
-          </p:nvPr>
-        </p:nvSpPr>
-        <p:spPr/>
-        <p:txBody>
-          <a:bodyPr/>
-          <a:lstStyle/>
-          <a:p>
-            <a:pPr>
-              <a:defRPr/>
-            </a:pPr>
-            <a:fld id="{BD6E0F59-1DD8-40FC-9C92-B6295CBA6CCA}" type="slidenum">
-              <a:rPr lang="en-US" altLang="zh-CN" smtClean="0"/>
-              <a:pPr>
-                <a:defRPr/>
-              </a:pPr>
-              <a:t>11</a:t>
-            </a:fld>
-            <a:endParaRPr lang="en-US" altLang="zh-CN"/>
-          </a:p>
-        </p:txBody>
-      </p:sp>
-      <p:sp>
-        <p:nvSpPr>
-          <p:cNvPr id="6" name="Rectangle 5">
-            <a:extLst>
-              <a:ext uri="{FF2B5EF4-FFF2-40B4-BE49-F238E27FC236}">
-                <a16:creationId xmlns:a16="http://schemas.microsoft.com/office/drawing/2014/main" id="{1EED4007-3A19-0E4E-8496-6CECEEA363EB}"/>
-              </a:ext>
-            </a:extLst>
-          </p:cNvPr>
-          <p:cNvSpPr/>
-          <p:nvPr/>
-        </p:nvSpPr>
-        <p:spPr>
-          <a:xfrm>
-            <a:off x="2076450" y="485208"/>
-            <a:ext cx="5219700" cy="4392784"/>
-          </a:xfrm>
-          <a:prstGeom prst="rect">
-            <a:avLst/>
-          </a:prstGeom>
-          <a:solidFill>
-            <a:schemeClr val="accent6">
-              <a:lumMod val="20000"/>
-              <a:lumOff val="80000"/>
-            </a:schemeClr>
-          </a:solidFill>
-        </p:spPr>
-        <p:txBody>
-          <a:bodyPr wrap="square">
-            <a:spAutoFit/>
-          </a:bodyPr>
-          <a:lstStyle/>
-          <a:p>
-            <a:r>
-              <a:rPr lang="en-CA" sz="900" dirty="0">
-                <a:latin typeface="Courier" pitchFamily="2" charset="0"/>
-              </a:rPr>
-              <a:t>    0                   1                   2                   3</a:t>
-            </a:r>
-          </a:p>
-          <a:p>
-            <a:r>
-              <a:rPr lang="en-CA" sz="900" dirty="0">
-                <a:latin typeface="Courier" pitchFamily="2" charset="0"/>
-              </a:rPr>
-              <a:t>    0 1 2 3 4 5 6 7 8 9 0 1 2 3 4 5 6 7 8 9 0 1 2 3 4 5 6 7 8 9 0 1</a:t>
-            </a:r>
-          </a:p>
-          <a:p>
-            <a:r>
-              <a:rPr lang="en-CA" sz="900" dirty="0">
-                <a:latin typeface="Courier" pitchFamily="2" charset="0"/>
-              </a:rPr>
-              <a:t>   +-+-+-+-+-+-+-+-+-+-+-+-+-+-+-+-+-+-+-+-+-+-+-+-+-+-+-+-+-+-+-+-+</a:t>
-            </a:r>
-          </a:p>
-          <a:p>
-            <a:r>
-              <a:rPr lang="en-CA" sz="900" dirty="0">
-                <a:latin typeface="Courier" pitchFamily="2" charset="0"/>
-              </a:rPr>
-              <a:t>   |                Label(1)               | TC  |S|      TTL      |</a:t>
-            </a:r>
-          </a:p>
-          <a:p>
-            <a:r>
-              <a:rPr lang="en-CA" sz="900" dirty="0">
-                <a:latin typeface="Courier" pitchFamily="2" charset="0"/>
-              </a:rPr>
-              <a:t>   +-+-+-+-+-+-+-+-+-+-+-+-+-+-+-+-+-+-+-+-+-+-+-+-+-+-+-+-+-+-+-+-+</a:t>
-            </a:r>
-          </a:p>
-          <a:p>
-            <a:r>
-              <a:rPr lang="en-CA" sz="900" dirty="0">
-                <a:latin typeface="Courier" pitchFamily="2" charset="0"/>
-              </a:rPr>
-              <a:t>   .                                                               .</a:t>
-            </a:r>
-          </a:p>
-          <a:p>
-            <a:r>
-              <a:rPr lang="en-CA" sz="900" dirty="0">
-                <a:latin typeface="Courier" pitchFamily="2" charset="0"/>
-              </a:rPr>
-              <a:t>   .                                                               .</a:t>
-            </a:r>
-          </a:p>
-          <a:p>
-            <a:r>
-              <a:rPr lang="en-CA" sz="900" dirty="0">
-                <a:latin typeface="Courier" pitchFamily="2" charset="0"/>
-              </a:rPr>
-              <a:t>   .                                                               .</a:t>
-            </a:r>
-          </a:p>
-          <a:p>
-            <a:r>
-              <a:rPr lang="en-CA" sz="900" dirty="0">
-                <a:latin typeface="Courier" pitchFamily="2" charset="0"/>
-              </a:rPr>
-              <a:t>   +-+-+-+-+-+-+-+-+-+-+-+-+-+-+-+-+-+-+-+-+-+-+-+-+-+-+-+-+-+-+-+-+</a:t>
-            </a:r>
-          </a:p>
-          <a:p>
-            <a:r>
-              <a:rPr lang="en-CA" sz="900" dirty="0">
-                <a:latin typeface="Courier" pitchFamily="2" charset="0"/>
-              </a:rPr>
-              <a:t>   |                Label(n)               | TC  |S|      TTL      |</a:t>
-            </a:r>
-          </a:p>
-          <a:p>
-            <a:r>
-              <a:rPr lang="en-CA" sz="900" dirty="0">
-                <a:latin typeface="Courier" pitchFamily="2" charset="0"/>
-              </a:rPr>
-              <a:t>   +-+-+-+-+-+-+-+-+-+-+-+-+-+-+-+-+-+-+-+-+-+-+-+-+-+-+-+-+-+-+-+-+</a:t>
-            </a:r>
-          </a:p>
-          <a:p>
-            <a:r>
-              <a:rPr lang="en-CA" sz="900" dirty="0">
-                <a:latin typeface="Courier" pitchFamily="2" charset="0"/>
-              </a:rPr>
-              <a:t>   |                PSID                   | TC  |S|      TTL      | </a:t>
-            </a:r>
-          </a:p>
-          <a:p>
-            <a:r>
-              <a:rPr lang="en-CA" sz="900" dirty="0">
-                <a:latin typeface="Courier" pitchFamily="2" charset="0"/>
-              </a:rPr>
-              <a:t>   +-+-+-+-+-+-+-+-+-+-+-+-+-+-+-+-+-+-+-+-+-+-+-+-+-+-+-+-+-+-+-+-+</a:t>
-            </a:r>
-          </a:p>
-          <a:p>
-            <a:r>
-              <a:rPr lang="en-CA" sz="900" dirty="0">
-                <a:latin typeface="Courier" pitchFamily="2" charset="0"/>
-              </a:rPr>
-              <a:t>   |  </a:t>
-            </a:r>
-            <a:r>
-              <a:rPr lang="en-CA" sz="900" b="1" dirty="0">
-                <a:latin typeface="Courier" pitchFamily="2" charset="0"/>
-              </a:rPr>
-              <a:t>IOAM and Flow Indicator Label        </a:t>
-            </a:r>
-            <a:r>
-              <a:rPr lang="en-CA" sz="900" dirty="0">
-                <a:latin typeface="Courier" pitchFamily="2" charset="0"/>
-              </a:rPr>
-              <a:t>| TC  |1|  TTL          |</a:t>
-            </a:r>
-          </a:p>
-          <a:p>
-            <a:r>
-              <a:rPr lang="en-CA" sz="900" dirty="0">
-                <a:latin typeface="Courier" pitchFamily="2" charset="0"/>
-              </a:rPr>
-              <a:t>   +-+-+-+-+-+-+-+-+-+-+-+-+-+-+-+-+-+-+-+-+-+-+-+-+-+-+-+-+-+-+-+-+</a:t>
-            </a:r>
-          </a:p>
-          <a:p>
-            <a:r>
-              <a:rPr lang="en-CA" sz="900" dirty="0">
-                <a:latin typeface="Courier" pitchFamily="2" charset="0"/>
-              </a:rPr>
-              <a:t>   |</a:t>
-            </a:r>
-            <a:r>
-              <a:rPr lang="en-CA" sz="900" b="1" dirty="0">
-                <a:latin typeface="Courier" pitchFamily="2" charset="0"/>
-              </a:rPr>
-              <a:t>0 0 1 0</a:t>
-            </a:r>
-            <a:r>
-              <a:rPr lang="en-CA" sz="900" dirty="0">
-                <a:latin typeface="Courier" pitchFamily="2" charset="0"/>
-              </a:rPr>
-              <a:t>|      Flow label                       | Block Number  |</a:t>
-            </a:r>
-          </a:p>
-          <a:p>
-            <a:r>
-              <a:rPr lang="en-CA" sz="900" dirty="0">
-                <a:latin typeface="Courier" pitchFamily="2" charset="0"/>
-              </a:rPr>
-              <a:t>   +-+-+-+-+-+-+-+-+-+-+-+-+-+-+-+-+-+-+-+-+-+-+-+-+-+-+-+-+-+-+-+-+&lt;-+ </a:t>
-            </a:r>
-          </a:p>
-          <a:p>
-            <a:r>
-              <a:rPr lang="en-CA" sz="900" dirty="0">
-                <a:latin typeface="Courier" pitchFamily="2" charset="0"/>
-              </a:rPr>
-              <a:t>   |  IOAM-Type    | IOAM HDR LEN  |    RESERVED                   |  |</a:t>
-            </a:r>
-          </a:p>
-          <a:p>
-            <a:r>
-              <a:rPr lang="en-CA" sz="900" dirty="0">
-                <a:latin typeface="Courier" pitchFamily="2" charset="0"/>
-              </a:rPr>
-              <a:t>   +-+-+-+-+-+-+-+-+-+-+-+-+-+-+-+-+-+-+-+-+-+-+-+-+-+-+-+-+-+-+-+-+  I</a:t>
-            </a:r>
-          </a:p>
-          <a:p>
-            <a:r>
-              <a:rPr lang="en-CA" sz="900" dirty="0">
-                <a:latin typeface="Courier" pitchFamily="2" charset="0"/>
-              </a:rPr>
-              <a:t>   |                                                               |  O</a:t>
-            </a:r>
-          </a:p>
-          <a:p>
-            <a:r>
-              <a:rPr lang="en-CA" sz="900" dirty="0">
-                <a:latin typeface="Courier" pitchFamily="2" charset="0"/>
-              </a:rPr>
-              <a:t>   |                                                               |  A</a:t>
-            </a:r>
-          </a:p>
-          <a:p>
-            <a:r>
-              <a:rPr lang="en-CA" sz="900" dirty="0">
-                <a:latin typeface="Courier" pitchFamily="2" charset="0"/>
-              </a:rPr>
-              <a:t>   ~                 IOAM Option and Data Space                    ~  M</a:t>
-            </a:r>
-          </a:p>
-          <a:p>
-            <a:r>
-              <a:rPr lang="en-CA" sz="900" dirty="0">
-                <a:latin typeface="Courier" pitchFamily="2" charset="0"/>
-              </a:rPr>
-              <a:t>   |                                                               |  |</a:t>
-            </a:r>
-          </a:p>
-          <a:p>
-            <a:r>
-              <a:rPr lang="en-CA" sz="900" dirty="0">
-                <a:latin typeface="Courier" pitchFamily="2" charset="0"/>
-              </a:rPr>
-              <a:t>   |                                                               |  |</a:t>
-            </a:r>
-          </a:p>
-          <a:p>
-            <a:r>
-              <a:rPr lang="en-CA" sz="900" dirty="0">
-                <a:latin typeface="Courier" pitchFamily="2" charset="0"/>
-              </a:rPr>
-              <a:t>   +-+-+-+-+-+-+-+-+-+-+-+-+-+-+-+-+-+-+-+-+-+-+-+-+-+-+-+-+-+-+-+-+&lt;-+</a:t>
-            </a:r>
-          </a:p>
-          <a:p>
-            <a:r>
-              <a:rPr lang="en-CA" sz="900" dirty="0">
-                <a:latin typeface="Courier" pitchFamily="2" charset="0"/>
-              </a:rPr>
-              <a:t>   |                                                               |</a:t>
-            </a:r>
-          </a:p>
-          <a:p>
-            <a:r>
-              <a:rPr lang="en-CA" sz="900" dirty="0">
-                <a:latin typeface="Courier" pitchFamily="2" charset="0"/>
-              </a:rPr>
-              <a:t>   ~                 Payload + Padding                             ~</a:t>
-            </a:r>
-          </a:p>
-          <a:p>
-            <a:r>
-              <a:rPr lang="en-CA" sz="900" dirty="0">
-                <a:latin typeface="Courier" pitchFamily="2" charset="0"/>
-              </a:rPr>
-              <a:t>   |                                                               |</a:t>
-            </a:r>
-          </a:p>
-          <a:p>
-            <a:r>
-              <a:rPr lang="en-CA" sz="900" dirty="0">
-                <a:latin typeface="Courier" pitchFamily="2" charset="0"/>
-              </a:rPr>
-              <a:t>   +-+-+-+-+-+-+-+-+-+-+-+-+-+-+-+-+-+-+-+-+-+-+-+-+-+-+-+-+-+-+-+-+</a:t>
-            </a:r>
-          </a:p>
-          <a:p>
-            <a:r>
-              <a:rPr lang="en-CA" sz="900" dirty="0">
-                <a:latin typeface="Courier" pitchFamily="2" charset="0"/>
-              </a:rPr>
-              <a:t> </a:t>
-            </a:r>
-          </a:p>
-          <a:p>
-            <a:r>
-              <a:rPr lang="en-CA" sz="900" dirty="0">
-                <a:latin typeface="Courier" pitchFamily="2" charset="0"/>
-              </a:rPr>
-              <a:t> Figure: IOAM Encapsulation with Flow Label Example with SR-MPLS Header</a:t>
-            </a:r>
-            <a:endParaRPr lang="en-CA" sz="900" dirty="0">
-              <a:latin typeface="Courier" pitchFamily="2" charset="0"/>
-              <a:ea typeface="Calibri" panose="020F0502020204030204" pitchFamily="34" charset="0"/>
-              <a:cs typeface="Times New Roman" panose="02020603050405020304" pitchFamily="18" charset="0"/>
-            </a:endParaRPr>
-          </a:p>
-        </p:txBody>
-      </p:sp>
-    </p:spTree>
-    <p:extLst>
-      <p:ext uri="{BB962C8B-B14F-4D97-AF65-F5344CB8AC3E}">
-        <p14:creationId xmlns:p14="http://schemas.microsoft.com/office/powerpoint/2010/main" val="4269013418"/>
-      </p:ext>
-    </p:extLst>
-  </p:cSld>
-  <p:clrMapOvr>
-    <a:masterClrMapping/>
-  </p:clrMapOvr>
-</p:sld>
-</file>
-
-<file path=ppt/slides/slide12.xml><?xml version="1.0" encoding="utf-8"?>
-<p:sld xmlns:a="http://schemas.openxmlformats.org/drawingml/2006/main" xmlns:r="http://schemas.openxmlformats.org/officeDocument/2006/relationships" xmlns:p="http://schemas.openxmlformats.org/presentationml/2006/main">
-  <p:cSld>
-    <p:spTree>
-      <p:nvGrpSpPr>
-        <p:cNvPr id="1" name=""/>
-        <p:cNvGrpSpPr/>
-        <p:nvPr/>
-      </p:nvGrpSpPr>
-      <p:grpSpPr>
-        <a:xfrm>
-          <a:off x="0" y="0"/>
-          <a:ext cx="0" cy="0"/>
-          <a:chOff x="0" y="0"/>
-          <a:chExt cx="0" cy="0"/>
-        </a:xfrm>
-      </p:grpSpPr>
-      <p:sp>
-        <p:nvSpPr>
           <p:cNvPr id="2" name="Title 1"/>
           <p:cNvSpPr>
             <a:spLocks noGrp="1"/>
@@ -6887,7 +5987,7 @@
               <a:pPr>
                 <a:defRPr/>
               </a:pPr>
-              <a:t>12</a:t>
+              <a:t>10</a:t>
             </a:fld>
             <a:endParaRPr lang="en-US" altLang="zh-CN"/>
           </a:p>
@@ -6906,7 +6006,7 @@
 </p:sld>
 </file>
 
-<file path=ppt/slides/slide13.xml><?xml version="1.0" encoding="utf-8"?>
+<file path=ppt/slides/slide11.xml><?xml version="1.0" encoding="utf-8"?>
 <p:sld xmlns:a="http://schemas.openxmlformats.org/drawingml/2006/main" xmlns:r="http://schemas.openxmlformats.org/officeDocument/2006/relationships" xmlns:p="http://schemas.openxmlformats.org/presentationml/2006/main">
   <p:cSld>
     <p:spTree>
@@ -7170,7 +6270,7 @@
               <a:pPr>
                 <a:defRPr/>
               </a:pPr>
-              <a:t>13</a:t>
+              <a:t>11</a:t>
             </a:fld>
             <a:endParaRPr lang="en-US" altLang="zh-CN"/>
           </a:p>
@@ -7189,7 +6289,7 @@
 </p:sld>
 </file>
 
-<file path=ppt/slides/slide14.xml><?xml version="1.0" encoding="utf-8"?>
+<file path=ppt/slides/slide12.xml><?xml version="1.0" encoding="utf-8"?>
 <p:sld xmlns:a="http://schemas.openxmlformats.org/drawingml/2006/main" xmlns:r="http://schemas.openxmlformats.org/officeDocument/2006/relationships" xmlns:p="http://schemas.openxmlformats.org/presentationml/2006/main">
   <p:cSld>
     <p:spTree>
@@ -7453,7 +6553,7 @@
               <a:pPr>
                 <a:defRPr/>
               </a:pPr>
-              <a:t>14</a:t>
+              <a:t>12</a:t>
             </a:fld>
             <a:endParaRPr lang="en-US" altLang="zh-CN"/>
           </a:p>
@@ -7463,6 +6563,527 @@
     <p:extLst>
       <p:ext uri="{BB962C8B-B14F-4D97-AF65-F5344CB8AC3E}">
         <p14:creationId xmlns:p14="http://schemas.microsoft.com/office/powerpoint/2010/main" val="1208650897"/>
+      </p:ext>
+    </p:extLst>
+  </p:cSld>
+  <p:clrMapOvr>
+    <a:masterClrMapping/>
+  </p:clrMapOvr>
+</p:sld>
+</file>
+
+<file path=ppt/slides/slide13.xml><?xml version="1.0" encoding="utf-8"?>
+<p:sld xmlns:a="http://schemas.openxmlformats.org/drawingml/2006/main" xmlns:r="http://schemas.openxmlformats.org/officeDocument/2006/relationships" xmlns:p="http://schemas.openxmlformats.org/presentationml/2006/main">
+  <p:cSld>
+    <p:spTree>
+      <p:nvGrpSpPr>
+        <p:cNvPr id="1" name=""/>
+        <p:cNvGrpSpPr/>
+        <p:nvPr/>
+      </p:nvGrpSpPr>
+      <p:grpSpPr>
+        <a:xfrm>
+          <a:off x="0" y="0"/>
+          <a:ext cx="0" cy="0"/>
+          <a:chOff x="0" y="0"/>
+          <a:chExt cx="0" cy="0"/>
+        </a:xfrm>
+      </p:grpSpPr>
+      <p:sp>
+        <p:nvSpPr>
+          <p:cNvPr id="2" name="Title 1"/>
+          <p:cNvSpPr>
+            <a:spLocks noGrp="1"/>
+          </p:cNvSpPr>
+          <p:nvPr>
+            <p:ph type="title"/>
+          </p:nvPr>
+        </p:nvSpPr>
+        <p:spPr>
+          <a:xfrm>
+            <a:off x="457200" y="0"/>
+            <a:ext cx="8229600" cy="857250"/>
+          </a:xfrm>
+        </p:spPr>
+        <p:txBody>
+          <a:bodyPr/>
+          <a:lstStyle/>
+          <a:p>
+            <a:r>
+              <a:rPr lang="en-US" sz="3600" dirty="0">
+                <a:solidFill>
+                  <a:srgbClr val="0070C0"/>
+                </a:solidFill>
+                <a:latin typeface="Calibri Light" panose="020F0302020204030204" pitchFamily="34" charset="0"/>
+                <a:cs typeface="Calibri Light" panose="020F0302020204030204" pitchFamily="34" charset="0"/>
+              </a:rPr>
+              <a:t>IOAM Indicator Label</a:t>
+            </a:r>
+          </a:p>
+        </p:txBody>
+      </p:sp>
+      <p:sp>
+        <p:nvSpPr>
+          <p:cNvPr id="3" name="Content Placeholder 2"/>
+          <p:cNvSpPr>
+            <a:spLocks noGrp="1"/>
+          </p:cNvSpPr>
+          <p:nvPr>
+            <p:ph idx="1"/>
+          </p:nvPr>
+        </p:nvSpPr>
+        <p:spPr>
+          <a:xfrm>
+            <a:off x="457200" y="914400"/>
+            <a:ext cx="8229600" cy="3314700"/>
+          </a:xfrm>
+        </p:spPr>
+        <p:txBody>
+          <a:bodyPr/>
+          <a:lstStyle/>
+          <a:p>
+            <a:pPr>
+              <a:lnSpc>
+                <a:spcPts val="2320"/>
+              </a:lnSpc>
+              <a:spcBef>
+                <a:spcPts val="600"/>
+              </a:spcBef>
+            </a:pPr>
+            <a:r>
+              <a:rPr lang="en-CA" sz="2000" dirty="0"/>
+              <a:t>“IOAM Indicator Label” is used to indicate the presence of the IOAM data fields in the MPLS header.  </a:t>
+            </a:r>
+          </a:p>
+          <a:p>
+            <a:pPr>
+              <a:lnSpc>
+                <a:spcPts val="2320"/>
+              </a:lnSpc>
+              <a:spcBef>
+                <a:spcPts val="600"/>
+              </a:spcBef>
+            </a:pPr>
+            <a:r>
+              <a:rPr lang="en-CA" sz="2000" dirty="0"/>
+              <a:t>Separate Label values are used for edge-to-edge and hop-by-hop IOAM:</a:t>
+            </a:r>
+          </a:p>
+          <a:p>
+            <a:pPr lvl="1">
+              <a:lnSpc>
+                <a:spcPts val="2320"/>
+              </a:lnSpc>
+              <a:spcBef>
+                <a:spcPts val="600"/>
+              </a:spcBef>
+            </a:pPr>
+            <a:r>
+              <a:rPr lang="en-CA" sz="2000" dirty="0"/>
+              <a:t>Edge-to-edge TBA1 </a:t>
+            </a:r>
+          </a:p>
+          <a:p>
+            <a:pPr lvl="1">
+              <a:lnSpc>
+                <a:spcPts val="2320"/>
+              </a:lnSpc>
+              <a:spcBef>
+                <a:spcPts val="600"/>
+              </a:spcBef>
+            </a:pPr>
+            <a:r>
+              <a:rPr lang="en-CA" sz="2000" dirty="0"/>
+              <a:t>Hop-by-hop TBA3</a:t>
+            </a:r>
+          </a:p>
+          <a:p>
+            <a:pPr marL="0" indent="0">
+              <a:lnSpc>
+                <a:spcPts val="2320"/>
+              </a:lnSpc>
+              <a:buNone/>
+            </a:pPr>
+            <a:endParaRPr lang="en-CA" sz="2000" dirty="0"/>
+          </a:p>
+        </p:txBody>
+      </p:sp>
+      <p:sp>
+        <p:nvSpPr>
+          <p:cNvPr id="4" name="Footer Placeholder 3"/>
+          <p:cNvSpPr>
+            <a:spLocks noGrp="1"/>
+          </p:cNvSpPr>
+          <p:nvPr>
+            <p:ph type="ftr" sz="quarter" idx="11"/>
+          </p:nvPr>
+        </p:nvSpPr>
+        <p:spPr>
+          <a:xfrm>
+            <a:off x="3124200" y="4786312"/>
+            <a:ext cx="2895600" cy="357188"/>
+          </a:xfrm>
+        </p:spPr>
+        <p:txBody>
+          <a:bodyPr/>
+          <a:lstStyle/>
+          <a:p>
+            <a:r>
+              <a:rPr lang="en-CA" dirty="0"/>
+              <a:t>109</a:t>
+            </a:r>
+            <a:r>
+              <a:rPr lang="en-CA" baseline="30000" dirty="0"/>
+              <a:t>th</a:t>
+            </a:r>
+            <a:r>
+              <a:rPr lang="en-CA" dirty="0"/>
+              <a:t> IETF Online</a:t>
+            </a:r>
+          </a:p>
+        </p:txBody>
+      </p:sp>
+      <p:sp>
+        <p:nvSpPr>
+          <p:cNvPr id="5" name="Slide Number Placeholder 4"/>
+          <p:cNvSpPr>
+            <a:spLocks noGrp="1"/>
+          </p:cNvSpPr>
+          <p:nvPr>
+            <p:ph type="sldNum" sz="quarter" idx="12"/>
+          </p:nvPr>
+        </p:nvSpPr>
+        <p:spPr/>
+        <p:txBody>
+          <a:bodyPr/>
+          <a:lstStyle/>
+          <a:p>
+            <a:pPr>
+              <a:defRPr/>
+            </a:pPr>
+            <a:fld id="{BD6E0F59-1DD8-40FC-9C92-B6295CBA6CCA}" type="slidenum">
+              <a:rPr lang="en-US" altLang="zh-CN" smtClean="0"/>
+              <a:pPr>
+                <a:defRPr/>
+              </a:pPr>
+              <a:t>13</a:t>
+            </a:fld>
+            <a:endParaRPr lang="en-US" altLang="zh-CN"/>
+          </a:p>
+        </p:txBody>
+      </p:sp>
+    </p:spTree>
+    <p:extLst>
+      <p:ext uri="{BB962C8B-B14F-4D97-AF65-F5344CB8AC3E}">
+        <p14:creationId xmlns:p14="http://schemas.microsoft.com/office/powerpoint/2010/main" val="3693638473"/>
+      </p:ext>
+    </p:extLst>
+  </p:cSld>
+  <p:clrMapOvr>
+    <a:masterClrMapping/>
+  </p:clrMapOvr>
+</p:sld>
+</file>
+
+<file path=ppt/slides/slide14.xml><?xml version="1.0" encoding="utf-8"?>
+<p:sld xmlns:a="http://schemas.openxmlformats.org/drawingml/2006/main" xmlns:r="http://schemas.openxmlformats.org/officeDocument/2006/relationships" xmlns:p="http://schemas.openxmlformats.org/presentationml/2006/main">
+  <p:cSld>
+    <p:spTree>
+      <p:nvGrpSpPr>
+        <p:cNvPr id="1" name=""/>
+        <p:cNvGrpSpPr/>
+        <p:nvPr/>
+      </p:nvGrpSpPr>
+      <p:grpSpPr>
+        <a:xfrm>
+          <a:off x="0" y="0"/>
+          <a:ext cx="0" cy="0"/>
+          <a:chOff x="0" y="0"/>
+          <a:chExt cx="0" cy="0"/>
+        </a:xfrm>
+      </p:grpSpPr>
+      <p:sp>
+        <p:nvSpPr>
+          <p:cNvPr id="2" name="Title 1"/>
+          <p:cNvSpPr>
+            <a:spLocks noGrp="1"/>
+          </p:cNvSpPr>
+          <p:nvPr>
+            <p:ph type="title"/>
+          </p:nvPr>
+        </p:nvSpPr>
+        <p:spPr>
+          <a:xfrm>
+            <a:off x="457200" y="0"/>
+            <a:ext cx="8229600" cy="857250"/>
+          </a:xfrm>
+        </p:spPr>
+        <p:txBody>
+          <a:bodyPr/>
+          <a:lstStyle/>
+          <a:p>
+            <a:r>
+              <a:rPr lang="en-US" sz="3600" dirty="0">
+                <a:solidFill>
+                  <a:srgbClr val="0070C0"/>
+                </a:solidFill>
+                <a:latin typeface="Calibri Light" panose="020F0302020204030204" pitchFamily="34" charset="0"/>
+                <a:cs typeface="Calibri Light" panose="020F0302020204030204" pitchFamily="34" charset="0"/>
+              </a:rPr>
+              <a:t>IOAM and Flow Indicator Label</a:t>
+            </a:r>
+          </a:p>
+        </p:txBody>
+      </p:sp>
+      <p:sp>
+        <p:nvSpPr>
+          <p:cNvPr id="3" name="Content Placeholder 2"/>
+          <p:cNvSpPr>
+            <a:spLocks noGrp="1"/>
+          </p:cNvSpPr>
+          <p:nvPr>
+            <p:ph idx="1"/>
+          </p:nvPr>
+        </p:nvSpPr>
+        <p:spPr>
+          <a:xfrm>
+            <a:off x="381000" y="819149"/>
+            <a:ext cx="8229600" cy="3864769"/>
+          </a:xfrm>
+        </p:spPr>
+        <p:txBody>
+          <a:bodyPr/>
+          <a:lstStyle/>
+          <a:p>
+            <a:pPr>
+              <a:lnSpc>
+                <a:spcPts val="2020"/>
+              </a:lnSpc>
+              <a:spcBef>
+                <a:spcPts val="600"/>
+              </a:spcBef>
+            </a:pPr>
+            <a:r>
+              <a:rPr lang="en-CA" sz="1400" dirty="0"/>
+              <a:t>“IOAM and Flow Indicator Label” is used to indicate the presence of the IOAM data fields with Flow Label in the MPLS header.  </a:t>
+            </a:r>
+          </a:p>
+          <a:p>
+            <a:pPr>
+              <a:lnSpc>
+                <a:spcPts val="2020"/>
+              </a:lnSpc>
+              <a:spcBef>
+                <a:spcPts val="600"/>
+              </a:spcBef>
+            </a:pPr>
+            <a:r>
+              <a:rPr lang="en-CA" sz="1400" dirty="0"/>
+              <a:t>Separate Label values are used for edge-to-edge and hop-by-hop IOAM:</a:t>
+            </a:r>
+          </a:p>
+          <a:p>
+            <a:pPr lvl="1">
+              <a:lnSpc>
+                <a:spcPts val="2020"/>
+              </a:lnSpc>
+              <a:spcBef>
+                <a:spcPts val="600"/>
+              </a:spcBef>
+            </a:pPr>
+            <a:r>
+              <a:rPr lang="en-CA" sz="1400" dirty="0"/>
+              <a:t>Edge-to-edge TBA2</a:t>
+            </a:r>
+          </a:p>
+          <a:p>
+            <a:pPr lvl="1">
+              <a:lnSpc>
+                <a:spcPts val="2020"/>
+              </a:lnSpc>
+              <a:spcBef>
+                <a:spcPts val="600"/>
+              </a:spcBef>
+            </a:pPr>
+            <a:r>
+              <a:rPr lang="en-CA" sz="1400" dirty="0"/>
+              <a:t>Hop-by-hop TBA4</a:t>
+            </a:r>
+          </a:p>
+          <a:p>
+            <a:pPr>
+              <a:lnSpc>
+                <a:spcPts val="2020"/>
+              </a:lnSpc>
+              <a:spcBef>
+                <a:spcPts val="600"/>
+              </a:spcBef>
+            </a:pPr>
+            <a:r>
+              <a:rPr lang="en-CA" sz="1400" b="1" dirty="0"/>
+              <a:t>Protocol</a:t>
+            </a:r>
+            <a:r>
+              <a:rPr lang="en-CA" sz="1400" dirty="0"/>
+              <a:t> value 0010b allows to avoid incorrect IP header based hashing over ECMP paths</a:t>
+            </a:r>
+          </a:p>
+          <a:p>
+            <a:pPr lvl="1">
+              <a:lnSpc>
+                <a:spcPts val="2020"/>
+              </a:lnSpc>
+              <a:spcBef>
+                <a:spcPts val="600"/>
+              </a:spcBef>
+            </a:pPr>
+            <a:r>
+              <a:rPr lang="en-CA" sz="1400" dirty="0"/>
+              <a:t>Using RFC 4928 defined procedure. This is similar to RFC 4385 for Generic PW MPLS Control Word.</a:t>
+            </a:r>
+          </a:p>
+          <a:p>
+            <a:pPr>
+              <a:lnSpc>
+                <a:spcPts val="2020"/>
+              </a:lnSpc>
+              <a:spcBef>
+                <a:spcPts val="600"/>
+              </a:spcBef>
+            </a:pPr>
+            <a:r>
+              <a:rPr lang="en-CA" sz="1400" b="1" dirty="0"/>
+              <a:t>Flow Label</a:t>
+            </a:r>
+            <a:r>
+              <a:rPr lang="en-CA" sz="1400" dirty="0"/>
+              <a:t> identifies the traffic flow that can be used for IOAM purpose.</a:t>
+            </a:r>
+          </a:p>
+          <a:p>
+            <a:pPr>
+              <a:lnSpc>
+                <a:spcPts val="2020"/>
+              </a:lnSpc>
+              <a:spcBef>
+                <a:spcPts val="600"/>
+              </a:spcBef>
+            </a:pPr>
+            <a:r>
+              <a:rPr lang="en-CA" sz="1400" b="1" dirty="0"/>
+              <a:t>Block Number </a:t>
+            </a:r>
+            <a:r>
+              <a:rPr lang="en-CA" sz="1400" dirty="0"/>
+              <a:t>can be used to </a:t>
+            </a:r>
+          </a:p>
+          <a:p>
+            <a:pPr lvl="1">
+              <a:lnSpc>
+                <a:spcPts val="2020"/>
+              </a:lnSpc>
+              <a:spcBef>
+                <a:spcPts val="600"/>
+              </a:spcBef>
+            </a:pPr>
+            <a:r>
+              <a:rPr lang="en-CA" sz="1400" b="1" dirty="0"/>
+              <a:t>Aggregate</a:t>
+            </a:r>
+            <a:r>
+              <a:rPr lang="en-CA" sz="1400" dirty="0"/>
+              <a:t> IOAM data collected in data plane, e.g. compute measurement metrics for each block of a flow</a:t>
+            </a:r>
+          </a:p>
+          <a:p>
+            <a:pPr lvl="1">
+              <a:lnSpc>
+                <a:spcPts val="2020"/>
+              </a:lnSpc>
+              <a:spcBef>
+                <a:spcPts val="600"/>
+              </a:spcBef>
+            </a:pPr>
+            <a:r>
+              <a:rPr lang="en-CA" sz="1400" b="1" dirty="0"/>
+              <a:t>Correlate</a:t>
+            </a:r>
+            <a:r>
+              <a:rPr lang="en-CA" sz="1400" dirty="0"/>
+              <a:t> IOAM data from different nodes</a:t>
+            </a:r>
+          </a:p>
+        </p:txBody>
+      </p:sp>
+      <p:sp>
+        <p:nvSpPr>
+          <p:cNvPr id="4" name="Footer Placeholder 3"/>
+          <p:cNvSpPr>
+            <a:spLocks noGrp="1"/>
+          </p:cNvSpPr>
+          <p:nvPr>
+            <p:ph type="ftr" sz="quarter" idx="11"/>
+          </p:nvPr>
+        </p:nvSpPr>
+        <p:spPr>
+          <a:xfrm>
+            <a:off x="3124200" y="4786312"/>
+            <a:ext cx="2895600" cy="357188"/>
+          </a:xfrm>
+        </p:spPr>
+        <p:txBody>
+          <a:bodyPr/>
+          <a:lstStyle/>
+          <a:p>
+            <a:r>
+              <a:rPr lang="en-CA" dirty="0"/>
+              <a:t>109</a:t>
+            </a:r>
+            <a:r>
+              <a:rPr lang="en-CA" baseline="30000" dirty="0"/>
+              <a:t>th</a:t>
+            </a:r>
+            <a:r>
+              <a:rPr lang="en-CA" dirty="0"/>
+              <a:t> IETF Online</a:t>
+            </a:r>
+          </a:p>
+        </p:txBody>
+      </p:sp>
+      <p:sp>
+        <p:nvSpPr>
+          <p:cNvPr id="5" name="Slide Number Placeholder 4"/>
+          <p:cNvSpPr>
+            <a:spLocks noGrp="1"/>
+          </p:cNvSpPr>
+          <p:nvPr>
+            <p:ph type="sldNum" sz="quarter" idx="12"/>
+          </p:nvPr>
+        </p:nvSpPr>
+        <p:spPr/>
+        <p:txBody>
+          <a:bodyPr/>
+          <a:lstStyle/>
+          <a:p>
+            <a:pPr>
+              <a:defRPr/>
+            </a:pPr>
+            <a:fld id="{BD6E0F59-1DD8-40FC-9C92-B6295CBA6CCA}" type="slidenum">
+              <a:rPr lang="en-US" altLang="zh-CN" smtClean="0"/>
+              <a:pPr>
+                <a:defRPr/>
+              </a:pPr>
+              <a:t>14</a:t>
+            </a:fld>
+            <a:endParaRPr lang="en-US" altLang="zh-CN"/>
+          </a:p>
+        </p:txBody>
+      </p:sp>
+    </p:spTree>
+    <p:extLst>
+      <p:ext uri="{BB962C8B-B14F-4D97-AF65-F5344CB8AC3E}">
+        <p14:creationId xmlns:p14="http://schemas.microsoft.com/office/powerpoint/2010/main" val="553541161"/>
       </p:ext>
     </p:extLst>
   </p:cSld>
@@ -7501,7 +7122,7 @@
         </p:nvSpPr>
         <p:spPr>
           <a:xfrm>
-            <a:off x="457200" y="0"/>
+            <a:off x="457200" y="-21771"/>
             <a:ext cx="8229600" cy="857250"/>
           </a:xfrm>
         </p:spPr>
@@ -7517,7 +7138,7 @@
                 <a:latin typeface="Calibri Light" panose="020F0302020204030204" pitchFamily="34" charset="0"/>
                 <a:cs typeface="Calibri Light" panose="020F0302020204030204" pitchFamily="34" charset="0"/>
               </a:rPr>
-              <a:t>IOAM Indicator Label</a:t>
+              <a:t>Edge-to-edge IOAM Procedure</a:t>
             </a:r>
           </a:p>
         </p:txBody>
@@ -7534,77 +7155,60 @@
         </p:nvSpPr>
         <p:spPr>
           <a:xfrm>
-            <a:off x="457200" y="914400"/>
-            <a:ext cx="8229600" cy="3314700"/>
+            <a:off x="533399" y="857250"/>
+            <a:ext cx="7982607" cy="3543300"/>
           </a:xfrm>
         </p:spPr>
         <p:txBody>
           <a:bodyPr/>
           <a:lstStyle/>
           <a:p>
-            <a:pPr>
+            <a:pPr marL="457200" lvl="0" indent="-457200">
               <a:lnSpc>
-                <a:spcPts val="2320"/>
+                <a:spcPts val="2640"/>
               </a:lnSpc>
               <a:spcBef>
                 <a:spcPts val="600"/>
               </a:spcBef>
+              <a:buFont typeface="+mj-lt"/>
+              <a:buAutoNum type="arabicPeriod"/>
             </a:pPr>
             <a:r>
               <a:rPr lang="en-CA" sz="2000" dirty="0"/>
-              <a:t>“IOAM Indicator Label” is used to indicate the presence of the IOAM data fields in the MPLS header.  </a:t>
-            </a:r>
-          </a:p>
-          <a:p>
-            <a:pPr>
+              <a:t>The encapsulating node inserts an edge-to-edge Indicator Label and one or more IOAM data field(s) in the MPLS header.</a:t>
+            </a:r>
+          </a:p>
+          <a:p>
+            <a:pPr marL="457200" lvl="0" indent="-457200">
               <a:lnSpc>
-                <a:spcPts val="2320"/>
+                <a:spcPts val="2640"/>
               </a:lnSpc>
               <a:spcBef>
                 <a:spcPts val="600"/>
               </a:spcBef>
+              <a:buFont typeface="+mj-lt"/>
+              <a:buAutoNum type="arabicPeriod"/>
             </a:pPr>
             <a:r>
               <a:rPr lang="en-CA" sz="2000" dirty="0"/>
-              <a:t>Separate Label values are used for edge-to-edge and hop-by-hop IOAM:</a:t>
-            </a:r>
-          </a:p>
-          <a:p>
-            <a:pPr lvl="1">
+              <a:t>The decapsulating node for edge-to-edge IOAM "forwards and punts the timestamped copy" of the data packet including IOAM data field(s). </a:t>
+            </a:r>
+          </a:p>
+          <a:p>
+            <a:pPr marL="857250" lvl="1" indent="-457200">
               <a:lnSpc>
-                <a:spcPts val="2320"/>
+                <a:spcPts val="2640"/>
               </a:lnSpc>
               <a:spcBef>
                 <a:spcPts val="600"/>
               </a:spcBef>
+              <a:buFont typeface="Wingdings" pitchFamily="2" charset="2"/>
+              <a:buChar char="§"/>
             </a:pPr>
             <a:r>
               <a:rPr lang="en-CA" sz="2000" dirty="0"/>
-              <a:t>Edge-to-edge TBA1 </a:t>
-            </a:r>
-          </a:p>
-          <a:p>
-            <a:pPr lvl="1">
-              <a:lnSpc>
-                <a:spcPts val="2320"/>
-              </a:lnSpc>
-              <a:spcBef>
-                <a:spcPts val="600"/>
-              </a:spcBef>
-            </a:pPr>
-            <a:r>
-              <a:rPr lang="en-CA" sz="2000" dirty="0"/>
-              <a:t>Hop-by-hop TBA3</a:t>
-            </a:r>
-          </a:p>
-          <a:p>
-            <a:pPr marL="0" indent="0">
-              <a:lnSpc>
-                <a:spcPts val="2320"/>
-              </a:lnSpc>
-              <a:buNone/>
-            </a:pPr>
-            <a:endParaRPr lang="en-CA" sz="2000" dirty="0"/>
+              <a:t>The decapsulating node for edge-to-edge IOAM also pops the IOAM Indicator Label and the IOAM data field(s) from the MPLS header.</a:t>
+            </a:r>
           </a:p>
         </p:txBody>
       </p:sp>
@@ -7675,7 +7279,7 @@
     </p:spTree>
     <p:extLst>
       <p:ext uri="{BB962C8B-B14F-4D97-AF65-F5344CB8AC3E}">
-        <p14:creationId xmlns:p14="http://schemas.microsoft.com/office/powerpoint/2010/main" val="3693638473"/>
+        <p14:creationId xmlns:p14="http://schemas.microsoft.com/office/powerpoint/2010/main" val="604023084"/>
       </p:ext>
     </p:extLst>
   </p:cSld>
@@ -7714,7 +7318,7 @@
         </p:nvSpPr>
         <p:spPr>
           <a:xfrm>
-            <a:off x="457200" y="0"/>
+            <a:off x="457200" y="-21771"/>
             <a:ext cx="8229600" cy="857250"/>
           </a:xfrm>
         </p:spPr>
@@ -7730,7 +7334,7 @@
                 <a:latin typeface="Calibri Light" panose="020F0302020204030204" pitchFamily="34" charset="0"/>
                 <a:cs typeface="Calibri Light" panose="020F0302020204030204" pitchFamily="34" charset="0"/>
               </a:rPr>
-              <a:t>IOAM and Flow Indicator Label</a:t>
+              <a:t>Hob-by-hop IOAM Procedure</a:t>
             </a:r>
           </a:p>
         </p:txBody>
@@ -7747,171 +7351,79 @@
         </p:nvSpPr>
         <p:spPr>
           <a:xfrm>
-            <a:off x="381000" y="819149"/>
-            <a:ext cx="8229600" cy="3864769"/>
+            <a:off x="533399" y="857250"/>
+            <a:ext cx="7982607" cy="3543300"/>
           </a:xfrm>
         </p:spPr>
         <p:txBody>
           <a:bodyPr/>
           <a:lstStyle/>
           <a:p>
-            <a:pPr>
+            <a:pPr marL="457200" lvl="0" indent="-457200">
               <a:lnSpc>
-                <a:spcPts val="2020"/>
+                <a:spcPts val="2640"/>
               </a:lnSpc>
               <a:spcBef>
                 <a:spcPts val="600"/>
               </a:spcBef>
-            </a:pPr>
-            <a:r>
-              <a:rPr lang="en-CA" sz="1400" dirty="0"/>
-              <a:t>“IOAM and Flow Indicator Label” is used to indicate the presence of the IOAM data fields with Flow Label in the MPLS header.  </a:t>
-            </a:r>
-          </a:p>
-          <a:p>
-            <a:pPr>
+              <a:buFont typeface="+mj-lt"/>
+              <a:buAutoNum type="arabicPeriod"/>
+            </a:pPr>
+            <a:r>
+              <a:rPr lang="en-CA" sz="1800" dirty="0"/>
+              <a:t>The encapsulating node inserts a hop-by-hop Indicator Label and one or more IOAM data field(s) in the MPLS header.</a:t>
+            </a:r>
+          </a:p>
+          <a:p>
+            <a:pPr marL="457200" indent="-457200">
               <a:lnSpc>
-                <a:spcPts val="2020"/>
+                <a:spcPts val="2640"/>
               </a:lnSpc>
               <a:spcBef>
                 <a:spcPts val="600"/>
               </a:spcBef>
-            </a:pPr>
-            <a:r>
-              <a:rPr lang="en-CA" sz="1400" dirty="0"/>
-              <a:t>Separate Label values are used for edge-to-edge and hop-by-hop IOAM:</a:t>
-            </a:r>
-          </a:p>
-          <a:p>
-            <a:pPr lvl="1">
+              <a:buFont typeface="+mj-lt"/>
+              <a:buAutoNum type="arabicPeriod"/>
+            </a:pPr>
+            <a:r>
+              <a:rPr lang="en-CA" sz="1800" dirty="0">
+                <a:solidFill>
+                  <a:srgbClr val="0070C0"/>
+                </a:solidFill>
+              </a:rPr>
+              <a:t>The transit node for hop-by-hop IOAM "forwards and punts the timestamped copy" of the data packet including IOAM data field(s). </a:t>
+            </a:r>
+          </a:p>
+          <a:p>
+            <a:pPr marL="457200" lvl="0" indent="-457200">
               <a:lnSpc>
-                <a:spcPts val="2020"/>
+                <a:spcPts val="2640"/>
               </a:lnSpc>
               <a:spcBef>
                 <a:spcPts val="600"/>
               </a:spcBef>
-            </a:pPr>
-            <a:r>
-              <a:rPr lang="en-CA" sz="1400" dirty="0"/>
-              <a:t>Edge-to-edge TBA2</a:t>
-            </a:r>
-          </a:p>
-          <a:p>
-            <a:pPr lvl="1">
+              <a:buFont typeface="+mj-lt"/>
+              <a:buAutoNum type="arabicPeriod"/>
+            </a:pPr>
+            <a:r>
+              <a:rPr lang="en-CA" sz="1800" dirty="0"/>
+              <a:t>The decapsulating node for hop-by-hop IOAM "forwards and punts the timestamped copy" of the data packet including IOAM data field(s). </a:t>
+            </a:r>
+          </a:p>
+          <a:p>
+            <a:pPr marL="857250" lvl="1" indent="-457200">
               <a:lnSpc>
-                <a:spcPts val="2020"/>
+                <a:spcPts val="2640"/>
               </a:lnSpc>
               <a:spcBef>
                 <a:spcPts val="600"/>
               </a:spcBef>
-            </a:pPr>
-            <a:r>
-              <a:rPr lang="en-CA" sz="1400" dirty="0"/>
-              <a:t>Hop-by-hop TBA4</a:t>
-            </a:r>
-          </a:p>
-          <a:p>
-            <a:pPr>
-              <a:lnSpc>
-                <a:spcPts val="2020"/>
-              </a:lnSpc>
-              <a:spcBef>
-                <a:spcPts val="600"/>
-              </a:spcBef>
-            </a:pPr>
-            <a:r>
-              <a:rPr lang="en-CA" sz="1400" b="1" dirty="0"/>
-              <a:t>Protocol</a:t>
-            </a:r>
-            <a:r>
-              <a:rPr lang="en-CA" sz="1400" dirty="0"/>
-              <a:t> value 0010b allows to avoid incorrect IP header based hashing over ECMP paths</a:t>
-            </a:r>
-          </a:p>
-          <a:p>
-            <a:pPr lvl="1">
-              <a:lnSpc>
-                <a:spcPts val="2020"/>
-              </a:lnSpc>
-              <a:spcBef>
-                <a:spcPts val="600"/>
-              </a:spcBef>
-            </a:pPr>
-            <a:r>
-              <a:rPr lang="en-CA" sz="1400" dirty="0"/>
-              <a:t>Using RFC 4928 defined procedure. This is similar to RFC 4385 for Generic PW MPLS Control Word.</a:t>
-            </a:r>
-          </a:p>
-          <a:p>
-            <a:pPr>
-              <a:lnSpc>
-                <a:spcPts val="2020"/>
-              </a:lnSpc>
-              <a:spcBef>
-                <a:spcPts val="600"/>
-              </a:spcBef>
-            </a:pPr>
-            <a:r>
-              <a:rPr lang="en-CA" sz="1400" b="1" dirty="0"/>
-              <a:t>Flow Label</a:t>
-            </a:r>
-            <a:r>
-              <a:rPr lang="en-CA" sz="1400" dirty="0"/>
-              <a:t> identifies the traffic flow that can be used for IOAM purpose.</a:t>
-            </a:r>
-          </a:p>
-          <a:p>
-            <a:pPr>
-              <a:lnSpc>
-                <a:spcPts val="2020"/>
-              </a:lnSpc>
-              <a:spcBef>
-                <a:spcPts val="600"/>
-              </a:spcBef>
-            </a:pPr>
-            <a:r>
-              <a:rPr lang="en-CA" sz="1400" b="1" dirty="0"/>
-              <a:t>Block Number </a:t>
-            </a:r>
-            <a:r>
-              <a:rPr lang="en-CA" sz="1400" dirty="0"/>
-              <a:t>can be used to </a:t>
-            </a:r>
-          </a:p>
-          <a:p>
-            <a:pPr lvl="1">
-              <a:lnSpc>
-                <a:spcPts val="2020"/>
-              </a:lnSpc>
-              <a:spcBef>
-                <a:spcPts val="600"/>
-              </a:spcBef>
-            </a:pPr>
-            <a:r>
-              <a:rPr lang="en-CA" sz="1400" b="1" dirty="0"/>
-              <a:t>Aggregate</a:t>
-            </a:r>
-            <a:r>
-              <a:rPr lang="en-CA" sz="1400" dirty="0"/>
-              <a:t> IOAM data collected in data plane, e.g. compute measurement metrics for each block of a flow</a:t>
-            </a:r>
-          </a:p>
-          <a:p>
-            <a:pPr lvl="1">
-              <a:lnSpc>
-                <a:spcPts val="2020"/>
-              </a:lnSpc>
-              <a:spcBef>
-                <a:spcPts val="600"/>
-              </a:spcBef>
-            </a:pPr>
-            <a:r>
-              <a:rPr lang="en-CA" sz="1400" b="1" dirty="0"/>
-              <a:t>Correlate</a:t>
-            </a:r>
-            <a:r>
-              <a:rPr lang="en-CA" sz="1400" dirty="0"/>
-              <a:t> IOAM data from different nodes</a:t>
+              <a:buFont typeface="Wingdings" pitchFamily="2" charset="2"/>
+              <a:buChar char="§"/>
+            </a:pPr>
+            <a:r>
+              <a:rPr lang="en-CA" sz="1800" dirty="0"/>
+              <a:t>The decapsulating node for hop-by-hop IOAM also pops the IOAM Indicator Label and the IOAM data field(s) from the MPLS header.</a:t>
             </a:r>
           </a:p>
         </p:txBody>
@@ -7928,7 +7440,7 @@
         </p:nvSpPr>
         <p:spPr>
           <a:xfrm>
-            <a:off x="3124200" y="4786312"/>
+            <a:off x="3124200" y="4787315"/>
             <a:ext cx="2895600" cy="357188"/>
           </a:xfrm>
         </p:spPr>
@@ -7983,7 +7495,7 @@
     </p:spTree>
     <p:extLst>
       <p:ext uri="{BB962C8B-B14F-4D97-AF65-F5344CB8AC3E}">
-        <p14:creationId xmlns:p14="http://schemas.microsoft.com/office/powerpoint/2010/main" val="553541161"/>
+        <p14:creationId xmlns:p14="http://schemas.microsoft.com/office/powerpoint/2010/main" val="3762799719"/>
       </p:ext>
     </p:extLst>
   </p:cSld>
@@ -8012,7 +7524,13 @@
       </p:grpSpPr>
       <p:sp>
         <p:nvSpPr>
-          <p:cNvPr id="2" name="Title 1"/>
+          <p:cNvPr id="2" name="Title 1">
+            <a:extLst>
+              <a:ext uri="{FF2B5EF4-FFF2-40B4-BE49-F238E27FC236}">
+                <a16:creationId xmlns:a16="http://schemas.microsoft.com/office/drawing/2014/main" id="{590D0125-5A9E-9D48-9391-85FBD0E608A2}"/>
+              </a:ext>
+            </a:extLst>
+          </p:cNvPr>
           <p:cNvSpPr>
             <a:spLocks noGrp="1"/>
           </p:cNvSpPr>
@@ -8022,99 +7540,44 @@
         </p:nvSpPr>
         <p:spPr>
           <a:xfrm>
-            <a:off x="457200" y="-21771"/>
-            <a:ext cx="8229600" cy="857250"/>
+            <a:off x="1066800" y="-17621"/>
+            <a:ext cx="8077200" cy="599270"/>
           </a:xfrm>
         </p:spPr>
         <p:txBody>
           <a:bodyPr/>
           <a:lstStyle/>
           <a:p>
-            <a:r>
-              <a:rPr lang="en-US" sz="3600" dirty="0">
+            <a:pPr algn="l"/>
+            <a:r>
+              <a:rPr lang="en-CA" sz="2700" dirty="0">
                 <a:solidFill>
                   <a:srgbClr val="0070C0"/>
                 </a:solidFill>
                 <a:latin typeface="Calibri Light" panose="020F0302020204030204" pitchFamily="34" charset="0"/>
                 <a:cs typeface="Calibri Light" panose="020F0302020204030204" pitchFamily="34" charset="0"/>
               </a:rPr>
-              <a:t>Edge-to-edge IOAM Procedure</a:t>
-            </a:r>
-          </a:p>
-        </p:txBody>
-      </p:sp>
-      <p:sp>
-        <p:nvSpPr>
-          <p:cNvPr id="3" name="Content Placeholder 2"/>
-          <p:cNvSpPr>
-            <a:spLocks noGrp="1"/>
-          </p:cNvSpPr>
-          <p:nvPr>
-            <p:ph idx="1"/>
-          </p:nvPr>
-        </p:nvSpPr>
-        <p:spPr>
-          <a:xfrm>
-            <a:off x="533399" y="857250"/>
-            <a:ext cx="7982607" cy="3543300"/>
-          </a:xfrm>
-        </p:spPr>
-        <p:txBody>
-          <a:bodyPr/>
-          <a:lstStyle/>
-          <a:p>
-            <a:pPr marL="457200" lvl="0" indent="-457200">
-              <a:lnSpc>
-                <a:spcPts val="2640"/>
-              </a:lnSpc>
-              <a:spcBef>
-                <a:spcPts val="600"/>
-              </a:spcBef>
-              <a:buFont typeface="+mj-lt"/>
-              <a:buAutoNum type="arabicPeriod"/>
-            </a:pPr>
-            <a:r>
-              <a:rPr lang="en-CA" sz="2000" dirty="0"/>
-              <a:t>The encapsulating node inserts an edge-to-edge Indicator Label and one or more IOAM data field(s) in the MPLS header.</a:t>
-            </a:r>
-          </a:p>
-          <a:p>
-            <a:pPr marL="457200" lvl="0" indent="-457200">
-              <a:lnSpc>
-                <a:spcPts val="2640"/>
-              </a:lnSpc>
-              <a:spcBef>
-                <a:spcPts val="600"/>
-              </a:spcBef>
-              <a:buFont typeface="+mj-lt"/>
-              <a:buAutoNum type="arabicPeriod"/>
-            </a:pPr>
-            <a:r>
-              <a:rPr lang="en-CA" sz="2000" dirty="0"/>
-              <a:t>The decapsulating node for edge-to-edge IOAM "forwards and punts the timestamped copy" of the data packet including IOAM data field(s). </a:t>
-            </a:r>
-          </a:p>
-          <a:p>
-            <a:pPr marL="857250" lvl="1" indent="-457200">
-              <a:lnSpc>
-                <a:spcPts val="2640"/>
-              </a:lnSpc>
-              <a:spcBef>
-                <a:spcPts val="600"/>
-              </a:spcBef>
-              <a:buFont typeface="Wingdings" pitchFamily="2" charset="2"/>
-              <a:buChar char="§"/>
-            </a:pPr>
-            <a:r>
-              <a:rPr lang="en-CA" sz="2000" dirty="0"/>
-              <a:t>The decapsulating node for edge-to-edge IOAM also pops the IOAM Indicator Label and the IOAM data field(s) from the MPLS header.</a:t>
-            </a:r>
-          </a:p>
-        </p:txBody>
-      </p:sp>
-      <p:sp>
-        <p:nvSpPr>
-          <p:cNvPr id="4" name="Footer Placeholder 3"/>
+              <a:t>IOAM Encapsulation Example with SR-MPLS Header</a:t>
+            </a:r>
+            <a:endParaRPr lang="en-US" sz="2700" dirty="0">
+              <a:solidFill>
+                <a:srgbClr val="0070C0"/>
+              </a:solidFill>
+              <a:latin typeface="Calibri Light" panose="020F0302020204030204" pitchFamily="34" charset="0"/>
+              <a:cs typeface="Calibri Light" panose="020F0302020204030204" pitchFamily="34" charset="0"/>
+            </a:endParaRPr>
+          </a:p>
+        </p:txBody>
+      </p:sp>
+      <p:sp>
+        <p:nvSpPr>
+          <p:cNvPr id="4" name="Footer Placeholder 3">
+            <a:extLst>
+              <a:ext uri="{FF2B5EF4-FFF2-40B4-BE49-F238E27FC236}">
+                <a16:creationId xmlns:a16="http://schemas.microsoft.com/office/drawing/2014/main" id="{87713FCD-3B47-804D-B373-DAB61FB5FF59}"/>
+              </a:ext>
+            </a:extLst>
+          </p:cNvPr>
           <p:cNvSpPr>
             <a:spLocks noGrp="1"/>
           </p:cNvSpPr>
@@ -8149,7 +7612,13 @@
       </p:sp>
       <p:sp>
         <p:nvSpPr>
-          <p:cNvPr id="5" name="Slide Number Placeholder 4"/>
+          <p:cNvPr id="5" name="Slide Number Placeholder 4">
+            <a:extLst>
+              <a:ext uri="{FF2B5EF4-FFF2-40B4-BE49-F238E27FC236}">
+                <a16:creationId xmlns:a16="http://schemas.microsoft.com/office/drawing/2014/main" id="{1371408B-9195-EC4D-8131-A3F5CC0592D0}"/>
+              </a:ext>
+            </a:extLst>
+          </p:cNvPr>
           <p:cNvSpPr>
             <a:spLocks noGrp="1"/>
           </p:cNvSpPr>
@@ -8172,14 +7641,297 @@
               </a:pPr>
               <a:t>17</a:t>
             </a:fld>
-            <a:endParaRPr lang="en-US" altLang="zh-CN"/>
+            <a:endParaRPr lang="en-US" altLang="zh-CN" dirty="0"/>
+          </a:p>
+        </p:txBody>
+      </p:sp>
+      <p:sp>
+        <p:nvSpPr>
+          <p:cNvPr id="6" name="Rectangle 5">
+            <a:extLst>
+              <a:ext uri="{FF2B5EF4-FFF2-40B4-BE49-F238E27FC236}">
+                <a16:creationId xmlns:a16="http://schemas.microsoft.com/office/drawing/2014/main" id="{1EED4007-3A19-0E4E-8496-6CECEEA363EB}"/>
+              </a:ext>
+            </a:extLst>
+          </p:cNvPr>
+          <p:cNvSpPr/>
+          <p:nvPr/>
+        </p:nvSpPr>
+        <p:spPr>
+          <a:xfrm>
+            <a:off x="1943100" y="627191"/>
+            <a:ext cx="5257800" cy="4108817"/>
+          </a:xfrm>
+          <a:prstGeom prst="rect">
+            <a:avLst/>
+          </a:prstGeom>
+          <a:solidFill>
+            <a:schemeClr val="accent6">
+              <a:lumMod val="20000"/>
+              <a:lumOff val="80000"/>
+            </a:schemeClr>
+          </a:solidFill>
+        </p:spPr>
+        <p:txBody>
+          <a:bodyPr wrap="square">
+            <a:spAutoFit/>
+          </a:bodyPr>
+          <a:lstStyle/>
+          <a:p>
+            <a:r>
+              <a:rPr lang="en-CA" sz="900" dirty="0">
+                <a:latin typeface="Courier" pitchFamily="2" charset="0"/>
+              </a:rPr>
+              <a:t>    0                   1                   2                   3</a:t>
+            </a:r>
+          </a:p>
+          <a:p>
+            <a:r>
+              <a:rPr lang="en-CA" sz="900" dirty="0">
+                <a:latin typeface="Courier" pitchFamily="2" charset="0"/>
+              </a:rPr>
+              <a:t>    0 1 2 3 4 5 6 7 8 9 0 1 2 3 4 5 6 7 8 9 0 1 2 3 4 5 6 7 8 9 0 1</a:t>
+            </a:r>
+          </a:p>
+          <a:p>
+            <a:r>
+              <a:rPr lang="en-CA" sz="900" dirty="0">
+                <a:latin typeface="Courier" pitchFamily="2" charset="0"/>
+              </a:rPr>
+              <a:t>   +-+-+-+-+-+-+-+-+-+-+-+-+-+-+-+-+-+-+-+-+-+-+-+-+-+-+-+-+-+-+-+-+</a:t>
+            </a:r>
+          </a:p>
+          <a:p>
+            <a:r>
+              <a:rPr lang="en-CA" sz="900" dirty="0">
+                <a:latin typeface="Courier" pitchFamily="2" charset="0"/>
+              </a:rPr>
+              <a:t>   |                Label(1)               | TC  |S|      TTL      |</a:t>
+            </a:r>
+          </a:p>
+          <a:p>
+            <a:r>
+              <a:rPr lang="en-CA" sz="900" dirty="0">
+                <a:latin typeface="Courier" pitchFamily="2" charset="0"/>
+              </a:rPr>
+              <a:t>   +-+-+-+-+-+-+-+-+-+-+-+-+-+-+-+-+-+-+-+-+-+-+-+-+-+-+-+-+-+-+-+-+</a:t>
+            </a:r>
+          </a:p>
+          <a:p>
+            <a:r>
+              <a:rPr lang="en-CA" sz="900" dirty="0">
+                <a:latin typeface="Courier" pitchFamily="2" charset="0"/>
+              </a:rPr>
+              <a:t>   .                                                               .</a:t>
+            </a:r>
+          </a:p>
+          <a:p>
+            <a:r>
+              <a:rPr lang="en-CA" sz="900" dirty="0">
+                <a:latin typeface="Courier" pitchFamily="2" charset="0"/>
+              </a:rPr>
+              <a:t>   .                                                               .</a:t>
+            </a:r>
+          </a:p>
+          <a:p>
+            <a:r>
+              <a:rPr lang="en-CA" sz="900" dirty="0">
+                <a:latin typeface="Courier" pitchFamily="2" charset="0"/>
+              </a:rPr>
+              <a:t>   .                                                               .</a:t>
+            </a:r>
+          </a:p>
+          <a:p>
+            <a:r>
+              <a:rPr lang="en-CA" sz="900" dirty="0">
+                <a:latin typeface="Courier" pitchFamily="2" charset="0"/>
+              </a:rPr>
+              <a:t>   +-+-+-+-+-+-+-+-+-+-+-+-+-+-+-+-+-+-+-+-+-+-+-+-+-+-+-+-+-+-+-+-+</a:t>
+            </a:r>
+          </a:p>
+          <a:p>
+            <a:r>
+              <a:rPr lang="en-CA" sz="900" dirty="0">
+                <a:latin typeface="Courier" pitchFamily="2" charset="0"/>
+              </a:rPr>
+              <a:t>   |                Label(n)               | TC  |S|      TTL      |</a:t>
+            </a:r>
+          </a:p>
+          <a:p>
+            <a:r>
+              <a:rPr lang="en-CA" sz="900" dirty="0">
+                <a:latin typeface="Courier" pitchFamily="2" charset="0"/>
+              </a:rPr>
+              <a:t>   +-+-+-+-+-+-+-+-+-+-+-+-+-+-+-+-+-+-+-+-+-+-+-+-+-+-+-+-+-+-+-+-+</a:t>
+            </a:r>
+          </a:p>
+          <a:p>
+            <a:r>
+              <a:rPr lang="en-CA" sz="900" dirty="0">
+                <a:latin typeface="Courier" pitchFamily="2" charset="0"/>
+              </a:rPr>
+              <a:t>   |                PSID                   | TC  |S|      TTL      | </a:t>
+            </a:r>
+          </a:p>
+          <a:p>
+            <a:r>
+              <a:rPr lang="en-CA" sz="900" dirty="0">
+                <a:latin typeface="Courier" pitchFamily="2" charset="0"/>
+              </a:rPr>
+              <a:t>   +-+-+-+-+-+-+-+-+-+-+-+-+-+-+-+-+-+-+-+-+-+-+-+-+-+-+-+-+-+-+-+-+</a:t>
+            </a:r>
+          </a:p>
+          <a:p>
+            <a:r>
+              <a:rPr lang="en-CA" sz="900" dirty="0">
+                <a:latin typeface="Courier" pitchFamily="2" charset="0"/>
+              </a:rPr>
+              <a:t>   |  </a:t>
+            </a:r>
+            <a:r>
+              <a:rPr lang="en-CA" sz="900" b="1" dirty="0">
+                <a:latin typeface="Courier" pitchFamily="2" charset="0"/>
+              </a:rPr>
+              <a:t>IOAM Indicator Label                 </a:t>
+            </a:r>
+            <a:r>
+              <a:rPr lang="en-CA" sz="900" dirty="0">
+                <a:latin typeface="Courier" pitchFamily="2" charset="0"/>
+              </a:rPr>
+              <a:t>| TC  |1|  TTL          |</a:t>
+            </a:r>
+          </a:p>
+          <a:p>
+            <a:r>
+              <a:rPr lang="en-CA" sz="900" dirty="0">
+                <a:latin typeface="Courier" pitchFamily="2" charset="0"/>
+              </a:rPr>
+              <a:t>   +-+-+-+-+-+-+-+-+-+-+-+-+-+-+-+-+-+-+-+-+-+-+-+-+-+-+-+-+-+-+-+-+&lt;-+ </a:t>
+            </a:r>
+          </a:p>
+          <a:p>
+            <a:r>
+              <a:rPr lang="en-CA" sz="900" dirty="0">
+                <a:latin typeface="Courier" pitchFamily="2" charset="0"/>
+              </a:rPr>
+              <a:t>   |  IOAM-Type    | IOAM HDR LEN  |    RESERVED                   |  |</a:t>
+            </a:r>
+          </a:p>
+          <a:p>
+            <a:r>
+              <a:rPr lang="en-CA" sz="900" dirty="0">
+                <a:latin typeface="Courier" pitchFamily="2" charset="0"/>
+              </a:rPr>
+              <a:t>   +-+-+-+-+-+-+-+-+-+-+-+-+-+-+-+-+-+-+-+-+-+-+-+-+-+-+-+-+-+-+-+-+  I</a:t>
+            </a:r>
+          </a:p>
+          <a:p>
+            <a:r>
+              <a:rPr lang="en-CA" sz="900" dirty="0">
+                <a:latin typeface="Courier" pitchFamily="2" charset="0"/>
+              </a:rPr>
+              <a:t>   |                                                               |  O</a:t>
+            </a:r>
+          </a:p>
+          <a:p>
+            <a:r>
+              <a:rPr lang="en-CA" sz="900" dirty="0">
+                <a:latin typeface="Courier" pitchFamily="2" charset="0"/>
+              </a:rPr>
+              <a:t>   |                                                               |  A</a:t>
+            </a:r>
+          </a:p>
+          <a:p>
+            <a:r>
+              <a:rPr lang="en-CA" sz="900" dirty="0">
+                <a:latin typeface="Courier" pitchFamily="2" charset="0"/>
+              </a:rPr>
+              <a:t>   ~                 IOAM Option and Data Space                    ~  M</a:t>
+            </a:r>
+          </a:p>
+          <a:p>
+            <a:r>
+              <a:rPr lang="en-CA" sz="900" dirty="0">
+                <a:latin typeface="Courier" pitchFamily="2" charset="0"/>
+              </a:rPr>
+              <a:t>   |                                                               |  |</a:t>
+            </a:r>
+          </a:p>
+          <a:p>
+            <a:r>
+              <a:rPr lang="en-CA" sz="900" dirty="0">
+                <a:latin typeface="Courier" pitchFamily="2" charset="0"/>
+              </a:rPr>
+              <a:t>   |                                                               |  |</a:t>
+            </a:r>
+          </a:p>
+          <a:p>
+            <a:r>
+              <a:rPr lang="en-CA" sz="900" dirty="0">
+                <a:latin typeface="Courier" pitchFamily="2" charset="0"/>
+              </a:rPr>
+              <a:t>   +-+-+-+-+-+-+-+-+-+-+-+-+-+-+-+-+-+-+-+-+-+-+-+-+-+-+-+-+-+-+-+-+&lt;-+</a:t>
+            </a:r>
+          </a:p>
+          <a:p>
+            <a:r>
+              <a:rPr lang="en-CA" sz="900" dirty="0">
+                <a:latin typeface="Courier" pitchFamily="2" charset="0"/>
+              </a:rPr>
+              <a:t>   |                                                               |</a:t>
+            </a:r>
+          </a:p>
+          <a:p>
+            <a:r>
+              <a:rPr lang="en-CA" sz="900" dirty="0">
+                <a:latin typeface="Courier" pitchFamily="2" charset="0"/>
+              </a:rPr>
+              <a:t>   ~                 Payload + Padding                             ~</a:t>
+            </a:r>
+          </a:p>
+          <a:p>
+            <a:r>
+              <a:rPr lang="en-CA" sz="900" dirty="0">
+                <a:latin typeface="Courier" pitchFamily="2" charset="0"/>
+              </a:rPr>
+              <a:t>   |                                                               |</a:t>
+            </a:r>
+          </a:p>
+          <a:p>
+            <a:r>
+              <a:rPr lang="en-CA" sz="900" dirty="0">
+                <a:latin typeface="Courier" pitchFamily="2" charset="0"/>
+              </a:rPr>
+              <a:t>   +-+-+-+-+-+-+-+-+-+-+-+-+-+-+-+-+-+-+-+-+-+-+-+-+-+-+-+-+-+-+-+-+</a:t>
+            </a:r>
+          </a:p>
+          <a:p>
+            <a:r>
+              <a:rPr lang="en-CA" sz="900" dirty="0">
+                <a:latin typeface="Courier" pitchFamily="2" charset="0"/>
+              </a:rPr>
+              <a:t> </a:t>
+            </a:r>
+          </a:p>
+          <a:p>
+            <a:r>
+              <a:rPr lang="en-CA" sz="900" dirty="0">
+                <a:latin typeface="Courier" pitchFamily="2" charset="0"/>
+              </a:rPr>
+              <a:t>         Figure: IOAM Encapsulation Example with SR-MPLS Header</a:t>
+            </a:r>
+            <a:endParaRPr lang="en-CA" sz="900" dirty="0">
+              <a:latin typeface="Courier" pitchFamily="2" charset="0"/>
+              <a:ea typeface="Calibri" panose="020F0502020204030204" pitchFamily="34" charset="0"/>
+              <a:cs typeface="Times New Roman" panose="02020603050405020304" pitchFamily="18" charset="0"/>
+            </a:endParaRPr>
           </a:p>
         </p:txBody>
       </p:sp>
     </p:spTree>
     <p:extLst>
       <p:ext uri="{BB962C8B-B14F-4D97-AF65-F5344CB8AC3E}">
-        <p14:creationId xmlns:p14="http://schemas.microsoft.com/office/powerpoint/2010/main" val="604023084"/>
+        <p14:creationId xmlns:p14="http://schemas.microsoft.com/office/powerpoint/2010/main" val="3960745449"/>
       </p:ext>
     </p:extLst>
   </p:cSld>
@@ -8208,7 +7960,13 @@
       </p:grpSpPr>
       <p:sp>
         <p:nvSpPr>
-          <p:cNvPr id="2" name="Title 1"/>
+          <p:cNvPr id="2" name="Title 1">
+            <a:extLst>
+              <a:ext uri="{FF2B5EF4-FFF2-40B4-BE49-F238E27FC236}">
+                <a16:creationId xmlns:a16="http://schemas.microsoft.com/office/drawing/2014/main" id="{590D0125-5A9E-9D48-9391-85FBD0E608A2}"/>
+              </a:ext>
+            </a:extLst>
+          </p:cNvPr>
           <p:cNvSpPr>
             <a:spLocks noGrp="1"/>
           </p:cNvSpPr>
@@ -8218,129 +7976,54 @@
         </p:nvSpPr>
         <p:spPr>
           <a:xfrm>
-            <a:off x="457200" y="-21771"/>
-            <a:ext cx="8229600" cy="857250"/>
+            <a:off x="228600" y="-17621"/>
+            <a:ext cx="8915400" cy="599270"/>
           </a:xfrm>
         </p:spPr>
         <p:txBody>
           <a:bodyPr/>
           <a:lstStyle/>
           <a:p>
-            <a:r>
-              <a:rPr lang="en-US" sz="3600" dirty="0">
+            <a:pPr algn="l"/>
+            <a:r>
+              <a:rPr lang="en-CA" sz="2500" dirty="0">
                 <a:solidFill>
                   <a:srgbClr val="0070C0"/>
                 </a:solidFill>
                 <a:latin typeface="Calibri Light" panose="020F0302020204030204" pitchFamily="34" charset="0"/>
                 <a:cs typeface="Calibri Light" panose="020F0302020204030204" pitchFamily="34" charset="0"/>
               </a:rPr>
-              <a:t>Hob-by-hop IOAM Procedure</a:t>
-            </a:r>
-          </a:p>
-        </p:txBody>
-      </p:sp>
-      <p:sp>
-        <p:nvSpPr>
-          <p:cNvPr id="3" name="Content Placeholder 2"/>
+              <a:t>IOAM Encapsulation with Flow Label Example with SR-MPLS Header</a:t>
+            </a:r>
+            <a:endParaRPr lang="en-US" sz="2500" dirty="0">
+              <a:solidFill>
+                <a:srgbClr val="0070C0"/>
+              </a:solidFill>
+              <a:latin typeface="Calibri Light" panose="020F0302020204030204" pitchFamily="34" charset="0"/>
+              <a:cs typeface="Calibri Light" panose="020F0302020204030204" pitchFamily="34" charset="0"/>
+            </a:endParaRPr>
+          </a:p>
+        </p:txBody>
+      </p:sp>
+      <p:sp>
+        <p:nvSpPr>
+          <p:cNvPr id="4" name="Footer Placeholder 3">
+            <a:extLst>
+              <a:ext uri="{FF2B5EF4-FFF2-40B4-BE49-F238E27FC236}">
+                <a16:creationId xmlns:a16="http://schemas.microsoft.com/office/drawing/2014/main" id="{87713FCD-3B47-804D-B373-DAB61FB5FF59}"/>
+              </a:ext>
+            </a:extLst>
+          </p:cNvPr>
           <p:cNvSpPr>
             <a:spLocks noGrp="1"/>
           </p:cNvSpPr>
           <p:nvPr>
-            <p:ph idx="1"/>
+            <p:ph type="ftr" sz="quarter" idx="11"/>
           </p:nvPr>
         </p:nvSpPr>
         <p:spPr>
           <a:xfrm>
-            <a:off x="533399" y="857250"/>
-            <a:ext cx="7982607" cy="3543300"/>
-          </a:xfrm>
-        </p:spPr>
-        <p:txBody>
-          <a:bodyPr/>
-          <a:lstStyle/>
-          <a:p>
-            <a:pPr marL="457200" lvl="0" indent="-457200">
-              <a:lnSpc>
-                <a:spcPts val="2640"/>
-              </a:lnSpc>
-              <a:spcBef>
-                <a:spcPts val="600"/>
-              </a:spcBef>
-              <a:buFont typeface="+mj-lt"/>
-              <a:buAutoNum type="arabicPeriod"/>
-            </a:pPr>
-            <a:r>
-              <a:rPr lang="en-CA" sz="1800" dirty="0"/>
-              <a:t>The encapsulating node inserts a hop-by-hop Indicator Label and one or more IOAM data field(s) in the MPLS header.</a:t>
-            </a:r>
-          </a:p>
-          <a:p>
-            <a:pPr marL="457200" indent="-457200">
-              <a:lnSpc>
-                <a:spcPts val="2640"/>
-              </a:lnSpc>
-              <a:spcBef>
-                <a:spcPts val="600"/>
-              </a:spcBef>
-              <a:buFont typeface="+mj-lt"/>
-              <a:buAutoNum type="arabicPeriod"/>
-            </a:pPr>
-            <a:r>
-              <a:rPr lang="en-CA" sz="1800" dirty="0">
-                <a:solidFill>
-                  <a:srgbClr val="0070C0"/>
-                </a:solidFill>
-              </a:rPr>
-              <a:t>The transit node for hop-by-hop IOAM "forwards and punts the timestamped copy" of the data packet including IOAM data field(s). </a:t>
-            </a:r>
-          </a:p>
-          <a:p>
-            <a:pPr marL="457200" lvl="0" indent="-457200">
-              <a:lnSpc>
-                <a:spcPts val="2640"/>
-              </a:lnSpc>
-              <a:spcBef>
-                <a:spcPts val="600"/>
-              </a:spcBef>
-              <a:buFont typeface="+mj-lt"/>
-              <a:buAutoNum type="arabicPeriod"/>
-            </a:pPr>
-            <a:r>
-              <a:rPr lang="en-CA" sz="1800" dirty="0"/>
-              <a:t>The decapsulating node for hop-by-hop IOAM "forwards and punts the timestamped copy" of the data packet including IOAM data field(s). </a:t>
-            </a:r>
-          </a:p>
-          <a:p>
-            <a:pPr marL="857250" lvl="1" indent="-457200">
-              <a:lnSpc>
-                <a:spcPts val="2640"/>
-              </a:lnSpc>
-              <a:spcBef>
-                <a:spcPts val="600"/>
-              </a:spcBef>
-              <a:buFont typeface="Wingdings" pitchFamily="2" charset="2"/>
-              <a:buChar char="§"/>
-            </a:pPr>
-            <a:r>
-              <a:rPr lang="en-CA" sz="1800" dirty="0"/>
-              <a:t>The decapsulating node for hop-by-hop IOAM also pops the IOAM Indicator Label and the IOAM data field(s) from the MPLS header.</a:t>
-            </a:r>
-          </a:p>
-        </p:txBody>
-      </p:sp>
-      <p:sp>
-        <p:nvSpPr>
-          <p:cNvPr id="4" name="Footer Placeholder 3"/>
-          <p:cNvSpPr>
-            <a:spLocks noGrp="1"/>
-          </p:cNvSpPr>
-          <p:nvPr>
-            <p:ph type="ftr" sz="quarter" idx="11"/>
-          </p:nvPr>
-        </p:nvSpPr>
-        <p:spPr>
-          <a:xfrm>
-            <a:off x="3124200" y="4787315"/>
+            <a:off x="3124200" y="4862513"/>
             <a:ext cx="2895600" cy="357188"/>
           </a:xfrm>
         </p:spPr>
@@ -8365,7 +8048,13 @@
       </p:sp>
       <p:sp>
         <p:nvSpPr>
-          <p:cNvPr id="5" name="Slide Number Placeholder 4"/>
+          <p:cNvPr id="5" name="Slide Number Placeholder 4">
+            <a:extLst>
+              <a:ext uri="{FF2B5EF4-FFF2-40B4-BE49-F238E27FC236}">
+                <a16:creationId xmlns:a16="http://schemas.microsoft.com/office/drawing/2014/main" id="{1371408B-9195-EC4D-8131-A3F5CC0592D0}"/>
+              </a:ext>
+            </a:extLst>
+          </p:cNvPr>
           <p:cNvSpPr>
             <a:spLocks noGrp="1"/>
           </p:cNvSpPr>
@@ -8392,10 +8081,321 @@
           </a:p>
         </p:txBody>
       </p:sp>
+      <p:sp>
+        <p:nvSpPr>
+          <p:cNvPr id="6" name="Rectangle 5">
+            <a:extLst>
+              <a:ext uri="{FF2B5EF4-FFF2-40B4-BE49-F238E27FC236}">
+                <a16:creationId xmlns:a16="http://schemas.microsoft.com/office/drawing/2014/main" id="{1EED4007-3A19-0E4E-8496-6CECEEA363EB}"/>
+              </a:ext>
+            </a:extLst>
+          </p:cNvPr>
+          <p:cNvSpPr/>
+          <p:nvPr/>
+        </p:nvSpPr>
+        <p:spPr>
+          <a:xfrm>
+            <a:off x="2076450" y="485208"/>
+            <a:ext cx="5219700" cy="4392784"/>
+          </a:xfrm>
+          <a:prstGeom prst="rect">
+            <a:avLst/>
+          </a:prstGeom>
+          <a:solidFill>
+            <a:schemeClr val="accent6">
+              <a:lumMod val="20000"/>
+              <a:lumOff val="80000"/>
+            </a:schemeClr>
+          </a:solidFill>
+        </p:spPr>
+        <p:txBody>
+          <a:bodyPr wrap="square">
+            <a:spAutoFit/>
+          </a:bodyPr>
+          <a:lstStyle/>
+          <a:p>
+            <a:r>
+              <a:rPr lang="en-CA" sz="900" dirty="0">
+                <a:latin typeface="Courier" pitchFamily="2" charset="0"/>
+              </a:rPr>
+              <a:t>    0                   1                   2                   3</a:t>
+            </a:r>
+          </a:p>
+          <a:p>
+            <a:r>
+              <a:rPr lang="en-CA" sz="900" dirty="0">
+                <a:latin typeface="Courier" pitchFamily="2" charset="0"/>
+              </a:rPr>
+              <a:t>    0 1 2 3 4 5 6 7 8 9 0 1 2 3 4 5 6 7 8 9 0 1 2 3 4 5 6 7 8 9 0 1</a:t>
+            </a:r>
+          </a:p>
+          <a:p>
+            <a:r>
+              <a:rPr lang="en-CA" sz="900" dirty="0">
+                <a:latin typeface="Courier" pitchFamily="2" charset="0"/>
+              </a:rPr>
+              <a:t>   +-+-+-+-+-+-+-+-+-+-+-+-+-+-+-+-+-+-+-+-+-+-+-+-+-+-+-+-+-+-+-+-+</a:t>
+            </a:r>
+          </a:p>
+          <a:p>
+            <a:r>
+              <a:rPr lang="en-CA" sz="900" dirty="0">
+                <a:latin typeface="Courier" pitchFamily="2" charset="0"/>
+              </a:rPr>
+              <a:t>   |                Label(1)               | TC  |S|      TTL      |</a:t>
+            </a:r>
+          </a:p>
+          <a:p>
+            <a:r>
+              <a:rPr lang="en-CA" sz="900" dirty="0">
+                <a:latin typeface="Courier" pitchFamily="2" charset="0"/>
+              </a:rPr>
+              <a:t>   +-+-+-+-+-+-+-+-+-+-+-+-+-+-+-+-+-+-+-+-+-+-+-+-+-+-+-+-+-+-+-+-+</a:t>
+            </a:r>
+          </a:p>
+          <a:p>
+            <a:r>
+              <a:rPr lang="en-CA" sz="900" dirty="0">
+                <a:latin typeface="Courier" pitchFamily="2" charset="0"/>
+              </a:rPr>
+              <a:t>   .                                                               .</a:t>
+            </a:r>
+          </a:p>
+          <a:p>
+            <a:r>
+              <a:rPr lang="en-CA" sz="900" dirty="0">
+                <a:latin typeface="Courier" pitchFamily="2" charset="0"/>
+              </a:rPr>
+              <a:t>   .                                                               .</a:t>
+            </a:r>
+          </a:p>
+          <a:p>
+            <a:r>
+              <a:rPr lang="en-CA" sz="900" dirty="0">
+                <a:latin typeface="Courier" pitchFamily="2" charset="0"/>
+              </a:rPr>
+              <a:t>   .                                                               .</a:t>
+            </a:r>
+          </a:p>
+          <a:p>
+            <a:r>
+              <a:rPr lang="en-CA" sz="900" dirty="0">
+                <a:latin typeface="Courier" pitchFamily="2" charset="0"/>
+              </a:rPr>
+              <a:t>   +-+-+-+-+-+-+-+-+-+-+-+-+-+-+-+-+-+-+-+-+-+-+-+-+-+-+-+-+-+-+-+-+</a:t>
+            </a:r>
+          </a:p>
+          <a:p>
+            <a:r>
+              <a:rPr lang="en-CA" sz="900" dirty="0">
+                <a:latin typeface="Courier" pitchFamily="2" charset="0"/>
+              </a:rPr>
+              <a:t>   |                Label(n)               | TC  |S|      TTL      |</a:t>
+            </a:r>
+          </a:p>
+          <a:p>
+            <a:r>
+              <a:rPr lang="en-CA" sz="900" dirty="0">
+                <a:latin typeface="Courier" pitchFamily="2" charset="0"/>
+              </a:rPr>
+              <a:t>   +-+-+-+-+-+-+-+-+-+-+-+-+-+-+-+-+-+-+-+-+-+-+-+-+-+-+-+-+-+-+-+-+</a:t>
+            </a:r>
+          </a:p>
+          <a:p>
+            <a:r>
+              <a:rPr lang="en-CA" sz="900" dirty="0">
+                <a:latin typeface="Courier" pitchFamily="2" charset="0"/>
+              </a:rPr>
+              <a:t>   |                PSID                   | TC  |S|      TTL      | </a:t>
+            </a:r>
+          </a:p>
+          <a:p>
+            <a:r>
+              <a:rPr lang="en-CA" sz="900" dirty="0">
+                <a:latin typeface="Courier" pitchFamily="2" charset="0"/>
+              </a:rPr>
+              <a:t>   +-+-+-+-+-+-+-+-+-+-+-+-+-+-+-+-+-+-+-+-+-+-+-+-+-+-+-+-+-+-+-+-+</a:t>
+            </a:r>
+          </a:p>
+          <a:p>
+            <a:r>
+              <a:rPr lang="en-CA" sz="900" dirty="0">
+                <a:latin typeface="Courier" pitchFamily="2" charset="0"/>
+              </a:rPr>
+              <a:t>   |  </a:t>
+            </a:r>
+            <a:r>
+              <a:rPr lang="en-CA" sz="900" b="1" dirty="0">
+                <a:latin typeface="Courier" pitchFamily="2" charset="0"/>
+              </a:rPr>
+              <a:t>IOAM and Flow Indicator Label        </a:t>
+            </a:r>
+            <a:r>
+              <a:rPr lang="en-CA" sz="900" dirty="0">
+                <a:latin typeface="Courier" pitchFamily="2" charset="0"/>
+              </a:rPr>
+              <a:t>| TC  |1|  TTL          |</a:t>
+            </a:r>
+          </a:p>
+          <a:p>
+            <a:r>
+              <a:rPr lang="en-CA" sz="900" dirty="0">
+                <a:latin typeface="Courier" pitchFamily="2" charset="0"/>
+              </a:rPr>
+              <a:t>   +-+-+-+-+-+-+-+-+-+-+-+-+-+-+-+-+-+-+-+-+-+-+-+-+-+-+-+-+-+-+-+-+</a:t>
+            </a:r>
+          </a:p>
+          <a:p>
+            <a:r>
+              <a:rPr lang="en-CA" sz="900" dirty="0">
+                <a:latin typeface="Courier" pitchFamily="2" charset="0"/>
+              </a:rPr>
+              <a:t>   |</a:t>
+            </a:r>
+            <a:r>
+              <a:rPr lang="en-CA" sz="900" b="1" dirty="0">
+                <a:latin typeface="Courier" pitchFamily="2" charset="0"/>
+              </a:rPr>
+              <a:t>0 0 1 0</a:t>
+            </a:r>
+            <a:r>
+              <a:rPr lang="en-CA" sz="900" dirty="0">
+                <a:latin typeface="Courier" pitchFamily="2" charset="0"/>
+              </a:rPr>
+              <a:t>|      Flow label                       | Block Number  |</a:t>
+            </a:r>
+          </a:p>
+          <a:p>
+            <a:r>
+              <a:rPr lang="en-CA" sz="900" dirty="0">
+                <a:latin typeface="Courier" pitchFamily="2" charset="0"/>
+              </a:rPr>
+              <a:t>   +-+-+-+-+-+-+-+-+-+-+-+-+-+-+-+-+-+-+-+-+-+-+-+-+-+-+-+-+-+-+-+-+&lt;-+ </a:t>
+            </a:r>
+          </a:p>
+          <a:p>
+            <a:r>
+              <a:rPr lang="en-CA" sz="900" dirty="0">
+                <a:latin typeface="Courier" pitchFamily="2" charset="0"/>
+              </a:rPr>
+              <a:t>   |  IOAM-Type    | IOAM HDR LEN  |    RESERVED                   |  |</a:t>
+            </a:r>
+          </a:p>
+          <a:p>
+            <a:r>
+              <a:rPr lang="en-CA" sz="900" dirty="0">
+                <a:latin typeface="Courier" pitchFamily="2" charset="0"/>
+              </a:rPr>
+              <a:t>   +-+-+-+-+-+-+-+-+-+-+-+-+-+-+-+-+-+-+-+-+-+-+-+-+-+-+-+-+-+-+-+-+  I</a:t>
+            </a:r>
+          </a:p>
+          <a:p>
+            <a:r>
+              <a:rPr lang="en-CA" sz="900" dirty="0">
+                <a:latin typeface="Courier" pitchFamily="2" charset="0"/>
+              </a:rPr>
+              <a:t>   |                                                               |  O</a:t>
+            </a:r>
+          </a:p>
+          <a:p>
+            <a:r>
+              <a:rPr lang="en-CA" sz="900" dirty="0">
+                <a:latin typeface="Courier" pitchFamily="2" charset="0"/>
+              </a:rPr>
+              <a:t>   |                                                               |  A</a:t>
+            </a:r>
+          </a:p>
+          <a:p>
+            <a:r>
+              <a:rPr lang="en-CA" sz="900" dirty="0">
+                <a:latin typeface="Courier" pitchFamily="2" charset="0"/>
+              </a:rPr>
+              <a:t>   ~                 IOAM Option and Data Space                    ~  M</a:t>
+            </a:r>
+          </a:p>
+          <a:p>
+            <a:r>
+              <a:rPr lang="en-CA" sz="900" dirty="0">
+                <a:latin typeface="Courier" pitchFamily="2" charset="0"/>
+              </a:rPr>
+              <a:t>   |                                                               |  |</a:t>
+            </a:r>
+          </a:p>
+          <a:p>
+            <a:r>
+              <a:rPr lang="en-CA" sz="900" dirty="0">
+                <a:latin typeface="Courier" pitchFamily="2" charset="0"/>
+              </a:rPr>
+              <a:t>   |                                                               |  |</a:t>
+            </a:r>
+          </a:p>
+          <a:p>
+            <a:r>
+              <a:rPr lang="en-CA" sz="900" dirty="0">
+                <a:latin typeface="Courier" pitchFamily="2" charset="0"/>
+              </a:rPr>
+              <a:t>   +-+-+-+-+-+-+-+-+-+-+-+-+-+-+-+-+-+-+-+-+-+-+-+-+-+-+-+-+-+-+-+-+&lt;-+</a:t>
+            </a:r>
+          </a:p>
+          <a:p>
+            <a:r>
+              <a:rPr lang="en-CA" sz="900" dirty="0">
+                <a:latin typeface="Courier" pitchFamily="2" charset="0"/>
+              </a:rPr>
+              <a:t>   |                                                               |</a:t>
+            </a:r>
+          </a:p>
+          <a:p>
+            <a:r>
+              <a:rPr lang="en-CA" sz="900" dirty="0">
+                <a:latin typeface="Courier" pitchFamily="2" charset="0"/>
+              </a:rPr>
+              <a:t>   ~                 Payload + Padding                             ~</a:t>
+            </a:r>
+          </a:p>
+          <a:p>
+            <a:r>
+              <a:rPr lang="en-CA" sz="900" dirty="0">
+                <a:latin typeface="Courier" pitchFamily="2" charset="0"/>
+              </a:rPr>
+              <a:t>   |                                                               |</a:t>
+            </a:r>
+          </a:p>
+          <a:p>
+            <a:r>
+              <a:rPr lang="en-CA" sz="900" dirty="0">
+                <a:latin typeface="Courier" pitchFamily="2" charset="0"/>
+              </a:rPr>
+              <a:t>   +-+-+-+-+-+-+-+-+-+-+-+-+-+-+-+-+-+-+-+-+-+-+-+-+-+-+-+-+-+-+-+-+</a:t>
+            </a:r>
+          </a:p>
+          <a:p>
+            <a:r>
+              <a:rPr lang="en-CA" sz="900" dirty="0">
+                <a:latin typeface="Courier" pitchFamily="2" charset="0"/>
+              </a:rPr>
+              <a:t> </a:t>
+            </a:r>
+          </a:p>
+          <a:p>
+            <a:r>
+              <a:rPr lang="en-CA" sz="900" dirty="0">
+                <a:latin typeface="Courier" pitchFamily="2" charset="0"/>
+              </a:rPr>
+              <a:t> Figure: IOAM Encapsulation with Flow Label Example with SR-MPLS Header</a:t>
+            </a:r>
+            <a:endParaRPr lang="en-CA" sz="900" dirty="0">
+              <a:latin typeface="Courier" pitchFamily="2" charset="0"/>
+              <a:ea typeface="Calibri" panose="020F0502020204030204" pitchFamily="34" charset="0"/>
+              <a:cs typeface="Times New Roman" panose="02020603050405020304" pitchFamily="18" charset="0"/>
+            </a:endParaRPr>
+          </a:p>
+        </p:txBody>
+      </p:sp>
     </p:spTree>
     <p:extLst>
       <p:ext uri="{BB962C8B-B14F-4D97-AF65-F5344CB8AC3E}">
-        <p14:creationId xmlns:p14="http://schemas.microsoft.com/office/powerpoint/2010/main" val="3762799719"/>
+        <p14:creationId xmlns:p14="http://schemas.microsoft.com/office/powerpoint/2010/main" val="1566683334"/>
       </p:ext>
     </p:extLst>
   </p:cSld>
@@ -9263,7 +9263,7 @@
         </p:nvSpPr>
         <p:spPr>
           <a:xfrm>
-            <a:off x="457200" y="858253"/>
+            <a:off x="457200" y="916656"/>
             <a:ext cx="8229600" cy="3619500"/>
           </a:xfrm>
         </p:spPr>
@@ -9290,7 +9290,7 @@
           <a:p>
             <a:r>
               <a:rPr lang="en-US" sz="1200" dirty="0"/>
-              <a:t>Nov 2018 and March 2019 </a:t>
+              <a:t>Nov 2018 and Mar 2019 </a:t>
             </a:r>
             <a:endParaRPr lang="en-US" sz="1200" i="1" dirty="0"/>
           </a:p>
@@ -9365,27 +9365,6 @@
             <a:r>
               <a:rPr lang="en-US" sz="1200" dirty="0"/>
               <a:t> at IETF 106 Singapore in MPLS WG</a:t>
-            </a:r>
-          </a:p>
-          <a:p>
-            <a:r>
-              <a:rPr lang="en-CA" sz="1200" dirty="0"/>
-              <a:t>Apr 2020</a:t>
-            </a:r>
-          </a:p>
-          <a:p>
-            <a:pPr lvl="1"/>
-            <a:r>
-              <a:rPr lang="en-US" sz="1200" dirty="0"/>
-              <a:t>Presented </a:t>
-            </a:r>
-            <a:r>
-              <a:rPr lang="en-US" sz="1200" i="1" dirty="0"/>
-              <a:t>draft-gandhi-mpls-ioam-sr-02 </a:t>
-            </a:r>
-            <a:r>
-              <a:rPr lang="en-US" sz="1200" dirty="0"/>
-              <a:t>at IETF 107 in MPLS WG Interim (we ran out of time)</a:t>
             </a:r>
           </a:p>
           <a:p>
@@ -10589,7 +10568,27 @@
             </a:pPr>
             <a:r>
               <a:rPr lang="en-CA" sz="2000" dirty="0"/>
-              <a:t>Label assigned by IANA with values TBA1 and TBA2</a:t>
+              <a:t>Label assigned by IANA with values </a:t>
+            </a:r>
+            <a:r>
+              <a:rPr lang="en-CA" sz="2000" dirty="0">
+                <a:solidFill>
+                  <a:schemeClr val="accent5"/>
+                </a:solidFill>
+              </a:rPr>
+              <a:t>TBA1</a:t>
+            </a:r>
+            <a:r>
+              <a:rPr lang="en-CA" sz="2000" dirty="0"/>
+              <a:t> and </a:t>
+            </a:r>
+            <a:r>
+              <a:rPr lang="en-CA" sz="2000" dirty="0">
+                <a:solidFill>
+                  <a:schemeClr val="accent5"/>
+                </a:solidFill>
+              </a:rPr>
+              <a:t>TBA2</a:t>
             </a:r>
           </a:p>
           <a:p>
@@ -10823,7 +10822,27 @@
             </a:pPr>
             <a:r>
               <a:rPr lang="en-CA" sz="2000" dirty="0"/>
-              <a:t>Label assigned by IANA with values TBA3 and TBA4</a:t>
+              <a:t>Label assigned by IANA with values </a:t>
+            </a:r>
+            <a:r>
+              <a:rPr lang="en-CA" sz="2000" dirty="0">
+                <a:solidFill>
+                  <a:schemeClr val="accent5"/>
+                </a:solidFill>
+              </a:rPr>
+              <a:t>TBA3</a:t>
+            </a:r>
+            <a:r>
+              <a:rPr lang="en-CA" sz="2000" dirty="0"/>
+              <a:t> and </a:t>
+            </a:r>
+            <a:r>
+              <a:rPr lang="en-CA" sz="2000" dirty="0">
+                <a:solidFill>
+                  <a:schemeClr val="accent5"/>
+                </a:solidFill>
+              </a:rPr>
+              <a:t>TBA4</a:t>
             </a:r>
           </a:p>
           <a:p>

--- a/draft-gandhi-mpls-ioam-sr-03.pptx
+++ b/draft-gandhi-mpls-ioam-sr-03.pptx
@@ -262,7 +262,7 @@
           <a:p>
             <a:fld id="{E8FA3DB5-7722-3F4F-947D-12B203669AD7}" type="datetimeFigureOut">
               <a:rPr lang="en-US" smtClean="0"/>
-              <a:t>11/15/20</a:t>
+              <a:t>11/16/20</a:t>
             </a:fld>
             <a:endParaRPr lang="en-US"/>
           </a:p>
@@ -7174,7 +7174,7 @@
               <a:buAutoNum type="arabicPeriod"/>
             </a:pPr>
             <a:r>
-              <a:rPr lang="en-CA" sz="2000" dirty="0"/>
+              <a:rPr lang="en-CA" sz="1800" dirty="0"/>
               <a:t>The encapsulating node inserts an edge-to-edge Indicator Label and one or more IOAM data field(s) in the MPLS header.</a:t>
             </a:r>
           </a:p>
@@ -7190,7 +7190,7 @@
               <a:buAutoNum type="arabicPeriod"/>
             </a:pPr>
             <a:r>
-              <a:rPr lang="en-CA" sz="2000" dirty="0"/>
+              <a:rPr lang="en-CA" sz="1800" dirty="0"/>
               <a:t>The decapsulating node for edge-to-edge IOAM "forwards and punts the timestamped copy" of the data packet including IOAM data field(s). </a:t>
             </a:r>
           </a:p>
@@ -7206,7 +7206,7 @@
               <a:buChar char="§"/>
             </a:pPr>
             <a:r>
-              <a:rPr lang="en-CA" sz="2000" dirty="0"/>
+              <a:rPr lang="en-CA" sz="1800" dirty="0"/>
               <a:t>The decapsulating node for edge-to-edge IOAM also pops the IOAM Indicator Label and the IOAM data field(s) from the MPLS header.</a:t>
             </a:r>
           </a:p>
@@ -7660,7 +7660,7 @@
         <p:spPr>
           <a:xfrm>
             <a:off x="1943100" y="627191"/>
-            <a:ext cx="5257800" cy="4108817"/>
+            <a:ext cx="5257800" cy="4385816"/>
           </a:xfrm>
           <a:prstGeom prst="rect">
             <a:avLst/>
@@ -7771,6 +7771,34 @@
                 <a:latin typeface="Courier" pitchFamily="2" charset="0"/>
               </a:rPr>
               <a:t>   |                PSID                   | TC  |S|      TTL      | </a:t>
+            </a:r>
+          </a:p>
+          <a:p>
+            <a:r>
+              <a:rPr lang="en-CA" sz="900" dirty="0">
+                <a:latin typeface="Courier" pitchFamily="2" charset="0"/>
+              </a:rPr>
+              <a:t>   +-+-+-+-+-+-+-+-+-+-+-+-+-+-+-+-+-+-+-+-+-+-+-+-+-+-+-+-+-+-+-+-+</a:t>
+            </a:r>
+          </a:p>
+          <a:p>
+            <a:r>
+              <a:rPr lang="en-CA" sz="900" dirty="0">
+                <a:latin typeface="Courier" pitchFamily="2" charset="0"/>
+              </a:rPr>
+              <a:t>   |  </a:t>
+            </a:r>
+            <a:r>
+              <a:rPr lang="en-CA" sz="900" b="1" dirty="0">
+                <a:latin typeface="Courier" pitchFamily="2" charset="0"/>
+              </a:rPr>
+              <a:t>Extension Label (15)                 </a:t>
+            </a:r>
+            <a:r>
+              <a:rPr lang="en-CA" sz="900" dirty="0">
+                <a:latin typeface="Courier" pitchFamily="2" charset="0"/>
+              </a:rPr>
+              <a:t>| TC  |0|  TTL          |</a:t>
             </a:r>
           </a:p>
           <a:p>
@@ -8096,7 +8124,7 @@
         <p:spPr>
           <a:xfrm>
             <a:off x="2076450" y="485208"/>
-            <a:ext cx="5219700" cy="4392784"/>
+            <a:ext cx="5238750" cy="4662815"/>
           </a:xfrm>
           <a:prstGeom prst="rect">
             <a:avLst/>
@@ -8207,6 +8235,34 @@
                 <a:latin typeface="Courier" pitchFamily="2" charset="0"/>
               </a:rPr>
               <a:t>   |                PSID                   | TC  |S|      TTL      | </a:t>
+            </a:r>
+          </a:p>
+          <a:p>
+            <a:r>
+              <a:rPr lang="en-CA" sz="900" dirty="0">
+                <a:latin typeface="Courier" pitchFamily="2" charset="0"/>
+              </a:rPr>
+              <a:t>   +-+-+-+-+-+-+-+-+-+-+-+-+-+-+-+-+-+-+-+-+-+-+-+-+-+-+-+-+-+-+-+-+</a:t>
+            </a:r>
+          </a:p>
+          <a:p>
+            <a:r>
+              <a:rPr lang="en-CA" sz="900" dirty="0">
+                <a:latin typeface="Courier" pitchFamily="2" charset="0"/>
+              </a:rPr>
+              <a:t>   |  </a:t>
+            </a:r>
+            <a:r>
+              <a:rPr lang="en-CA" sz="900" b="1" dirty="0">
+                <a:latin typeface="Courier" pitchFamily="2" charset="0"/>
+              </a:rPr>
+              <a:t>Extension Label (15)                 </a:t>
+            </a:r>
+            <a:r>
+              <a:rPr lang="en-CA" sz="900" dirty="0">
+                <a:latin typeface="Courier" pitchFamily="2" charset="0"/>
+              </a:rPr>
+              <a:t>| TC  |0|  TTL          |</a:t>
             </a:r>
           </a:p>
           <a:p>
@@ -9544,7 +9600,7 @@
               <a:buNone/>
             </a:pPr>
             <a:r>
-              <a:rPr lang="en-US" sz="2000" dirty="0"/>
+              <a:rPr lang="en-US" sz="1800" dirty="0"/>
               <a:t>Updates:</a:t>
             </a:r>
           </a:p>
@@ -9554,7 +9610,7 @@
               <a:buChar char="ü"/>
             </a:pPr>
             <a:r>
-              <a:rPr lang="en-US" sz="2000" dirty="0"/>
+              <a:rPr lang="en-US" sz="1800" dirty="0"/>
               <a:t>Protocol type field 0010b</a:t>
             </a:r>
           </a:p>
@@ -9564,16 +9620,26 @@
               <a:buChar char="ü"/>
             </a:pPr>
             <a:r>
-              <a:rPr lang="en-US" sz="2000" dirty="0"/>
+              <a:rPr lang="en-US" sz="1800" dirty="0"/>
               <a:t>Why different </a:t>
             </a:r>
             <a:r>
-              <a:rPr lang="en-US" sz="2000" dirty="0" err="1"/>
+              <a:rPr lang="en-US" sz="1800" dirty="0" err="1"/>
               <a:t>HbH</a:t>
             </a:r>
             <a:r>
-              <a:rPr lang="en-US" sz="2000" dirty="0"/>
-              <a:t> and E2E Indicator Labels – Optimize processing on transit nodes</a:t>
+              <a:rPr lang="en-US" sz="1800" dirty="0"/>
+              <a:t> and E2E Indicator Labels </a:t>
+            </a:r>
+          </a:p>
+          <a:p>
+            <a:pPr lvl="2">
+              <a:buFont typeface="Wingdings" pitchFamily="2" charset="2"/>
+              <a:buChar char="§"/>
+            </a:pPr>
+            <a:r>
+              <a:rPr lang="en-US" sz="1800" dirty="0"/>
+              <a:t>Optimize processing on transit nodes</a:t>
             </a:r>
           </a:p>
           <a:p>
@@ -9582,8 +9648,8 @@
               <a:buChar char="ü"/>
             </a:pPr>
             <a:r>
-              <a:rPr lang="en-US" sz="2000" dirty="0"/>
-              <a:t>Added MSD consideration</a:t>
+              <a:rPr lang="en-US" sz="1800" dirty="0"/>
+              <a:t>Added MSD consideration text</a:t>
             </a:r>
           </a:p>
           <a:p>
@@ -9592,7 +9658,17 @@
               <a:buChar char="ü"/>
             </a:pPr>
             <a:r>
-              <a:rPr lang="en-US" sz="2000" dirty="0"/>
+              <a:rPr lang="en-US" sz="1800" dirty="0"/>
+              <a:t>Show Extension Label (15) in MPLS Header</a:t>
+            </a:r>
+          </a:p>
+          <a:p>
+            <a:pPr lvl="1">
+              <a:buFont typeface="Wingdings" pitchFamily="2" charset="2"/>
+              <a:buChar char="ü"/>
+            </a:pPr>
+            <a:r>
+              <a:rPr lang="en-US" sz="1800" dirty="0"/>
               <a:t>Various editorial changes	</a:t>
             </a:r>
           </a:p>
@@ -9600,14 +9676,14 @@
             <a:pPr marL="0" lvl="1" indent="0">
               <a:buNone/>
             </a:pPr>
-            <a:endParaRPr lang="en-US" sz="2000" dirty="0"/>
+            <a:endParaRPr lang="en-US" sz="1800" dirty="0"/>
           </a:p>
           <a:p>
             <a:pPr marL="0" lvl="1" indent="0">
               <a:buNone/>
             </a:pPr>
             <a:r>
-              <a:rPr lang="en-US" sz="2000" dirty="0"/>
+              <a:rPr lang="en-US" sz="1800" dirty="0"/>
               <a:t>Open Items:</a:t>
             </a:r>
           </a:p>
@@ -9617,7 +9693,7 @@
               <a:buChar char="§"/>
             </a:pPr>
             <a:r>
-              <a:rPr lang="en-US" sz="2000" dirty="0"/>
+              <a:rPr lang="en-US" sz="1800" dirty="0"/>
               <a:t>None</a:t>
             </a:r>
           </a:p>
@@ -9855,7 +9931,7 @@
         <p:spPr>
           <a:xfrm>
             <a:off x="1676400" y="935490"/>
-            <a:ext cx="5791200" cy="3323987"/>
+            <a:ext cx="5791200" cy="3631763"/>
           </a:xfrm>
           <a:prstGeom prst="rect">
             <a:avLst/>
@@ -9886,6 +9962,34 @@
                 <a:latin typeface="Courier" pitchFamily="2" charset="0"/>
               </a:rPr>
               <a:t>    0 1 2 3 4 5 6 7 8 9 0 1 2 3 4 5 6 7 8 9 0 1 2 3 4 5 6 7 8 9 0 1</a:t>
+            </a:r>
+          </a:p>
+          <a:p>
+            <a:r>
+              <a:rPr lang="en-CA" sz="1000" dirty="0">
+                <a:latin typeface="Courier" pitchFamily="2" charset="0"/>
+              </a:rPr>
+              <a:t>   +-+-+-+-+-+-+-+-+-+-+-+-+-+-+-+-+-+-+-+-+-+-+-+-+-+-+-+-+-+-+-+-+</a:t>
+            </a:r>
+          </a:p>
+          <a:p>
+            <a:r>
+              <a:rPr lang="en-CA" sz="1000" dirty="0">
+                <a:latin typeface="Courier" pitchFamily="2" charset="0"/>
+              </a:rPr>
+              <a:t>   |  </a:t>
+            </a:r>
+            <a:r>
+              <a:rPr lang="en-CA" sz="1000" b="1" dirty="0">
+                <a:latin typeface="Courier" pitchFamily="2" charset="0"/>
+              </a:rPr>
+              <a:t>Extension Label (15)                 </a:t>
+            </a:r>
+            <a:r>
+              <a:rPr lang="en-CA" sz="1000" dirty="0">
+                <a:latin typeface="Courier" pitchFamily="2" charset="0"/>
+              </a:rPr>
+              <a:t>| TC  |0|  TTL          |</a:t>
             </a:r>
           </a:p>
           <a:p>
@@ -10247,7 +10351,7 @@
         <p:spPr>
           <a:xfrm>
             <a:off x="1676400" y="837589"/>
-            <a:ext cx="5715000" cy="3631763"/>
+            <a:ext cx="5715000" cy="3939540"/>
           </a:xfrm>
           <a:prstGeom prst="rect">
             <a:avLst/>
@@ -10278,6 +10382,34 @@
                 <a:latin typeface="Courier" pitchFamily="2" charset="0"/>
               </a:rPr>
               <a:t>    0 1 2 3 4 5 6 7 8 9 0 1 2 3 4 5 6 7 8 9 0 1 2 3 4 5 6 7 8 9 0 1</a:t>
+            </a:r>
+          </a:p>
+          <a:p>
+            <a:r>
+              <a:rPr lang="en-CA" sz="1000" dirty="0">
+                <a:latin typeface="Courier" pitchFamily="2" charset="0"/>
+              </a:rPr>
+              <a:t>   +-+-+-+-+-+-+-+-+-+-+-+-+-+-+-+-+-+-+-+-+-+-+-+-+-+-+-+-+-+-+-+-+</a:t>
+            </a:r>
+          </a:p>
+          <a:p>
+            <a:r>
+              <a:rPr lang="en-CA" sz="1000" dirty="0">
+                <a:latin typeface="Courier" pitchFamily="2" charset="0"/>
+              </a:rPr>
+              <a:t>   |  </a:t>
+            </a:r>
+            <a:r>
+              <a:rPr lang="en-CA" sz="1000" b="1" dirty="0">
+                <a:latin typeface="Courier" pitchFamily="2" charset="0"/>
+              </a:rPr>
+              <a:t>Extension Label (15)                 </a:t>
+            </a:r>
+            <a:r>
+              <a:rPr lang="en-CA" sz="1000" dirty="0">
+                <a:latin typeface="Courier" pitchFamily="2" charset="0"/>
+              </a:rPr>
+              <a:t>| TC  |0|  TTL          |</a:t>
             </a:r>
           </a:p>
           <a:p>
